--- a/Dokumentacija/PROINZ_TG09.3_EduHub.pptx
+++ b/Dokumentacija/PROINZ_TG09.3_EduHub.pptx
@@ -6149,6 +6149,7 @@
               <a:solidFill>
                 <a:srgbClr val="FFB7DA"/>
               </a:solidFill>
+              <a:latin typeface="Century" panose="02040604050505020304" pitchFamily="18" charset="0"/>
             </a:rPr>
             <a:t>Članovi tima</a:t>
           </a:r>
@@ -6206,6 +6207,7 @@
               <a:solidFill>
                 <a:srgbClr val="FFB7DA"/>
               </a:solidFill>
+              <a:latin typeface="Century" panose="02040604050505020304" pitchFamily="18" charset="0"/>
             </a:rPr>
             <a:t>O projektu</a:t>
           </a:r>
@@ -6263,6 +6265,7 @@
               <a:solidFill>
                 <a:srgbClr val="FFB7DA"/>
               </a:solidFill>
+              <a:latin typeface="Century" panose="02040604050505020304" pitchFamily="18" charset="0"/>
             </a:rPr>
             <a:t>Slična </a:t>
           </a:r>
@@ -6271,13 +6274,33 @@
               <a:solidFill>
                 <a:srgbClr val="FFB7DA"/>
               </a:solidFill>
-            </a:rPr>
-            <a:t>rjesenja</a:t>
+              <a:latin typeface="Century" panose="02040604050505020304" pitchFamily="18" charset="0"/>
+            </a:rPr>
+            <a:t>rje</a:t>
+          </a:r>
+          <a:r>
+            <a:rPr lang="en-US" noProof="0" dirty="0">
+              <a:solidFill>
+                <a:srgbClr val="FFB7DA"/>
+              </a:solidFill>
+              <a:latin typeface="Century" panose="02040604050505020304" pitchFamily="18" charset="0"/>
+            </a:rPr>
+            <a:t>š</a:t>
+          </a:r>
+          <a:r>
+            <a:rPr lang="hr-HR" noProof="0" dirty="0" err="1">
+              <a:solidFill>
+                <a:srgbClr val="FFB7DA"/>
+              </a:solidFill>
+              <a:latin typeface="Century" panose="02040604050505020304" pitchFamily="18" charset="0"/>
+            </a:rPr>
+            <a:t>enja</a:t>
           </a:r>
           <a:endParaRPr lang="hr-HR" noProof="0" dirty="0">
             <a:solidFill>
               <a:srgbClr val="FFB7DA"/>
             </a:solidFill>
+            <a:latin typeface="Century" panose="02040604050505020304" pitchFamily="18" charset="0"/>
           </a:endParaRPr>
         </a:p>
       </dgm:t>
@@ -6333,6 +6356,7 @@
               <a:solidFill>
                 <a:srgbClr val="FFB7DA"/>
               </a:solidFill>
+              <a:latin typeface="Century" panose="02040604050505020304" pitchFamily="18" charset="0"/>
             </a:rPr>
             <a:t>Pregled zahtjeva</a:t>
           </a:r>
@@ -6390,6 +6414,7 @@
               <a:solidFill>
                 <a:srgbClr val="FFB7DA"/>
               </a:solidFill>
+              <a:latin typeface="Century" panose="02040604050505020304" pitchFamily="18" charset="0"/>
             </a:rPr>
             <a:t>Korišteni alati i tehnologije</a:t>
           </a:r>
@@ -6447,6 +6472,7 @@
               <a:solidFill>
                 <a:srgbClr val="FFB7DA"/>
               </a:solidFill>
+              <a:latin typeface="Century" panose="02040604050505020304" pitchFamily="18" charset="0"/>
             </a:rPr>
             <a:t>Arhitektura</a:t>
           </a:r>
@@ -6504,6 +6530,7 @@
               <a:solidFill>
                 <a:srgbClr val="FFB7DA"/>
               </a:solidFill>
+              <a:latin typeface="Century" panose="02040604050505020304" pitchFamily="18" charset="0"/>
             </a:rPr>
             <a:t>Ispitivanje</a:t>
           </a:r>
@@ -6511,6 +6538,7 @@
             <a:solidFill>
               <a:srgbClr val="FFB7DA"/>
             </a:solidFill>
+            <a:latin typeface="Century" panose="02040604050505020304" pitchFamily="18" charset="0"/>
           </a:endParaRPr>
         </a:p>
       </dgm:t>
@@ -6566,6 +6594,7 @@
               <a:solidFill>
                 <a:srgbClr val="FFB7DA"/>
               </a:solidFill>
+              <a:latin typeface="Century" panose="02040604050505020304" pitchFamily="18" charset="0"/>
             </a:rPr>
             <a:t>Organizacija</a:t>
           </a:r>
@@ -6574,6 +6603,7 @@
               <a:solidFill>
                 <a:srgbClr val="FFB7DA"/>
               </a:solidFill>
+              <a:latin typeface="Century" panose="02040604050505020304" pitchFamily="18" charset="0"/>
             </a:rPr>
             <a:t> </a:t>
           </a:r>
@@ -6582,6 +6612,7 @@
               <a:solidFill>
                 <a:srgbClr val="FFB7DA"/>
               </a:solidFill>
+              <a:latin typeface="Century" panose="02040604050505020304" pitchFamily="18" charset="0"/>
             </a:rPr>
             <a:t>rada</a:t>
           </a:r>
@@ -6590,6 +6621,7 @@
               <a:solidFill>
                 <a:srgbClr val="FFB7DA"/>
               </a:solidFill>
+              <a:latin typeface="Century" panose="02040604050505020304" pitchFamily="18" charset="0"/>
             </a:rPr>
             <a:t>, </a:t>
           </a:r>
@@ -6598,6 +6630,7 @@
               <a:solidFill>
                 <a:srgbClr val="FFB7DA"/>
               </a:solidFill>
+              <a:latin typeface="Century" panose="02040604050505020304" pitchFamily="18" charset="0"/>
             </a:rPr>
             <a:t>zaključak</a:t>
           </a:r>
@@ -6605,6 +6638,7 @@
             <a:solidFill>
               <a:srgbClr val="FFB7DA"/>
             </a:solidFill>
+            <a:latin typeface="Century" panose="02040604050505020304" pitchFamily="18" charset="0"/>
           </a:endParaRPr>
         </a:p>
       </dgm:t>
@@ -6934,7 +6968,25 @@
               </a:solidFill>
               <a:latin typeface="Century" panose="02040604050505020304" pitchFamily="18" charset="0"/>
             </a:rPr>
-            <a:t>Bilješko Marija - </a:t>
+            <a:t>Bilješko Marija</a:t>
+          </a:r>
+          <a:r>
+            <a:rPr lang="en-US" b="0" i="0" noProof="0" dirty="0">
+              <a:solidFill>
+                <a:srgbClr val="FFB7DA"/>
+              </a:solidFill>
+              <a:latin typeface="Century" panose="02040604050505020304" pitchFamily="18" charset="0"/>
+            </a:rPr>
+            <a:t> </a:t>
+          </a:r>
+          <a:r>
+            <a:rPr lang="hr-HR" b="0" i="0" noProof="0" dirty="0">
+              <a:solidFill>
+                <a:srgbClr val="FFB7DA"/>
+              </a:solidFill>
+              <a:latin typeface="Century" panose="02040604050505020304" pitchFamily="18" charset="0"/>
+            </a:rPr>
+            <a:t>– </a:t>
           </a:r>
           <a:r>
             <a:rPr lang="hr-HR" b="0" i="0" noProof="0" dirty="0" err="1">
@@ -7008,7 +7060,7 @@
               </a:solidFill>
               <a:latin typeface="Century" panose="02040604050505020304" pitchFamily="18" charset="0"/>
             </a:rPr>
-            <a:t> Borna - </a:t>
+            <a:t> Borna – </a:t>
           </a:r>
           <a:r>
             <a:rPr lang="hr-HR" b="0" i="0" noProof="0" dirty="0" err="1">
@@ -7100,7 +7152,7 @@
               </a:solidFill>
               <a:latin typeface="Century" panose="02040604050505020304" pitchFamily="18" charset="0"/>
             </a:rPr>
-            <a:t> - </a:t>
+            <a:t> – </a:t>
           </a:r>
           <a:r>
             <a:rPr lang="hr-HR" b="0" i="0" noProof="0" dirty="0" err="1">
@@ -7165,7 +7217,7 @@
               </a:solidFill>
               <a:latin typeface="Century" panose="02040604050505020304" pitchFamily="18" charset="0"/>
             </a:rPr>
-            <a:t>Stolar Maja - </a:t>
+            <a:t>Stolar Maja – </a:t>
           </a:r>
           <a:r>
             <a:rPr lang="hr-HR" b="0" i="0" noProof="0" dirty="0" err="1">
@@ -7230,7 +7282,7 @@
               </a:solidFill>
               <a:latin typeface="Century" panose="02040604050505020304" pitchFamily="18" charset="0"/>
             </a:rPr>
-            <a:t>Vrdoljak Katarina - </a:t>
+            <a:t>Vrdoljak Katarina – </a:t>
           </a:r>
           <a:r>
             <a:rPr lang="hr-HR" b="0" i="0" noProof="0" dirty="0" err="1">
@@ -7814,7 +7866,7 @@
       </dgm:t>
     </dgm:pt>
     <dgm:pt modelId="{E6231DB5-1F8E-4904-B74B-85C2A7DC6FDE}">
-      <dgm:prSet/>
+      <dgm:prSet custT="1"/>
       <dgm:spPr>
         <a:solidFill>
           <a:srgbClr val="747474"/>
@@ -7830,17 +7882,19 @@
         <a:lstStyle/>
         <a:p>
           <a:r>
-            <a:rPr lang="hr-HR" dirty="0">
+            <a:rPr lang="hr-HR" sz="1600" dirty="0">
               <a:solidFill>
                 <a:srgbClr val="FFB7DA"/>
               </a:solidFill>
+              <a:latin typeface="Century" panose="02040604050505020304" pitchFamily="18" charset="0"/>
             </a:rPr>
             <a:t>upis u prvi razred</a:t>
           </a:r>
-          <a:endParaRPr lang="en-US" dirty="0">
+          <a:endParaRPr lang="en-US" sz="1600" dirty="0">
             <a:solidFill>
               <a:srgbClr val="FFB7DA"/>
             </a:solidFill>
+            <a:latin typeface="Century" panose="02040604050505020304" pitchFamily="18" charset="0"/>
           </a:endParaRPr>
         </a:p>
       </dgm:t>
@@ -7868,7 +7922,7 @@
       </dgm:t>
     </dgm:pt>
     <dgm:pt modelId="{E05D3A13-3055-4F40-807B-6D289F1C7025}">
-      <dgm:prSet/>
+      <dgm:prSet custT="1"/>
       <dgm:spPr>
         <a:solidFill>
           <a:srgbClr val="747474"/>
@@ -7884,17 +7938,19 @@
         <a:lstStyle/>
         <a:p>
           <a:r>
-            <a:rPr lang="hr-HR">
+            <a:rPr lang="hr-HR" sz="1600" dirty="0">
               <a:solidFill>
                 <a:srgbClr val="FFB7DA"/>
               </a:solidFill>
+              <a:latin typeface="Century" panose="02040604050505020304" pitchFamily="18" charset="0"/>
             </a:rPr>
             <a:t>pregled rasporeda sati</a:t>
           </a:r>
-          <a:endParaRPr lang="en-US">
+          <a:endParaRPr lang="en-US" sz="1600" dirty="0">
             <a:solidFill>
               <a:srgbClr val="FFB7DA"/>
             </a:solidFill>
+            <a:latin typeface="Century" panose="02040604050505020304" pitchFamily="18" charset="0"/>
           </a:endParaRPr>
         </a:p>
       </dgm:t>
@@ -7922,7 +7978,7 @@
       </dgm:t>
     </dgm:pt>
     <dgm:pt modelId="{B2A5ED57-B23D-4304-B8A3-A46DCC1CF649}">
-      <dgm:prSet/>
+      <dgm:prSet custT="1"/>
       <dgm:spPr>
         <a:solidFill>
           <a:srgbClr val="747474"/>
@@ -7938,17 +7994,19 @@
         <a:lstStyle/>
         <a:p>
           <a:r>
-            <a:rPr lang="hr-HR">
+            <a:rPr lang="hr-HR" sz="1600" dirty="0">
               <a:solidFill>
                 <a:srgbClr val="FFB7DA"/>
               </a:solidFill>
+              <a:latin typeface="Century" panose="02040604050505020304" pitchFamily="18" charset="0"/>
             </a:rPr>
             <a:t>komunikacija s ostalim korisnicima</a:t>
           </a:r>
-          <a:endParaRPr lang="en-US">
+          <a:endParaRPr lang="en-US" sz="1600" dirty="0">
             <a:solidFill>
               <a:srgbClr val="FFB7DA"/>
             </a:solidFill>
+            <a:latin typeface="Century" panose="02040604050505020304" pitchFamily="18" charset="0"/>
           </a:endParaRPr>
         </a:p>
       </dgm:t>
@@ -7976,7 +8034,7 @@
       </dgm:t>
     </dgm:pt>
     <dgm:pt modelId="{5D2544AF-12E6-498E-9AC7-04F78E60B4F5}">
-      <dgm:prSet/>
+      <dgm:prSet custT="1"/>
       <dgm:spPr>
         <a:solidFill>
           <a:srgbClr val="747474"/>
@@ -7992,33 +8050,37 @@
         <a:lstStyle/>
         <a:p>
           <a:r>
-            <a:rPr lang="hr-HR" dirty="0">
+            <a:rPr lang="hr-HR" sz="1600" dirty="0">
               <a:solidFill>
                 <a:srgbClr val="FFB7DA"/>
               </a:solidFill>
+              <a:latin typeface="Century" panose="02040604050505020304" pitchFamily="18" charset="0"/>
             </a:rPr>
             <a:t>dodavanje nastavnih materijala, </a:t>
           </a:r>
           <a:r>
-            <a:rPr lang="en-US" dirty="0">
+            <a:rPr lang="en-US" sz="1600" dirty="0">
               <a:solidFill>
                 <a:srgbClr val="FFB7DA"/>
               </a:solidFill>
+              <a:latin typeface="Century" panose="02040604050505020304" pitchFamily="18" charset="0"/>
             </a:rPr>
             <a:t>te </a:t>
           </a:r>
           <a:r>
-            <a:rPr lang="hr-HR" dirty="0">
+            <a:rPr lang="hr-HR" sz="1600" dirty="0">
               <a:solidFill>
                 <a:srgbClr val="FFB7DA"/>
               </a:solidFill>
+              <a:latin typeface="Century" panose="02040604050505020304" pitchFamily="18" charset="0"/>
             </a:rPr>
             <a:t>pregled istih</a:t>
           </a:r>
-          <a:endParaRPr lang="en-US" dirty="0">
+          <a:endParaRPr lang="en-US" sz="1600" dirty="0">
             <a:solidFill>
               <a:srgbClr val="FFB7DA"/>
             </a:solidFill>
+            <a:latin typeface="Century" panose="02040604050505020304" pitchFamily="18" charset="0"/>
           </a:endParaRPr>
         </a:p>
       </dgm:t>
@@ -8046,7 +8108,7 @@
       </dgm:t>
     </dgm:pt>
     <dgm:pt modelId="{21C0D789-742B-4BC1-B9C7-7475018F3010}">
-      <dgm:prSet/>
+      <dgm:prSet custT="1"/>
       <dgm:spPr>
         <a:solidFill>
           <a:srgbClr val="747474"/>
@@ -8062,65 +8124,73 @@
         <a:lstStyle/>
         <a:p>
           <a:r>
-            <a:rPr lang="en-US" dirty="0">
+            <a:rPr lang="en-US" sz="1600" dirty="0">
               <a:solidFill>
                 <a:srgbClr val="FFB7DA"/>
               </a:solidFill>
+              <a:latin typeface="Century" panose="02040604050505020304" pitchFamily="18" charset="0"/>
             </a:rPr>
             <a:t>po</a:t>
           </a:r>
           <a:r>
-            <a:rPr lang="hr-HR" dirty="0" err="1">
+            <a:rPr lang="hr-HR" sz="1600" dirty="0" err="1">
               <a:solidFill>
                 <a:srgbClr val="FFB7DA"/>
               </a:solidFill>
+              <a:latin typeface="Century" panose="02040604050505020304" pitchFamily="18" charset="0"/>
             </a:rPr>
             <a:t>hranj</a:t>
           </a:r>
           <a:r>
-            <a:rPr lang="en-US" dirty="0" err="1">
+            <a:rPr lang="en-US" sz="1600" dirty="0" err="1">
               <a:solidFill>
                 <a:srgbClr val="FFB7DA"/>
               </a:solidFill>
+              <a:latin typeface="Century" panose="02040604050505020304" pitchFamily="18" charset="0"/>
             </a:rPr>
             <a:t>ivanje</a:t>
           </a:r>
           <a:r>
-            <a:rPr lang="en-US" dirty="0">
+            <a:rPr lang="en-US" sz="1600" dirty="0">
               <a:solidFill>
                 <a:srgbClr val="FFB7DA"/>
               </a:solidFill>
+              <a:latin typeface="Century" panose="02040604050505020304" pitchFamily="18" charset="0"/>
             </a:rPr>
             <a:t> </a:t>
           </a:r>
           <a:r>
-            <a:rPr lang="hr-HR" dirty="0">
+            <a:rPr lang="hr-HR" sz="1600" dirty="0">
               <a:solidFill>
                 <a:srgbClr val="FFB7DA"/>
               </a:solidFill>
+              <a:latin typeface="Century" panose="02040604050505020304" pitchFamily="18" charset="0"/>
             </a:rPr>
             <a:t>podat</a:t>
           </a:r>
           <a:r>
-            <a:rPr lang="en-US" dirty="0">
+            <a:rPr lang="en-US" sz="1600" dirty="0">
               <a:solidFill>
                 <a:srgbClr val="FFB7DA"/>
               </a:solidFill>
+              <a:latin typeface="Century" panose="02040604050505020304" pitchFamily="18" charset="0"/>
             </a:rPr>
             <a:t>aka</a:t>
           </a:r>
           <a:r>
-            <a:rPr lang="hr-HR" dirty="0">
+            <a:rPr lang="hr-HR" sz="1600" dirty="0">
               <a:solidFill>
                 <a:srgbClr val="FFB7DA"/>
               </a:solidFill>
+              <a:latin typeface="Century" panose="02040604050505020304" pitchFamily="18" charset="0"/>
             </a:rPr>
             <a:t> o korisnicima, nastavnim materijalima, njihovim pregledima i pristupima</a:t>
           </a:r>
-          <a:endParaRPr lang="en-US" dirty="0">
+          <a:endParaRPr lang="en-US" sz="1600" dirty="0">
             <a:solidFill>
               <a:srgbClr val="FFB7DA"/>
             </a:solidFill>
+            <a:latin typeface="Century" panose="02040604050505020304" pitchFamily="18" charset="0"/>
           </a:endParaRPr>
         </a:p>
       </dgm:t>
@@ -8148,7 +8218,7 @@
       </dgm:t>
     </dgm:pt>
     <dgm:pt modelId="{69A68026-D85D-49D9-85E6-8F6F433F98EB}">
-      <dgm:prSet/>
+      <dgm:prSet custT="1"/>
       <dgm:spPr>
         <a:solidFill>
           <a:srgbClr val="747474"/>
@@ -8164,17 +8234,118 @@
         <a:lstStyle/>
         <a:p>
           <a:r>
-            <a:rPr lang="hr-HR" dirty="0">
+            <a:rPr lang="hr-HR" sz="1600" dirty="0" err="1">
               <a:solidFill>
                 <a:srgbClr val="FFB7DA"/>
               </a:solidFill>
-            </a:rPr>
-            <a:t>poslužuje potrebne podatke vezane za prognozu.</a:t>
-          </a:r>
-          <a:endParaRPr lang="en-US" dirty="0">
+              <a:latin typeface="Century" panose="02040604050505020304" pitchFamily="18" charset="0"/>
+            </a:rPr>
+            <a:t>posluž</a:t>
+          </a:r>
+          <a:r>
+            <a:rPr lang="en-US" sz="1600" dirty="0" err="1">
+              <a:solidFill>
+                <a:srgbClr val="FFB7DA"/>
+              </a:solidFill>
+              <a:latin typeface="Century" panose="02040604050505020304" pitchFamily="18" charset="0"/>
+            </a:rPr>
+            <a:t>ivanje</a:t>
+          </a:r>
+          <a:r>
+            <a:rPr lang="hr-HR" sz="1600" dirty="0">
+              <a:solidFill>
+                <a:srgbClr val="FFB7DA"/>
+              </a:solidFill>
+              <a:latin typeface="Century" panose="02040604050505020304" pitchFamily="18" charset="0"/>
+            </a:rPr>
+            <a:t> </a:t>
+          </a:r>
+          <a:r>
+            <a:rPr lang="hr-HR" sz="1600" dirty="0" err="1">
+              <a:solidFill>
+                <a:srgbClr val="FFB7DA"/>
+              </a:solidFill>
+              <a:latin typeface="Century" panose="02040604050505020304" pitchFamily="18" charset="0"/>
+            </a:rPr>
+            <a:t>potrebn</a:t>
+          </a:r>
+          <a:r>
+            <a:rPr lang="en-US" sz="1600" dirty="0">
+              <a:solidFill>
+                <a:srgbClr val="FFB7DA"/>
+              </a:solidFill>
+              <a:latin typeface="Century" panose="02040604050505020304" pitchFamily="18" charset="0"/>
+            </a:rPr>
+            <a:t>ih</a:t>
+          </a:r>
+          <a:r>
+            <a:rPr lang="hr-HR" sz="1600" dirty="0">
+              <a:solidFill>
+                <a:srgbClr val="FFB7DA"/>
+              </a:solidFill>
+              <a:latin typeface="Century" panose="02040604050505020304" pitchFamily="18" charset="0"/>
+            </a:rPr>
+            <a:t> podat</a:t>
+          </a:r>
+          <a:r>
+            <a:rPr lang="en-US" sz="1600" dirty="0">
+              <a:solidFill>
+                <a:srgbClr val="FFB7DA"/>
+              </a:solidFill>
+              <a:latin typeface="Century" panose="02040604050505020304" pitchFamily="18" charset="0"/>
+            </a:rPr>
+            <a:t>a</a:t>
+          </a:r>
+          <a:r>
+            <a:rPr lang="hr-HR" sz="1600" dirty="0">
+              <a:solidFill>
+                <a:srgbClr val="FFB7DA"/>
+              </a:solidFill>
+              <a:latin typeface="Century" panose="02040604050505020304" pitchFamily="18" charset="0"/>
+            </a:rPr>
+            <a:t>k</a:t>
+          </a:r>
+          <a:r>
+            <a:rPr lang="en-US" sz="1600" dirty="0">
+              <a:solidFill>
+                <a:srgbClr val="FFB7DA"/>
+              </a:solidFill>
+              <a:latin typeface="Century" panose="02040604050505020304" pitchFamily="18" charset="0"/>
+            </a:rPr>
+            <a:t>a</a:t>
+          </a:r>
+          <a:r>
+            <a:rPr lang="hr-HR" sz="1600" dirty="0">
+              <a:solidFill>
+                <a:srgbClr val="FFB7DA"/>
+              </a:solidFill>
+              <a:latin typeface="Century" panose="02040604050505020304" pitchFamily="18" charset="0"/>
+            </a:rPr>
+            <a:t> vezan</a:t>
+          </a:r>
+          <a:r>
+            <a:rPr lang="en-US" sz="1600" dirty="0">
+              <a:solidFill>
+                <a:srgbClr val="FFB7DA"/>
+              </a:solidFill>
+              <a:latin typeface="Century" panose="02040604050505020304" pitchFamily="18" charset="0"/>
+            </a:rPr>
+            <a:t>ih</a:t>
+          </a:r>
+          <a:r>
+            <a:rPr lang="hr-HR" sz="1600" dirty="0">
+              <a:solidFill>
+                <a:srgbClr val="FFB7DA"/>
+              </a:solidFill>
+              <a:latin typeface="Century" panose="02040604050505020304" pitchFamily="18" charset="0"/>
+            </a:rPr>
+            <a:t> za prognozu</a:t>
+          </a:r>
+          <a:endParaRPr lang="en-US" sz="1600" dirty="0">
             <a:solidFill>
               <a:srgbClr val="FFB7DA"/>
             </a:solidFill>
+            <a:latin typeface="Century" panose="02040604050505020304" pitchFamily="18" charset="0"/>
           </a:endParaRPr>
         </a:p>
       </dgm:t>
@@ -8356,6 +8527,7 @@
               <a:solidFill>
                 <a:srgbClr val="FFB7DA"/>
               </a:solidFill>
+              <a:latin typeface="Century" panose="02040604050505020304" pitchFamily="18" charset="0"/>
             </a:rPr>
             <a:t>o</a:t>
           </a:r>
@@ -8364,6 +8536,7 @@
               <a:solidFill>
                 <a:srgbClr val="FFB7DA"/>
               </a:solidFill>
+              <a:latin typeface="Century" panose="02040604050505020304" pitchFamily="18" charset="0"/>
             </a:rPr>
             <a:t>ptimalan</a:t>
           </a:r>
@@ -8372,6 +8545,7 @@
               <a:solidFill>
                 <a:srgbClr val="FFB7DA"/>
               </a:solidFill>
+              <a:latin typeface="Century" panose="02040604050505020304" pitchFamily="18" charset="0"/>
             </a:rPr>
             <a:t> raspored sati za nastavnike i učenike </a:t>
           </a:r>
@@ -8379,6 +8553,7 @@
             <a:solidFill>
               <a:srgbClr val="FFB7DA"/>
             </a:solidFill>
+            <a:latin typeface="Century" panose="02040604050505020304" pitchFamily="18" charset="0"/>
           </a:endParaRPr>
         </a:p>
       </dgm:t>
@@ -8417,6 +8592,7 @@
               <a:solidFill>
                 <a:srgbClr val="747474"/>
               </a:solidFill>
+              <a:latin typeface="Century" panose="02040604050505020304" pitchFamily="18" charset="0"/>
             </a:rPr>
             <a:t>bez </a:t>
           </a:r>
@@ -8425,6 +8601,7 @@
               <a:solidFill>
                 <a:srgbClr val="747474"/>
               </a:solidFill>
+              <a:latin typeface="Century" panose="02040604050505020304" pitchFamily="18" charset="0"/>
             </a:rPr>
             <a:t>previše</a:t>
           </a:r>
@@ -8433,6 +8610,7 @@
               <a:solidFill>
                 <a:srgbClr val="747474"/>
               </a:solidFill>
+              <a:latin typeface="Century" panose="02040604050505020304" pitchFamily="18" charset="0"/>
             </a:rPr>
             <a:t> sati u jednom </a:t>
           </a:r>
@@ -8441,6 +8619,7 @@
               <a:solidFill>
                 <a:srgbClr val="747474"/>
               </a:solidFill>
+              <a:latin typeface="Century" panose="02040604050505020304" pitchFamily="18" charset="0"/>
             </a:rPr>
             <a:t>danu</a:t>
           </a:r>
@@ -8448,6 +8627,7 @@
             <a:solidFill>
               <a:srgbClr val="747474"/>
             </a:solidFill>
+            <a:latin typeface="Century" panose="02040604050505020304" pitchFamily="18" charset="0"/>
           </a:endParaRPr>
         </a:p>
       </dgm:t>
@@ -8486,6 +8666,7 @@
               <a:solidFill>
                 <a:srgbClr val="747474"/>
               </a:solidFill>
+              <a:latin typeface="Century" panose="02040604050505020304" pitchFamily="18" charset="0"/>
             </a:rPr>
             <a:t>vođenje</a:t>
           </a:r>
@@ -8494,6 +8675,7 @@
               <a:solidFill>
                 <a:srgbClr val="747474"/>
               </a:solidFill>
+              <a:latin typeface="Century" panose="02040604050505020304" pitchFamily="18" charset="0"/>
             </a:rPr>
             <a:t> </a:t>
           </a:r>
@@ -8502,6 +8684,7 @@
               <a:solidFill>
                 <a:srgbClr val="747474"/>
               </a:solidFill>
+              <a:latin typeface="Century" panose="02040604050505020304" pitchFamily="18" charset="0"/>
             </a:rPr>
             <a:t>računa o </a:t>
           </a:r>
@@ -8510,6 +8693,7 @@
               <a:solidFill>
                 <a:srgbClr val="747474"/>
               </a:solidFill>
+              <a:latin typeface="Century" panose="02040604050505020304" pitchFamily="18" charset="0"/>
             </a:rPr>
             <a:t>praznicim</a:t>
           </a:r>
@@ -8518,14 +8702,34 @@
               <a:solidFill>
                 <a:srgbClr val="747474"/>
               </a:solidFill>
-            </a:rPr>
-            <a:t>a I </a:t>
+              <a:latin typeface="Century" panose="02040604050505020304" pitchFamily="18" charset="0"/>
+            </a:rPr>
+            <a:t>a </a:t>
           </a:r>
           <a:r>
             <a:rPr lang="en-US" dirty="0" err="1">
               <a:solidFill>
                 <a:srgbClr val="747474"/>
               </a:solidFill>
+              <a:latin typeface="Century" panose="02040604050505020304" pitchFamily="18" charset="0"/>
+            </a:rPr>
+            <a:t>i</a:t>
+          </a:r>
+          <a:r>
+            <a:rPr lang="en-US" dirty="0">
+              <a:solidFill>
+                <a:srgbClr val="747474"/>
+              </a:solidFill>
+              <a:latin typeface="Century" panose="02040604050505020304" pitchFamily="18" charset="0"/>
+            </a:rPr>
+            <a:t> </a:t>
+          </a:r>
+          <a:r>
+            <a:rPr lang="en-US" dirty="0" err="1">
+              <a:solidFill>
+                <a:srgbClr val="747474"/>
+              </a:solidFill>
+              <a:latin typeface="Century" panose="02040604050505020304" pitchFamily="18" charset="0"/>
             </a:rPr>
             <a:t>neradnim</a:t>
           </a:r>
@@ -8534,6 +8738,7 @@
               <a:solidFill>
                 <a:srgbClr val="747474"/>
               </a:solidFill>
+              <a:latin typeface="Century" panose="02040604050505020304" pitchFamily="18" charset="0"/>
             </a:rPr>
             <a:t> </a:t>
           </a:r>
@@ -8542,6 +8747,7 @@
               <a:solidFill>
                 <a:srgbClr val="747474"/>
               </a:solidFill>
+              <a:latin typeface="Century" panose="02040604050505020304" pitchFamily="18" charset="0"/>
             </a:rPr>
             <a:t>danima</a:t>
           </a:r>
@@ -8549,6 +8755,7 @@
             <a:solidFill>
               <a:srgbClr val="747474"/>
             </a:solidFill>
+            <a:latin typeface="Century" panose="02040604050505020304" pitchFamily="18" charset="0"/>
           </a:endParaRPr>
         </a:p>
       </dgm:t>
@@ -8592,25 +8799,37 @@
         <a:lstStyle/>
         <a:p>
           <a:r>
-            <a:rPr lang="en-US">
+            <a:rPr lang="en-US" dirty="0" err="1">
               <a:solidFill>
                 <a:srgbClr val="FFB7DA"/>
               </a:solidFill>
-            </a:rPr>
-            <a:t>podržavanje </a:t>
-          </a:r>
-          <a:r>
-            <a:rPr lang="hr-HR">
+              <a:latin typeface="Century" panose="02040604050505020304" pitchFamily="18" charset="0"/>
+            </a:rPr>
+            <a:t>podržavanje</a:t>
+          </a:r>
+          <a:r>
+            <a:rPr lang="en-US" dirty="0">
               <a:solidFill>
                 <a:srgbClr val="FFB7DA"/>
               </a:solidFill>
+              <a:latin typeface="Century" panose="02040604050505020304" pitchFamily="18" charset="0"/>
+            </a:rPr>
+            <a:t> </a:t>
+          </a:r>
+          <a:r>
+            <a:rPr lang="hr-HR" dirty="0">
+              <a:solidFill>
+                <a:srgbClr val="FFB7DA"/>
+              </a:solidFill>
+              <a:latin typeface="Century" panose="02040604050505020304" pitchFamily="18" charset="0"/>
             </a:rPr>
             <a:t>višekorisničkog rada bez smanjenja performansi</a:t>
           </a:r>
-          <a:endParaRPr lang="en-US">
+          <a:endParaRPr lang="en-US" dirty="0">
             <a:solidFill>
               <a:srgbClr val="FFB7DA"/>
             </a:solidFill>
+            <a:latin typeface="Century" panose="02040604050505020304" pitchFamily="18" charset="0"/>
           </a:endParaRPr>
         </a:p>
       </dgm:t>
@@ -8658,6 +8877,7 @@
               <a:solidFill>
                 <a:srgbClr val="FFB7DA"/>
               </a:solidFill>
+              <a:latin typeface="Century" panose="02040604050505020304" pitchFamily="18" charset="0"/>
             </a:rPr>
             <a:t>responzivni</a:t>
           </a:r>
@@ -8666,6 +8886,7 @@
               <a:solidFill>
                 <a:srgbClr val="FFB7DA"/>
               </a:solidFill>
+              <a:latin typeface="Century" panose="02040604050505020304" pitchFamily="18" charset="0"/>
             </a:rPr>
             <a:t> </a:t>
           </a:r>
@@ -8674,6 +8895,7 @@
               <a:solidFill>
                 <a:srgbClr val="FFB7DA"/>
               </a:solidFill>
+              <a:latin typeface="Century" panose="02040604050505020304" pitchFamily="18" charset="0"/>
             </a:rPr>
             <a:t>dizajn</a:t>
           </a:r>
@@ -8682,6 +8904,7 @@
               <a:solidFill>
                 <a:srgbClr val="FFB7DA"/>
               </a:solidFill>
+              <a:latin typeface="Century" panose="02040604050505020304" pitchFamily="18" charset="0"/>
             </a:rPr>
             <a:t>, </a:t>
           </a:r>
@@ -8690,6 +8913,7 @@
               <a:solidFill>
                 <a:srgbClr val="FFB7DA"/>
               </a:solidFill>
+              <a:latin typeface="Century" panose="02040604050505020304" pitchFamily="18" charset="0"/>
             </a:rPr>
             <a:t>pregledno</a:t>
           </a:r>
@@ -8698,6 +8922,7 @@
               <a:solidFill>
                 <a:srgbClr val="FFB7DA"/>
               </a:solidFill>
+              <a:latin typeface="Century" panose="02040604050505020304" pitchFamily="18" charset="0"/>
             </a:rPr>
             <a:t> </a:t>
           </a:r>
@@ -8706,6 +8931,7 @@
               <a:solidFill>
                 <a:srgbClr val="FFB7DA"/>
               </a:solidFill>
+              <a:latin typeface="Century" panose="02040604050505020304" pitchFamily="18" charset="0"/>
             </a:rPr>
             <a:t>te intuitivno sučelje</a:t>
           </a:r>
@@ -8713,6 +8939,7 @@
             <a:solidFill>
               <a:srgbClr val="FFB7DA"/>
             </a:solidFill>
+            <a:latin typeface="Century" panose="02040604050505020304" pitchFamily="18" charset="0"/>
           </a:endParaRPr>
         </a:p>
       </dgm:t>
@@ -8760,6 +8987,7 @@
               <a:solidFill>
                 <a:srgbClr val="FFB7DA"/>
               </a:solidFill>
+              <a:latin typeface="Century" panose="02040604050505020304" pitchFamily="18" charset="0"/>
             </a:rPr>
             <a:t>m</a:t>
           </a:r>
@@ -8768,6 +8996,7 @@
               <a:solidFill>
                 <a:srgbClr val="FFB7DA"/>
               </a:solidFill>
+              <a:latin typeface="Century" panose="02040604050505020304" pitchFamily="18" charset="0"/>
             </a:rPr>
             <a:t>odularan</a:t>
           </a:r>
@@ -8776,6 +9005,7 @@
               <a:solidFill>
                 <a:srgbClr val="FFB7DA"/>
               </a:solidFill>
+              <a:latin typeface="Century" panose="02040604050505020304" pitchFamily="18" charset="0"/>
             </a:rPr>
             <a:t> programski</a:t>
           </a:r>
@@ -8784,6 +9014,7 @@
               <a:solidFill>
                 <a:srgbClr val="FFB7DA"/>
               </a:solidFill>
+              <a:latin typeface="Century" panose="02040604050505020304" pitchFamily="18" charset="0"/>
             </a:rPr>
             <a:t> kod</a:t>
           </a:r>
@@ -8833,6 +9064,7 @@
               <a:solidFill>
                 <a:srgbClr val="FFB7DA"/>
               </a:solidFill>
+              <a:latin typeface="Century" panose="02040604050505020304" pitchFamily="18" charset="0"/>
             </a:rPr>
             <a:t>e</a:t>
           </a:r>
@@ -8841,6 +9073,7 @@
               <a:solidFill>
                 <a:srgbClr val="FFB7DA"/>
               </a:solidFill>
+              <a:latin typeface="Century" panose="02040604050505020304" pitchFamily="18" charset="0"/>
             </a:rPr>
             <a:t>nkripcija</a:t>
           </a:r>
@@ -8849,6 +9082,7 @@
               <a:solidFill>
                 <a:srgbClr val="FFB7DA"/>
               </a:solidFill>
+              <a:latin typeface="Century" panose="02040604050505020304" pitchFamily="18" charset="0"/>
             </a:rPr>
             <a:t> osjetljivih podataka</a:t>
           </a:r>
@@ -8856,6 +9090,7 @@
             <a:solidFill>
               <a:srgbClr val="FFB7DA"/>
             </a:solidFill>
+            <a:latin typeface="Century" panose="02040604050505020304" pitchFamily="18" charset="0"/>
           </a:endParaRPr>
         </a:p>
       </dgm:t>
@@ -9019,6 +9254,7 @@
               <a:solidFill>
                 <a:srgbClr val="747474"/>
               </a:solidFill>
+              <a:latin typeface="Century" panose="02040604050505020304" pitchFamily="18" charset="0"/>
             </a:rPr>
             <a:t>Programski jezici:</a:t>
           </a:r>
@@ -9027,6 +9263,7 @@
               <a:solidFill>
                 <a:srgbClr val="747474"/>
               </a:solidFill>
+              <a:latin typeface="Century" panose="02040604050505020304" pitchFamily="18" charset="0"/>
             </a:rPr>
             <a:t> </a:t>
           </a:r>
@@ -9035,6 +9272,7 @@
               <a:solidFill>
                 <a:srgbClr val="747474"/>
               </a:solidFill>
+              <a:latin typeface="Century" panose="02040604050505020304" pitchFamily="18" charset="0"/>
             </a:rPr>
             <a:t>Java 21</a:t>
           </a:r>
@@ -9042,6 +9280,7 @@
             <a:solidFill>
               <a:srgbClr val="747474"/>
             </a:solidFill>
+            <a:latin typeface="Century" panose="02040604050505020304" pitchFamily="18" charset="0"/>
           </a:endParaRPr>
         </a:p>
       </dgm:t>
@@ -9080,6 +9319,7 @@
               <a:solidFill>
                 <a:srgbClr val="747474"/>
               </a:solidFill>
+              <a:latin typeface="Century" panose="02040604050505020304" pitchFamily="18" charset="0"/>
             </a:rPr>
             <a:t>Radni okviri i biblioteke:</a:t>
           </a:r>
@@ -9088,6 +9328,7 @@
               <a:solidFill>
                 <a:srgbClr val="747474"/>
               </a:solidFill>
+              <a:latin typeface="Century" panose="02040604050505020304" pitchFamily="18" charset="0"/>
             </a:rPr>
             <a:t> </a:t>
           </a:r>
@@ -9096,6 +9337,7 @@
               <a:solidFill>
                 <a:srgbClr val="747474"/>
               </a:solidFill>
+              <a:latin typeface="Century" panose="02040604050505020304" pitchFamily="18" charset="0"/>
             </a:rPr>
             <a:t>Spring</a:t>
           </a:r>
@@ -9104,6 +9346,7 @@
               <a:solidFill>
                 <a:srgbClr val="747474"/>
               </a:solidFill>
+              <a:latin typeface="Century" panose="02040604050505020304" pitchFamily="18" charset="0"/>
             </a:rPr>
             <a:t> </a:t>
           </a:r>
@@ -9112,6 +9355,7 @@
               <a:solidFill>
                 <a:srgbClr val="747474"/>
               </a:solidFill>
+              <a:latin typeface="Century" panose="02040604050505020304" pitchFamily="18" charset="0"/>
             </a:rPr>
             <a:t>Boot</a:t>
           </a:r>
@@ -9120,6 +9364,7 @@
               <a:solidFill>
                 <a:srgbClr val="747474"/>
               </a:solidFill>
+              <a:latin typeface="Century" panose="02040604050505020304" pitchFamily="18" charset="0"/>
             </a:rPr>
             <a:t> 3.3.5</a:t>
           </a:r>
@@ -9128,6 +9373,7 @@
               <a:solidFill>
                 <a:srgbClr val="747474"/>
               </a:solidFill>
+              <a:latin typeface="Century" panose="02040604050505020304" pitchFamily="18" charset="0"/>
             </a:rPr>
             <a:t>, React 18.3.1</a:t>
           </a:r>
@@ -9168,6 +9414,7 @@
               <a:solidFill>
                 <a:srgbClr val="747474"/>
               </a:solidFill>
+              <a:latin typeface="Century" panose="02040604050505020304" pitchFamily="18" charset="0"/>
             </a:rPr>
             <a:t>Baza podataka</a:t>
           </a:r>
@@ -9176,6 +9423,7 @@
               <a:solidFill>
                 <a:srgbClr val="747474"/>
               </a:solidFill>
+              <a:latin typeface="Century" panose="02040604050505020304" pitchFamily="18" charset="0"/>
             </a:rPr>
             <a:t>: </a:t>
           </a:r>
@@ -9184,6 +9432,7 @@
               <a:solidFill>
                 <a:srgbClr val="747474"/>
               </a:solidFill>
+              <a:latin typeface="Century" panose="02040604050505020304" pitchFamily="18" charset="0"/>
             </a:rPr>
             <a:t>H2 baza podataka</a:t>
           </a:r>
@@ -9191,6 +9440,7 @@
             <a:solidFill>
               <a:srgbClr val="747474"/>
             </a:solidFill>
+            <a:latin typeface="Century" panose="02040604050505020304" pitchFamily="18" charset="0"/>
           </a:endParaRPr>
         </a:p>
       </dgm:t>
@@ -9229,6 +9479,7 @@
               <a:solidFill>
                 <a:srgbClr val="747474"/>
               </a:solidFill>
+              <a:latin typeface="Century" panose="02040604050505020304" pitchFamily="18" charset="0"/>
             </a:rPr>
             <a:t>Razvojni alati</a:t>
           </a:r>
@@ -9237,6 +9488,7 @@
               <a:solidFill>
                 <a:srgbClr val="747474"/>
               </a:solidFill>
+              <a:latin typeface="Century" panose="02040604050505020304" pitchFamily="18" charset="0"/>
             </a:rPr>
             <a:t>: </a:t>
           </a:r>
@@ -9245,6 +9497,7 @@
               <a:solidFill>
                 <a:srgbClr val="747474"/>
               </a:solidFill>
+              <a:latin typeface="Century" panose="02040604050505020304" pitchFamily="18" charset="0"/>
             </a:rPr>
             <a:t>Eclipse</a:t>
           </a:r>
@@ -9253,6 +9506,7 @@
               <a:solidFill>
                 <a:srgbClr val="747474"/>
               </a:solidFill>
+              <a:latin typeface="Century" panose="02040604050505020304" pitchFamily="18" charset="0"/>
             </a:rPr>
             <a:t> IDE(2024-09 4.33.0) </a:t>
           </a:r>
@@ -9261,6 +9515,7 @@
               <a:solidFill>
                 <a:srgbClr val="747474"/>
               </a:solidFill>
+              <a:latin typeface="Century" panose="02040604050505020304" pitchFamily="18" charset="0"/>
             </a:rPr>
             <a:t>,</a:t>
           </a:r>
@@ -9269,6 +9524,7 @@
               <a:solidFill>
                 <a:srgbClr val="747474"/>
               </a:solidFill>
+              <a:latin typeface="Century" panose="02040604050505020304" pitchFamily="18" charset="0"/>
             </a:rPr>
             <a:t> </a:t>
           </a:r>
@@ -9277,6 +9533,7 @@
               <a:solidFill>
                 <a:srgbClr val="747474"/>
               </a:solidFill>
+              <a:latin typeface="Century" panose="02040604050505020304" pitchFamily="18" charset="0"/>
             </a:rPr>
             <a:t>Intellij</a:t>
           </a:r>
@@ -9285,6 +9542,7 @@
               <a:solidFill>
                 <a:srgbClr val="747474"/>
               </a:solidFill>
+              <a:latin typeface="Century" panose="02040604050505020304" pitchFamily="18" charset="0"/>
             </a:rPr>
             <a:t> IDEA (2024.3)</a:t>
           </a:r>
@@ -9293,6 +9551,7 @@
               <a:solidFill>
                 <a:srgbClr val="747474"/>
               </a:solidFill>
+              <a:latin typeface="Century" panose="02040604050505020304" pitchFamily="18" charset="0"/>
             </a:rPr>
             <a:t>, Visual Studio Code 1.96.4</a:t>
           </a:r>
@@ -9333,6 +9592,7 @@
               <a:solidFill>
                 <a:srgbClr val="747474"/>
               </a:solidFill>
+              <a:latin typeface="Century" panose="02040604050505020304" pitchFamily="18" charset="0"/>
             </a:rPr>
             <a:t>Alati za ispitivanje:</a:t>
           </a:r>
@@ -9341,6 +9601,7 @@
               <a:solidFill>
                 <a:srgbClr val="747474"/>
               </a:solidFill>
+              <a:latin typeface="Century" panose="02040604050505020304" pitchFamily="18" charset="0"/>
             </a:rPr>
             <a:t> </a:t>
           </a:r>
@@ -9349,6 +9610,7 @@
               <a:solidFill>
                 <a:srgbClr val="747474"/>
               </a:solidFill>
+              <a:latin typeface="Century" panose="02040604050505020304" pitchFamily="18" charset="0"/>
             </a:rPr>
             <a:t>JUnit</a:t>
           </a:r>
@@ -9357,6 +9619,7 @@
               <a:solidFill>
                 <a:srgbClr val="747474"/>
               </a:solidFill>
+              <a:latin typeface="Century" panose="02040604050505020304" pitchFamily="18" charset="0"/>
             </a:rPr>
             <a:t> </a:t>
           </a:r>
@@ -9365,6 +9628,7 @@
               <a:solidFill>
                 <a:srgbClr val="747474"/>
               </a:solidFill>
+              <a:latin typeface="Century" panose="02040604050505020304" pitchFamily="18" charset="0"/>
             </a:rPr>
             <a:t>, </a:t>
           </a:r>
@@ -9373,6 +9637,7 @@
               <a:solidFill>
                 <a:srgbClr val="747474"/>
               </a:solidFill>
+              <a:latin typeface="Century" panose="02040604050505020304" pitchFamily="18" charset="0"/>
             </a:rPr>
             <a:t>Selenium</a:t>
           </a:r>
@@ -9381,6 +9646,7 @@
               <a:solidFill>
                 <a:srgbClr val="747474"/>
               </a:solidFill>
+              <a:latin typeface="Century" panose="02040604050505020304" pitchFamily="18" charset="0"/>
             </a:rPr>
             <a:t> 4.27.0</a:t>
           </a:r>
@@ -9388,6 +9654,7 @@
             <a:solidFill>
               <a:srgbClr val="747474"/>
             </a:solidFill>
+            <a:latin typeface="Century" panose="02040604050505020304" pitchFamily="18" charset="0"/>
           </a:endParaRPr>
         </a:p>
       </dgm:t>
@@ -9426,6 +9693,7 @@
               <a:solidFill>
                 <a:srgbClr val="747474"/>
               </a:solidFill>
+              <a:latin typeface="Century" panose="02040604050505020304" pitchFamily="18" charset="0"/>
             </a:rPr>
             <a:t>Alati za razmještaj:</a:t>
           </a:r>
@@ -9434,6 +9702,7 @@
               <a:solidFill>
                 <a:srgbClr val="747474"/>
               </a:solidFill>
+              <a:latin typeface="Century" panose="02040604050505020304" pitchFamily="18" charset="0"/>
             </a:rPr>
             <a:t> Render</a:t>
           </a:r>
@@ -9474,6 +9743,7 @@
               <a:solidFill>
                 <a:srgbClr val="747474"/>
               </a:solidFill>
+              <a:latin typeface="Century" panose="02040604050505020304" pitchFamily="18" charset="0"/>
             </a:rPr>
             <a:t>Cloud platforma</a:t>
           </a:r>
@@ -9482,6 +9752,7 @@
               <a:solidFill>
                 <a:srgbClr val="747474"/>
               </a:solidFill>
+              <a:latin typeface="Century" panose="02040604050505020304" pitchFamily="18" charset="0"/>
             </a:rPr>
             <a:t>: </a:t>
           </a:r>
@@ -9490,6 +9761,7 @@
               <a:solidFill>
                 <a:srgbClr val="747474"/>
               </a:solidFill>
+              <a:latin typeface="Century" panose="02040604050505020304" pitchFamily="18" charset="0"/>
             </a:rPr>
             <a:t>AWS (Amazon Web </a:t>
           </a:r>
@@ -9498,6 +9770,7 @@
               <a:solidFill>
                 <a:srgbClr val="747474"/>
               </a:solidFill>
+              <a:latin typeface="Century" panose="02040604050505020304" pitchFamily="18" charset="0"/>
             </a:rPr>
             <a:t>Services</a:t>
           </a:r>
@@ -9506,6 +9779,7 @@
               <a:solidFill>
                 <a:srgbClr val="747474"/>
               </a:solidFill>
+              <a:latin typeface="Century" panose="02040604050505020304" pitchFamily="18" charset="0"/>
             </a:rPr>
             <a:t>)</a:t>
           </a:r>
@@ -9513,6 +9787,7 @@
             <a:solidFill>
               <a:srgbClr val="747474"/>
             </a:solidFill>
+            <a:latin typeface="Century" panose="02040604050505020304" pitchFamily="18" charset="0"/>
           </a:endParaRPr>
         </a:p>
       </dgm:t>
@@ -9551,6 +9826,7 @@
               <a:solidFill>
                 <a:srgbClr val="747474"/>
               </a:solidFill>
+              <a:latin typeface="Century" panose="02040604050505020304" pitchFamily="18" charset="0"/>
             </a:rPr>
             <a:t>Mail </a:t>
           </a:r>
@@ -9559,6 +9835,7 @@
               <a:solidFill>
                 <a:srgbClr val="747474"/>
               </a:solidFill>
+              <a:latin typeface="Century" panose="02040604050505020304" pitchFamily="18" charset="0"/>
             </a:rPr>
             <a:t>provider</a:t>
           </a:r>
@@ -9567,6 +9844,7 @@
               <a:solidFill>
                 <a:srgbClr val="747474"/>
               </a:solidFill>
+              <a:latin typeface="Century" panose="02040604050505020304" pitchFamily="18" charset="0"/>
             </a:rPr>
             <a:t>: </a:t>
           </a:r>
@@ -9575,6 +9853,7 @@
               <a:solidFill>
                 <a:srgbClr val="747474"/>
               </a:solidFill>
+              <a:latin typeface="Century" panose="02040604050505020304" pitchFamily="18" charset="0"/>
             </a:rPr>
             <a:t>Brevo</a:t>
           </a:r>
@@ -9582,6 +9861,7 @@
             <a:solidFill>
               <a:srgbClr val="747474"/>
             </a:solidFill>
+            <a:latin typeface="Century" panose="02040604050505020304" pitchFamily="18" charset="0"/>
           </a:endParaRPr>
         </a:p>
       </dgm:t>
@@ -9620,6 +9900,7 @@
               <a:solidFill>
                 <a:srgbClr val="747474"/>
               </a:solidFill>
+              <a:latin typeface="Century" panose="02040604050505020304" pitchFamily="18" charset="0"/>
             </a:rPr>
             <a:t>Komunikacija</a:t>
           </a:r>
@@ -9628,6 +9909,7 @@
               <a:solidFill>
                 <a:srgbClr val="747474"/>
               </a:solidFill>
+              <a:latin typeface="Century" panose="02040604050505020304" pitchFamily="18" charset="0"/>
             </a:rPr>
             <a:t> </a:t>
           </a:r>
@@ -9636,6 +9918,7 @@
               <a:solidFill>
                 <a:srgbClr val="747474"/>
               </a:solidFill>
+              <a:latin typeface="Century" panose="02040604050505020304" pitchFamily="18" charset="0"/>
             </a:rPr>
             <a:t>među</a:t>
           </a:r>
@@ -9644,6 +9927,7 @@
               <a:solidFill>
                 <a:srgbClr val="747474"/>
               </a:solidFill>
+              <a:latin typeface="Century" panose="02040604050505020304" pitchFamily="18" charset="0"/>
             </a:rPr>
             <a:t> </a:t>
           </a:r>
@@ -9652,6 +9936,7 @@
               <a:solidFill>
                 <a:srgbClr val="747474"/>
               </a:solidFill>
+              <a:latin typeface="Century" panose="02040604050505020304" pitchFamily="18" charset="0"/>
             </a:rPr>
             <a:t>članovima</a:t>
           </a:r>
@@ -9660,6 +9945,7 @@
               <a:solidFill>
                 <a:srgbClr val="747474"/>
               </a:solidFill>
+              <a:latin typeface="Century" panose="02040604050505020304" pitchFamily="18" charset="0"/>
             </a:rPr>
             <a:t> </a:t>
           </a:r>
@@ -9668,6 +9954,7 @@
               <a:solidFill>
                 <a:srgbClr val="747474"/>
               </a:solidFill>
+              <a:latin typeface="Century" panose="02040604050505020304" pitchFamily="18" charset="0"/>
             </a:rPr>
             <a:t>tima</a:t>
           </a:r>
@@ -9676,6 +9963,7 @@
               <a:solidFill>
                 <a:srgbClr val="747474"/>
               </a:solidFill>
+              <a:latin typeface="Century" panose="02040604050505020304" pitchFamily="18" charset="0"/>
             </a:rPr>
             <a:t>: discord, </a:t>
           </a:r>
@@ -9684,6 +9972,7 @@
               <a:solidFill>
                 <a:srgbClr val="747474"/>
               </a:solidFill>
+              <a:latin typeface="Century" panose="02040604050505020304" pitchFamily="18" charset="0"/>
             </a:rPr>
             <a:t>whatsapp</a:t>
           </a:r>
@@ -9691,6 +9980,7 @@
             <a:solidFill>
               <a:srgbClr val="747474"/>
             </a:solidFill>
+            <a:latin typeface="Century" panose="02040604050505020304" pitchFamily="18" charset="0"/>
           </a:endParaRPr>
         </a:p>
       </dgm:t>
@@ -9970,17 +10260,19 @@
         <a:lstStyle/>
         <a:p>
           <a:r>
-            <a:rPr lang="hr-HR">
+            <a:rPr lang="hr-HR" dirty="0">
               <a:solidFill>
                 <a:srgbClr val="FFB7DA"/>
               </a:solidFill>
+              <a:latin typeface="Century" panose="02040604050505020304" pitchFamily="18" charset="0"/>
             </a:rPr>
             <a:t>Ispitivanje komponenti</a:t>
           </a:r>
-          <a:endParaRPr lang="en-US">
+          <a:endParaRPr lang="en-US" dirty="0">
             <a:solidFill>
               <a:srgbClr val="FFB7DA"/>
             </a:solidFill>
+            <a:latin typeface="Century" panose="02040604050505020304" pitchFamily="18" charset="0"/>
           </a:endParaRPr>
         </a:p>
       </dgm:t>
@@ -10019,6 +10311,7 @@
               <a:solidFill>
                 <a:srgbClr val="747474"/>
               </a:solidFill>
+              <a:latin typeface="Century" panose="02040604050505020304" pitchFamily="18" charset="0"/>
             </a:rPr>
             <a:t>Uspješno dodavanje </a:t>
           </a:r>
@@ -10027,6 +10320,7 @@
               <a:solidFill>
                 <a:srgbClr val="747474"/>
               </a:solidFill>
+              <a:latin typeface="Century" panose="02040604050505020304" pitchFamily="18" charset="0"/>
             </a:rPr>
             <a:t>satničara</a:t>
           </a:r>
@@ -10034,6 +10328,7 @@
             <a:solidFill>
               <a:srgbClr val="747474"/>
             </a:solidFill>
+            <a:latin typeface="Century" panose="02040604050505020304" pitchFamily="18" charset="0"/>
           </a:endParaRPr>
         </a:p>
       </dgm:t>
@@ -10068,17 +10363,19 @@
         <a:lstStyle/>
         <a:p>
           <a:r>
-            <a:rPr lang="hr-HR">
+            <a:rPr lang="hr-HR" dirty="0">
               <a:solidFill>
                 <a:srgbClr val="747474"/>
               </a:solidFill>
+              <a:latin typeface="Century" panose="02040604050505020304" pitchFamily="18" charset="0"/>
             </a:rPr>
             <a:t>Greška kod dodavanja dupliciranog administratora</a:t>
           </a:r>
-          <a:endParaRPr lang="en-US">
+          <a:endParaRPr lang="en-US" dirty="0">
             <a:solidFill>
               <a:srgbClr val="747474"/>
             </a:solidFill>
+            <a:latin typeface="Century" panose="02040604050505020304" pitchFamily="18" charset="0"/>
           </a:endParaRPr>
         </a:p>
       </dgm:t>
@@ -10113,17 +10410,19 @@
         <a:lstStyle/>
         <a:p>
           <a:r>
-            <a:rPr lang="hr-HR">
+            <a:rPr lang="hr-HR" dirty="0">
               <a:solidFill>
                 <a:srgbClr val="747474"/>
               </a:solidFill>
+              <a:latin typeface="Century" panose="02040604050505020304" pitchFamily="18" charset="0"/>
             </a:rPr>
             <a:t>Uspješno dodavanje aktivnosti učeniku</a:t>
           </a:r>
-          <a:endParaRPr lang="en-US">
+          <a:endParaRPr lang="en-US" dirty="0">
             <a:solidFill>
               <a:srgbClr val="747474"/>
             </a:solidFill>
+            <a:latin typeface="Century" panose="02040604050505020304" pitchFamily="18" charset="0"/>
           </a:endParaRPr>
         </a:p>
       </dgm:t>
@@ -10162,6 +10461,7 @@
               <a:solidFill>
                 <a:srgbClr val="747474"/>
               </a:solidFill>
+              <a:latin typeface="Century" panose="02040604050505020304" pitchFamily="18" charset="0"/>
             </a:rPr>
             <a:t>Promjena kapaciteta učionice</a:t>
           </a:r>
@@ -10169,6 +10469,7 @@
             <a:solidFill>
               <a:srgbClr val="747474"/>
             </a:solidFill>
+            <a:latin typeface="Century" panose="02040604050505020304" pitchFamily="18" charset="0"/>
           </a:endParaRPr>
         </a:p>
       </dgm:t>
@@ -10203,17 +10504,19 @@
         <a:lstStyle/>
         <a:p>
           <a:r>
-            <a:rPr lang="hr-HR">
+            <a:rPr lang="hr-HR" dirty="0">
               <a:solidFill>
                 <a:srgbClr val="747474"/>
               </a:solidFill>
+              <a:latin typeface="Century" panose="02040604050505020304" pitchFamily="18" charset="0"/>
             </a:rPr>
             <a:t>Dodavanje učenika u nepostojeći razred</a:t>
           </a:r>
-          <a:endParaRPr lang="en-US">
+          <a:endParaRPr lang="en-US" dirty="0">
             <a:solidFill>
               <a:srgbClr val="747474"/>
             </a:solidFill>
+            <a:latin typeface="Century" panose="02040604050505020304" pitchFamily="18" charset="0"/>
           </a:endParaRPr>
         </a:p>
       </dgm:t>
@@ -10252,6 +10555,7 @@
               <a:solidFill>
                 <a:srgbClr val="747474"/>
               </a:solidFill>
+              <a:latin typeface="Century" panose="02040604050505020304" pitchFamily="18" charset="0"/>
             </a:rPr>
             <a:t>Testiranje nepostojeće funkcionalnosti</a:t>
           </a:r>
@@ -10259,6 +10563,7 @@
             <a:solidFill>
               <a:srgbClr val="747474"/>
             </a:solidFill>
+            <a:latin typeface="Century" panose="02040604050505020304" pitchFamily="18" charset="0"/>
           </a:endParaRPr>
         </a:p>
       </dgm:t>
@@ -10302,17 +10607,19 @@
         <a:lstStyle/>
         <a:p>
           <a:r>
-            <a:rPr lang="hr-HR">
+            <a:rPr lang="hr-HR" dirty="0">
               <a:solidFill>
                 <a:srgbClr val="FFB7DA"/>
               </a:solidFill>
+              <a:latin typeface="Century" panose="02040604050505020304" pitchFamily="18" charset="0"/>
             </a:rPr>
             <a:t>Ispitivanje sustava</a:t>
           </a:r>
-          <a:endParaRPr lang="en-US">
+          <a:endParaRPr lang="en-US" dirty="0">
             <a:solidFill>
               <a:srgbClr val="FFB7DA"/>
             </a:solidFill>
+            <a:latin typeface="Century" panose="02040604050505020304" pitchFamily="18" charset="0"/>
           </a:endParaRPr>
         </a:p>
       </dgm:t>
@@ -10351,6 +10658,7 @@
               <a:solidFill>
                 <a:srgbClr val="747474"/>
               </a:solidFill>
+              <a:latin typeface="Century" panose="02040604050505020304" pitchFamily="18" charset="0"/>
             </a:rPr>
             <a:t>Prijava korisnika s odgovarajućom ulogom (administrator) u sustav - Redovni slučaj</a:t>
           </a:r>
@@ -10358,6 +10666,7 @@
             <a:solidFill>
               <a:srgbClr val="747474"/>
             </a:solidFill>
+            <a:latin typeface="Century" panose="02040604050505020304" pitchFamily="18" charset="0"/>
           </a:endParaRPr>
         </a:p>
       </dgm:t>
@@ -10396,6 +10705,7 @@
               <a:solidFill>
                 <a:srgbClr val="747474"/>
               </a:solidFill>
+              <a:latin typeface="Century" panose="02040604050505020304" pitchFamily="18" charset="0"/>
             </a:rPr>
             <a:t>Prijava korisnika s krivom lozinkom u sustav - Redovni slučaj</a:t>
           </a:r>
@@ -10403,6 +10713,7 @@
             <a:solidFill>
               <a:srgbClr val="747474"/>
             </a:solidFill>
+            <a:latin typeface="Century" panose="02040604050505020304" pitchFamily="18" charset="0"/>
           </a:endParaRPr>
         </a:p>
       </dgm:t>
@@ -10441,6 +10752,7 @@
               <a:solidFill>
                 <a:srgbClr val="747474"/>
               </a:solidFill>
+              <a:latin typeface="Century" panose="02040604050505020304" pitchFamily="18" charset="0"/>
             </a:rPr>
             <a:t>Dodavanje ravnatelja s postojećim e-mailom - Rubni slučaj</a:t>
           </a:r>
@@ -10448,6 +10760,7 @@
             <a:solidFill>
               <a:srgbClr val="747474"/>
             </a:solidFill>
+            <a:latin typeface="Century" panose="02040604050505020304" pitchFamily="18" charset="0"/>
           </a:endParaRPr>
         </a:p>
       </dgm:t>
@@ -10486,6 +10799,7 @@
               <a:solidFill>
                 <a:srgbClr val="747474"/>
               </a:solidFill>
+              <a:latin typeface="Century" panose="02040604050505020304" pitchFamily="18" charset="0"/>
             </a:rPr>
             <a:t>Administrator pokušava preuzeti potvrdu (dostupna učeniku) - Poziv nepostojećih funkcionalnosti</a:t>
           </a:r>
@@ -10493,6 +10807,7 @@
             <a:solidFill>
               <a:srgbClr val="747474"/>
             </a:solidFill>
+            <a:latin typeface="Century" panose="02040604050505020304" pitchFamily="18" charset="0"/>
           </a:endParaRPr>
         </a:p>
       </dgm:t>
@@ -10630,6 +10945,7 @@
               <a:solidFill>
                 <a:srgbClr val="747474"/>
               </a:solidFill>
+              <a:latin typeface="Century" panose="02040604050505020304" pitchFamily="18" charset="0"/>
             </a:rPr>
             <a:t>Počeli</a:t>
           </a:r>
@@ -10638,6 +10954,7 @@
               <a:solidFill>
                 <a:srgbClr val="747474"/>
               </a:solidFill>
+              <a:latin typeface="Century" panose="02040604050505020304" pitchFamily="18" charset="0"/>
             </a:rPr>
             <a:t> smo </a:t>
           </a:r>
@@ -10646,6 +10963,7 @@
               <a:solidFill>
                 <a:srgbClr val="747474"/>
               </a:solidFill>
+              <a:latin typeface="Century" panose="02040604050505020304" pitchFamily="18" charset="0"/>
             </a:rPr>
             <a:t>kao</a:t>
           </a:r>
@@ -10654,6 +10972,7 @@
               <a:solidFill>
                 <a:srgbClr val="747474"/>
               </a:solidFill>
+              <a:latin typeface="Century" panose="02040604050505020304" pitchFamily="18" charset="0"/>
             </a:rPr>
             <a:t> </a:t>
           </a:r>
@@ -10662,6 +10981,7 @@
               <a:solidFill>
                 <a:srgbClr val="747474"/>
               </a:solidFill>
+              <a:latin typeface="Century" panose="02040604050505020304" pitchFamily="18" charset="0"/>
             </a:rPr>
             <a:t>potpuno</a:t>
           </a:r>
@@ -10670,6 +10990,7 @@
               <a:solidFill>
                 <a:srgbClr val="747474"/>
               </a:solidFill>
+              <a:latin typeface="Century" panose="02040604050505020304" pitchFamily="18" charset="0"/>
             </a:rPr>
             <a:t> </a:t>
           </a:r>
@@ -10678,6 +10999,7 @@
               <a:solidFill>
                 <a:srgbClr val="747474"/>
               </a:solidFill>
+              <a:latin typeface="Century" panose="02040604050505020304" pitchFamily="18" charset="0"/>
             </a:rPr>
             <a:t>nepoznat</a:t>
           </a:r>
@@ -10686,6 +11008,7 @@
               <a:solidFill>
                 <a:srgbClr val="747474"/>
               </a:solidFill>
+              <a:latin typeface="Century" panose="02040604050505020304" pitchFamily="18" charset="0"/>
             </a:rPr>
             <a:t> </a:t>
           </a:r>
@@ -10694,6 +11017,7 @@
               <a:solidFill>
                 <a:srgbClr val="747474"/>
               </a:solidFill>
+              <a:latin typeface="Century" panose="02040604050505020304" pitchFamily="18" charset="0"/>
             </a:rPr>
             <a:t>tim</a:t>
           </a:r>
@@ -10702,6 +11026,7 @@
               <a:solidFill>
                 <a:srgbClr val="747474"/>
               </a:solidFill>
+              <a:latin typeface="Century" panose="02040604050505020304" pitchFamily="18" charset="0"/>
             </a:rPr>
             <a:t> te smo se </a:t>
           </a:r>
@@ -10710,6 +11035,7 @@
               <a:solidFill>
                 <a:srgbClr val="747474"/>
               </a:solidFill>
+              <a:latin typeface="Century" panose="02040604050505020304" pitchFamily="18" charset="0"/>
             </a:rPr>
             <a:t>unatoč</a:t>
           </a:r>
@@ -10718,6 +11044,7 @@
               <a:solidFill>
                 <a:srgbClr val="747474"/>
               </a:solidFill>
+              <a:latin typeface="Century" panose="02040604050505020304" pitchFamily="18" charset="0"/>
             </a:rPr>
             <a:t> </a:t>
           </a:r>
@@ -10726,6 +11053,7 @@
               <a:solidFill>
                 <a:srgbClr val="747474"/>
               </a:solidFill>
+              <a:latin typeface="Century" panose="02040604050505020304" pitchFamily="18" charset="0"/>
             </a:rPr>
             <a:t>raznim</a:t>
           </a:r>
@@ -10734,6 +11062,7 @@
               <a:solidFill>
                 <a:srgbClr val="747474"/>
               </a:solidFill>
+              <a:latin typeface="Century" panose="02040604050505020304" pitchFamily="18" charset="0"/>
             </a:rPr>
             <a:t> </a:t>
           </a:r>
@@ -10742,6 +11071,7 @@
               <a:solidFill>
                 <a:srgbClr val="747474"/>
               </a:solidFill>
+              <a:latin typeface="Century" panose="02040604050505020304" pitchFamily="18" charset="0"/>
             </a:rPr>
             <a:t>problemima</a:t>
           </a:r>
@@ -10750,6 +11080,7 @@
               <a:solidFill>
                 <a:srgbClr val="747474"/>
               </a:solidFill>
+              <a:latin typeface="Century" panose="02040604050505020304" pitchFamily="18" charset="0"/>
             </a:rPr>
             <a:t> </a:t>
           </a:r>
@@ -10758,6 +11089,7 @@
               <a:solidFill>
                 <a:srgbClr val="747474"/>
               </a:solidFill>
+              <a:latin typeface="Century" panose="02040604050505020304" pitchFamily="18" charset="0"/>
             </a:rPr>
             <a:t>uspjeli</a:t>
           </a:r>
@@ -10766,6 +11098,7 @@
               <a:solidFill>
                 <a:srgbClr val="747474"/>
               </a:solidFill>
+              <a:latin typeface="Century" panose="02040604050505020304" pitchFamily="18" charset="0"/>
             </a:rPr>
             <a:t> </a:t>
           </a:r>
@@ -10774,6 +11107,7 @@
               <a:solidFill>
                 <a:srgbClr val="747474"/>
               </a:solidFill>
+              <a:latin typeface="Century" panose="02040604050505020304" pitchFamily="18" charset="0"/>
             </a:rPr>
             <a:t>snaći</a:t>
           </a:r>
@@ -10782,6 +11116,7 @@
               <a:solidFill>
                 <a:srgbClr val="747474"/>
               </a:solidFill>
+              <a:latin typeface="Century" panose="02040604050505020304" pitchFamily="18" charset="0"/>
             </a:rPr>
             <a:t> u </a:t>
           </a:r>
@@ -10790,6 +11125,7 @@
               <a:solidFill>
                 <a:srgbClr val="747474"/>
               </a:solidFill>
+              <a:latin typeface="Century" panose="02040604050505020304" pitchFamily="18" charset="0"/>
             </a:rPr>
             <a:t>rješavanju</a:t>
           </a:r>
@@ -10798,6 +11134,7 @@
               <a:solidFill>
                 <a:srgbClr val="747474"/>
               </a:solidFill>
+              <a:latin typeface="Century" panose="02040604050505020304" pitchFamily="18" charset="0"/>
             </a:rPr>
             <a:t> </a:t>
           </a:r>
@@ -10806,6 +11143,7 @@
               <a:solidFill>
                 <a:srgbClr val="747474"/>
               </a:solidFill>
+              <a:latin typeface="Century" panose="02040604050505020304" pitchFamily="18" charset="0"/>
             </a:rPr>
             <a:t>danog</a:t>
           </a:r>
@@ -10814,6 +11152,7 @@
               <a:solidFill>
                 <a:srgbClr val="747474"/>
               </a:solidFill>
+              <a:latin typeface="Century" panose="02040604050505020304" pitchFamily="18" charset="0"/>
             </a:rPr>
             <a:t> </a:t>
           </a:r>
@@ -10822,6 +11161,7 @@
               <a:solidFill>
                 <a:srgbClr val="747474"/>
               </a:solidFill>
+              <a:latin typeface="Century" panose="02040604050505020304" pitchFamily="18" charset="0"/>
             </a:rPr>
             <a:t>zadatka</a:t>
           </a:r>
@@ -10830,6 +11170,7 @@
               <a:solidFill>
                 <a:srgbClr val="747474"/>
               </a:solidFill>
+              <a:latin typeface="Century" panose="02040604050505020304" pitchFamily="18" charset="0"/>
             </a:rPr>
             <a:t>.</a:t>
           </a:r>
@@ -10870,6 +11211,7 @@
               <a:solidFill>
                 <a:srgbClr val="747474"/>
               </a:solidFill>
+              <a:latin typeface="Century" panose="02040604050505020304" pitchFamily="18" charset="0"/>
             </a:rPr>
             <a:t>Dobra </a:t>
           </a:r>
@@ -10878,6 +11220,7 @@
               <a:solidFill>
                 <a:srgbClr val="747474"/>
               </a:solidFill>
+              <a:latin typeface="Century" panose="02040604050505020304" pitchFamily="18" charset="0"/>
             </a:rPr>
             <a:t>podjela</a:t>
           </a:r>
@@ -10886,6 +11229,7 @@
               <a:solidFill>
                 <a:srgbClr val="747474"/>
               </a:solidFill>
+              <a:latin typeface="Century" panose="02040604050505020304" pitchFamily="18" charset="0"/>
             </a:rPr>
             <a:t> </a:t>
           </a:r>
@@ -10894,6 +11238,7 @@
               <a:solidFill>
                 <a:srgbClr val="747474"/>
               </a:solidFill>
+              <a:latin typeface="Century" panose="02040604050505020304" pitchFamily="18" charset="0"/>
             </a:rPr>
             <a:t>rada</a:t>
           </a:r>
@@ -10902,6 +11247,7 @@
               <a:solidFill>
                 <a:srgbClr val="747474"/>
               </a:solidFill>
+              <a:latin typeface="Century" panose="02040604050505020304" pitchFamily="18" charset="0"/>
             </a:rPr>
             <a:t> </a:t>
           </a:r>
@@ -10910,6 +11256,7 @@
               <a:solidFill>
                 <a:srgbClr val="747474"/>
               </a:solidFill>
+              <a:latin typeface="Century" panose="02040604050505020304" pitchFamily="18" charset="0"/>
             </a:rPr>
             <a:t>i</a:t>
           </a:r>
@@ -10918,6 +11265,7 @@
               <a:solidFill>
                 <a:srgbClr val="747474"/>
               </a:solidFill>
+              <a:latin typeface="Century" panose="02040604050505020304" pitchFamily="18" charset="0"/>
             </a:rPr>
             <a:t> </a:t>
           </a:r>
@@ -10926,6 +11274,7 @@
               <a:solidFill>
                 <a:srgbClr val="747474"/>
               </a:solidFill>
+              <a:latin typeface="Century" panose="02040604050505020304" pitchFamily="18" charset="0"/>
             </a:rPr>
             <a:t>zadataka</a:t>
           </a:r>
@@ -10934,6 +11283,7 @@
               <a:solidFill>
                 <a:srgbClr val="747474"/>
               </a:solidFill>
+              <a:latin typeface="Century" panose="02040604050505020304" pitchFamily="18" charset="0"/>
             </a:rPr>
             <a:t> </a:t>
           </a:r>
@@ -10942,6 +11292,7 @@
               <a:solidFill>
                 <a:srgbClr val="747474"/>
               </a:solidFill>
+              <a:latin typeface="Century" panose="02040604050505020304" pitchFamily="18" charset="0"/>
             </a:rPr>
             <a:t>ključna</a:t>
           </a:r>
@@ -10950,6 +11301,7 @@
               <a:solidFill>
                 <a:srgbClr val="747474"/>
               </a:solidFill>
+              <a:latin typeface="Century" panose="02040604050505020304" pitchFamily="18" charset="0"/>
             </a:rPr>
             <a:t> je za </a:t>
           </a:r>
@@ -10958,6 +11310,7 @@
               <a:solidFill>
                 <a:srgbClr val="747474"/>
               </a:solidFill>
+              <a:latin typeface="Century" panose="02040604050505020304" pitchFamily="18" charset="0"/>
             </a:rPr>
             <a:t>rješavanje</a:t>
           </a:r>
@@ -10966,6 +11319,7 @@
               <a:solidFill>
                 <a:srgbClr val="747474"/>
               </a:solidFill>
+              <a:latin typeface="Century" panose="02040604050505020304" pitchFamily="18" charset="0"/>
             </a:rPr>
             <a:t> </a:t>
           </a:r>
@@ -10974,6 +11328,7 @@
               <a:solidFill>
                 <a:srgbClr val="747474"/>
               </a:solidFill>
+              <a:latin typeface="Century" panose="02040604050505020304" pitchFamily="18" charset="0"/>
             </a:rPr>
             <a:t>ovakvog</a:t>
           </a:r>
@@ -10982,6 +11337,7 @@
               <a:solidFill>
                 <a:srgbClr val="747474"/>
               </a:solidFill>
+              <a:latin typeface="Century" panose="02040604050505020304" pitchFamily="18" charset="0"/>
             </a:rPr>
             <a:t> </a:t>
           </a:r>
@@ -10990,6 +11346,7 @@
               <a:solidFill>
                 <a:srgbClr val="747474"/>
               </a:solidFill>
+              <a:latin typeface="Century" panose="02040604050505020304" pitchFamily="18" charset="0"/>
             </a:rPr>
             <a:t>projekta</a:t>
           </a:r>
@@ -10998,6 +11355,7 @@
               <a:solidFill>
                 <a:srgbClr val="747474"/>
               </a:solidFill>
+              <a:latin typeface="Century" panose="02040604050505020304" pitchFamily="18" charset="0"/>
             </a:rPr>
             <a:t>.</a:t>
           </a:r>
@@ -11038,6 +11396,7 @@
               <a:solidFill>
                 <a:srgbClr val="747474"/>
               </a:solidFill>
+              <a:latin typeface="Century" panose="02040604050505020304" pitchFamily="18" charset="0"/>
             </a:rPr>
             <a:t>Stečeno</a:t>
           </a:r>
@@ -11046,6 +11405,7 @@
               <a:solidFill>
                 <a:srgbClr val="747474"/>
               </a:solidFill>
+              <a:latin typeface="Century" panose="02040604050505020304" pitchFamily="18" charset="0"/>
             </a:rPr>
             <a:t> je </a:t>
           </a:r>
@@ -11054,6 +11414,7 @@
               <a:solidFill>
                 <a:srgbClr val="747474"/>
               </a:solidFill>
+              <a:latin typeface="Century" panose="02040604050505020304" pitchFamily="18" charset="0"/>
             </a:rPr>
             <a:t>puno</a:t>
           </a:r>
@@ -11062,6 +11423,7 @@
               <a:solidFill>
                 <a:srgbClr val="747474"/>
               </a:solidFill>
+              <a:latin typeface="Century" panose="02040604050505020304" pitchFamily="18" charset="0"/>
             </a:rPr>
             <a:t> </a:t>
           </a:r>
@@ -11070,6 +11432,7 @@
               <a:solidFill>
                 <a:srgbClr val="747474"/>
               </a:solidFill>
+              <a:latin typeface="Century" panose="02040604050505020304" pitchFamily="18" charset="0"/>
             </a:rPr>
             <a:t>novog</a:t>
           </a:r>
@@ -11078,6 +11441,7 @@
               <a:solidFill>
                 <a:srgbClr val="747474"/>
               </a:solidFill>
+              <a:latin typeface="Century" panose="02040604050505020304" pitchFamily="18" charset="0"/>
             </a:rPr>
             <a:t> </a:t>
           </a:r>
@@ -11086,6 +11450,7 @@
               <a:solidFill>
                 <a:srgbClr val="747474"/>
               </a:solidFill>
+              <a:latin typeface="Century" panose="02040604050505020304" pitchFamily="18" charset="0"/>
             </a:rPr>
             <a:t>znanja</a:t>
           </a:r>
@@ -11094,6 +11459,7 @@
               <a:solidFill>
                 <a:srgbClr val="747474"/>
               </a:solidFill>
+              <a:latin typeface="Century" panose="02040604050505020304" pitchFamily="18" charset="0"/>
             </a:rPr>
             <a:t> </a:t>
           </a:r>
@@ -11102,6 +11468,7 @@
               <a:solidFill>
                 <a:srgbClr val="747474"/>
               </a:solidFill>
+              <a:latin typeface="Century" panose="02040604050505020304" pitchFamily="18" charset="0"/>
             </a:rPr>
             <a:t>korisnog</a:t>
           </a:r>
@@ -11110,6 +11477,7 @@
               <a:solidFill>
                 <a:srgbClr val="747474"/>
               </a:solidFill>
+              <a:latin typeface="Century" panose="02040604050505020304" pitchFamily="18" charset="0"/>
             </a:rPr>
             <a:t> za </a:t>
           </a:r>
@@ -11118,6 +11486,7 @@
               <a:solidFill>
                 <a:srgbClr val="747474"/>
               </a:solidFill>
+              <a:latin typeface="Century" panose="02040604050505020304" pitchFamily="18" charset="0"/>
             </a:rPr>
             <a:t>budućnost</a:t>
           </a:r>
@@ -11126,6 +11495,7 @@
               <a:solidFill>
                 <a:srgbClr val="747474"/>
               </a:solidFill>
+              <a:latin typeface="Century" panose="02040604050505020304" pitchFamily="18" charset="0"/>
             </a:rPr>
             <a:t> </a:t>
           </a:r>
@@ -11134,6 +11504,7 @@
               <a:solidFill>
                 <a:srgbClr val="747474"/>
               </a:solidFill>
+              <a:latin typeface="Century" panose="02040604050505020304" pitchFamily="18" charset="0"/>
             </a:rPr>
             <a:t>i</a:t>
           </a:r>
@@ -11142,6 +11513,7 @@
               <a:solidFill>
                 <a:srgbClr val="747474"/>
               </a:solidFill>
+              <a:latin typeface="Century" panose="02040604050505020304" pitchFamily="18" charset="0"/>
             </a:rPr>
             <a:t> </a:t>
           </a:r>
@@ -11150,6 +11522,7 @@
               <a:solidFill>
                 <a:srgbClr val="747474"/>
               </a:solidFill>
+              <a:latin typeface="Century" panose="02040604050505020304" pitchFamily="18" charset="0"/>
             </a:rPr>
             <a:t>mogući</a:t>
           </a:r>
@@ -11158,6 +11531,7 @@
               <a:solidFill>
                 <a:srgbClr val="747474"/>
               </a:solidFill>
+              <a:latin typeface="Century" panose="02040604050505020304" pitchFamily="18" charset="0"/>
             </a:rPr>
             <a:t> </a:t>
           </a:r>
@@ -11166,6 +11540,7 @@
               <a:solidFill>
                 <a:srgbClr val="747474"/>
               </a:solidFill>
+              <a:latin typeface="Century" panose="02040604050505020304" pitchFamily="18" charset="0"/>
             </a:rPr>
             <a:t>nastavak</a:t>
           </a:r>
@@ -11174,6 +11549,7 @@
               <a:solidFill>
                 <a:srgbClr val="747474"/>
               </a:solidFill>
+              <a:latin typeface="Century" panose="02040604050505020304" pitchFamily="18" charset="0"/>
             </a:rPr>
             <a:t> </a:t>
           </a:r>
@@ -11182,6 +11558,7 @@
               <a:solidFill>
                 <a:srgbClr val="747474"/>
               </a:solidFill>
+              <a:latin typeface="Century" panose="02040604050505020304" pitchFamily="18" charset="0"/>
             </a:rPr>
             <a:t>rada</a:t>
           </a:r>
@@ -11190,6 +11567,7 @@
               <a:solidFill>
                 <a:srgbClr val="747474"/>
               </a:solidFill>
+              <a:latin typeface="Century" panose="02040604050505020304" pitchFamily="18" charset="0"/>
             </a:rPr>
             <a:t> </a:t>
           </a:r>
@@ -11198,6 +11576,7 @@
               <a:solidFill>
                 <a:srgbClr val="747474"/>
               </a:solidFill>
+              <a:latin typeface="Century" panose="02040604050505020304" pitchFamily="18" charset="0"/>
             </a:rPr>
             <a:t>na</a:t>
           </a:r>
@@ -11206,6 +11585,7 @@
               <a:solidFill>
                 <a:srgbClr val="747474"/>
               </a:solidFill>
+              <a:latin typeface="Century" panose="02040604050505020304" pitchFamily="18" charset="0"/>
             </a:rPr>
             <a:t> </a:t>
           </a:r>
@@ -11214,6 +11594,7 @@
               <a:solidFill>
                 <a:srgbClr val="747474"/>
               </a:solidFill>
+              <a:latin typeface="Century" panose="02040604050505020304" pitchFamily="18" charset="0"/>
             </a:rPr>
             <a:t>projektu</a:t>
           </a:r>
@@ -11222,6 +11603,7 @@
               <a:solidFill>
                 <a:srgbClr val="747474"/>
               </a:solidFill>
+              <a:latin typeface="Century" panose="02040604050505020304" pitchFamily="18" charset="0"/>
             </a:rPr>
             <a:t>.</a:t>
           </a:r>
@@ -11481,7 +11863,7 @@
         </a:bodyPr>
         <a:lstStyle/>
         <a:p>
-          <a:pPr marL="0" lvl="0" indent="0" algn="ctr" defTabSz="1155700">
+          <a:pPr marL="0" lvl="0" indent="0" algn="ctr" defTabSz="1200150">
             <a:lnSpc>
               <a:spcPct val="90000"/>
             </a:lnSpc>
@@ -11494,10 +11876,11 @@
             <a:buNone/>
           </a:pPr>
           <a:r>
-            <a:rPr lang="hr-HR" sz="2600" kern="1200" noProof="0" dirty="0">
+            <a:rPr lang="hr-HR" sz="2700" kern="1200" noProof="0" dirty="0">
               <a:solidFill>
                 <a:srgbClr val="FFB7DA"/>
               </a:solidFill>
+              <a:latin typeface="Century" panose="02040604050505020304" pitchFamily="18" charset="0"/>
             </a:rPr>
             <a:t>Članovi tima</a:t>
           </a:r>
@@ -11638,7 +12021,7 @@
         </a:bodyPr>
         <a:lstStyle/>
         <a:p>
-          <a:pPr marL="0" lvl="0" indent="0" algn="ctr" defTabSz="1155700">
+          <a:pPr marL="0" lvl="0" indent="0" algn="ctr" defTabSz="1200150">
             <a:lnSpc>
               <a:spcPct val="90000"/>
             </a:lnSpc>
@@ -11651,10 +12034,11 @@
             <a:buNone/>
           </a:pPr>
           <a:r>
-            <a:rPr lang="hr-HR" sz="2600" kern="1200" noProof="0" dirty="0">
+            <a:rPr lang="hr-HR" sz="2700" kern="1200" noProof="0" dirty="0">
               <a:solidFill>
                 <a:srgbClr val="FFB7DA"/>
               </a:solidFill>
+              <a:latin typeface="Century" panose="02040604050505020304" pitchFamily="18" charset="0"/>
             </a:rPr>
             <a:t>O projektu</a:t>
           </a:r>
@@ -11795,7 +12179,7 @@
         </a:bodyPr>
         <a:lstStyle/>
         <a:p>
-          <a:pPr marL="0" lvl="0" indent="0" algn="ctr" defTabSz="1155700">
+          <a:pPr marL="0" lvl="0" indent="0" algn="ctr" defTabSz="1200150">
             <a:lnSpc>
               <a:spcPct val="90000"/>
             </a:lnSpc>
@@ -11808,25 +12192,46 @@
             <a:buNone/>
           </a:pPr>
           <a:r>
-            <a:rPr lang="hr-HR" sz="2600" kern="1200" noProof="0" dirty="0">
+            <a:rPr lang="hr-HR" sz="2700" kern="1200" noProof="0" dirty="0">
               <a:solidFill>
                 <a:srgbClr val="FFB7DA"/>
               </a:solidFill>
+              <a:latin typeface="Century" panose="02040604050505020304" pitchFamily="18" charset="0"/>
             </a:rPr>
             <a:t>Slična </a:t>
           </a:r>
           <a:r>
-            <a:rPr lang="hr-HR" sz="2600" kern="1200" noProof="0" dirty="0" err="1">
+            <a:rPr lang="hr-HR" sz="2700" kern="1200" noProof="0" dirty="0" err="1">
               <a:solidFill>
                 <a:srgbClr val="FFB7DA"/>
               </a:solidFill>
-            </a:rPr>
-            <a:t>rjesenja</a:t>
-          </a:r>
-          <a:endParaRPr lang="hr-HR" sz="2600" kern="1200" noProof="0" dirty="0">
+              <a:latin typeface="Century" panose="02040604050505020304" pitchFamily="18" charset="0"/>
+            </a:rPr>
+            <a:t>rje</a:t>
+          </a:r>
+          <a:r>
+            <a:rPr lang="en-US" sz="2700" kern="1200" noProof="0" dirty="0">
+              <a:solidFill>
+                <a:srgbClr val="FFB7DA"/>
+              </a:solidFill>
+              <a:latin typeface="Century" panose="02040604050505020304" pitchFamily="18" charset="0"/>
+            </a:rPr>
+            <a:t>š</a:t>
+          </a:r>
+          <a:r>
+            <a:rPr lang="hr-HR" sz="2700" kern="1200" noProof="0" dirty="0" err="1">
+              <a:solidFill>
+                <a:srgbClr val="FFB7DA"/>
+              </a:solidFill>
+              <a:latin typeface="Century" panose="02040604050505020304" pitchFamily="18" charset="0"/>
+            </a:rPr>
+            <a:t>enja</a:t>
+          </a:r>
+          <a:endParaRPr lang="hr-HR" sz="2700" kern="1200" noProof="0" dirty="0">
             <a:solidFill>
               <a:srgbClr val="FFB7DA"/>
             </a:solidFill>
+            <a:latin typeface="Century" panose="02040604050505020304" pitchFamily="18" charset="0"/>
           </a:endParaRPr>
         </a:p>
       </dsp:txBody>
@@ -11971,7 +12376,7 @@
         </a:bodyPr>
         <a:lstStyle/>
         <a:p>
-          <a:pPr marL="0" lvl="0" indent="0" algn="ctr" defTabSz="1155700">
+          <a:pPr marL="0" lvl="0" indent="0" algn="ctr" defTabSz="1200150">
             <a:lnSpc>
               <a:spcPct val="90000"/>
             </a:lnSpc>
@@ -11984,10 +12389,11 @@
             <a:buNone/>
           </a:pPr>
           <a:r>
-            <a:rPr lang="hr-HR" sz="2600" kern="1200" noProof="0" dirty="0">
+            <a:rPr lang="hr-HR" sz="2700" kern="1200" noProof="0" dirty="0">
               <a:solidFill>
                 <a:srgbClr val="FFB7DA"/>
               </a:solidFill>
+              <a:latin typeface="Century" panose="02040604050505020304" pitchFamily="18" charset="0"/>
             </a:rPr>
             <a:t>Pregled zahtjeva</a:t>
           </a:r>
@@ -12128,7 +12534,7 @@
         </a:bodyPr>
         <a:lstStyle/>
         <a:p>
-          <a:pPr marL="0" lvl="0" indent="0" algn="ctr" defTabSz="1155700">
+          <a:pPr marL="0" lvl="0" indent="0" algn="ctr" defTabSz="1200150">
             <a:lnSpc>
               <a:spcPct val="90000"/>
             </a:lnSpc>
@@ -12141,10 +12547,11 @@
             <a:buNone/>
           </a:pPr>
           <a:r>
-            <a:rPr lang="hr-HR" sz="2600" kern="1200" noProof="0" dirty="0">
+            <a:rPr lang="hr-HR" sz="2700" kern="1200" noProof="0" dirty="0">
               <a:solidFill>
                 <a:srgbClr val="FFB7DA"/>
               </a:solidFill>
+              <a:latin typeface="Century" panose="02040604050505020304" pitchFamily="18" charset="0"/>
             </a:rPr>
             <a:t>Korišteni alati i tehnologije</a:t>
           </a:r>
@@ -12285,7 +12692,7 @@
         </a:bodyPr>
         <a:lstStyle/>
         <a:p>
-          <a:pPr marL="0" lvl="0" indent="0" algn="ctr" defTabSz="1155700">
+          <a:pPr marL="0" lvl="0" indent="0" algn="ctr" defTabSz="1200150">
             <a:lnSpc>
               <a:spcPct val="90000"/>
             </a:lnSpc>
@@ -12298,10 +12705,11 @@
             <a:buNone/>
           </a:pPr>
           <a:r>
-            <a:rPr lang="hr-HR" sz="2600" kern="1200" noProof="0" dirty="0">
+            <a:rPr lang="hr-HR" sz="2700" kern="1200" noProof="0" dirty="0">
               <a:solidFill>
                 <a:srgbClr val="FFB7DA"/>
               </a:solidFill>
+              <a:latin typeface="Century" panose="02040604050505020304" pitchFamily="18" charset="0"/>
             </a:rPr>
             <a:t>Arhitektura</a:t>
           </a:r>
@@ -12442,7 +12850,7 @@
         </a:bodyPr>
         <a:lstStyle/>
         <a:p>
-          <a:pPr marL="0" lvl="0" indent="0" algn="ctr" defTabSz="1155700">
+          <a:pPr marL="0" lvl="0" indent="0" algn="ctr" defTabSz="1200150">
             <a:lnSpc>
               <a:spcPct val="90000"/>
             </a:lnSpc>
@@ -12455,17 +12863,19 @@
             <a:buNone/>
           </a:pPr>
           <a:r>
-            <a:rPr lang="en-US" sz="2600" kern="1200" noProof="0" dirty="0" err="1">
+            <a:rPr lang="en-US" sz="2700" kern="1200" noProof="0" dirty="0" err="1">
               <a:solidFill>
                 <a:srgbClr val="FFB7DA"/>
               </a:solidFill>
+              <a:latin typeface="Century" panose="02040604050505020304" pitchFamily="18" charset="0"/>
             </a:rPr>
             <a:t>Ispitivanje</a:t>
           </a:r>
-          <a:endParaRPr lang="hr-HR" sz="2600" kern="1200" noProof="0" dirty="0">
+          <a:endParaRPr lang="hr-HR" sz="2700" kern="1200" noProof="0" dirty="0">
             <a:solidFill>
               <a:srgbClr val="FFB7DA"/>
             </a:solidFill>
+            <a:latin typeface="Century" panose="02040604050505020304" pitchFamily="18" charset="0"/>
           </a:endParaRPr>
         </a:p>
       </dsp:txBody>
@@ -12519,7 +12929,7 @@
         </a:bodyPr>
         <a:lstStyle/>
         <a:p>
-          <a:pPr marL="0" lvl="0" indent="0" algn="ctr" defTabSz="1155700">
+          <a:pPr marL="0" lvl="0" indent="0" algn="ctr" defTabSz="1200150">
             <a:lnSpc>
               <a:spcPct val="90000"/>
             </a:lnSpc>
@@ -12532,49 +12942,55 @@
             <a:buNone/>
           </a:pPr>
           <a:r>
-            <a:rPr lang="en-US" sz="2600" kern="1200" noProof="0" dirty="0" err="1">
+            <a:rPr lang="en-US" sz="2700" kern="1200" noProof="0" dirty="0" err="1">
               <a:solidFill>
                 <a:srgbClr val="FFB7DA"/>
               </a:solidFill>
+              <a:latin typeface="Century" panose="02040604050505020304" pitchFamily="18" charset="0"/>
             </a:rPr>
             <a:t>Organizacija</a:t>
           </a:r>
           <a:r>
-            <a:rPr lang="en-US" sz="2600" kern="1200" noProof="0" dirty="0">
+            <a:rPr lang="en-US" sz="2700" kern="1200" noProof="0" dirty="0">
               <a:solidFill>
                 <a:srgbClr val="FFB7DA"/>
               </a:solidFill>
+              <a:latin typeface="Century" panose="02040604050505020304" pitchFamily="18" charset="0"/>
             </a:rPr>
             <a:t> </a:t>
           </a:r>
           <a:r>
-            <a:rPr lang="en-US" sz="2600" kern="1200" noProof="0" dirty="0" err="1">
+            <a:rPr lang="en-US" sz="2700" kern="1200" noProof="0" dirty="0" err="1">
               <a:solidFill>
                 <a:srgbClr val="FFB7DA"/>
               </a:solidFill>
+              <a:latin typeface="Century" panose="02040604050505020304" pitchFamily="18" charset="0"/>
             </a:rPr>
             <a:t>rada</a:t>
           </a:r>
           <a:r>
-            <a:rPr lang="en-US" sz="2600" kern="1200" noProof="0" dirty="0">
+            <a:rPr lang="en-US" sz="2700" kern="1200" noProof="0" dirty="0">
               <a:solidFill>
                 <a:srgbClr val="FFB7DA"/>
               </a:solidFill>
+              <a:latin typeface="Century" panose="02040604050505020304" pitchFamily="18" charset="0"/>
             </a:rPr>
             <a:t>, </a:t>
           </a:r>
           <a:r>
-            <a:rPr lang="en-US" sz="2600" kern="1200" noProof="0" dirty="0" err="1">
+            <a:rPr lang="en-US" sz="2700" kern="1200" noProof="0" dirty="0" err="1">
               <a:solidFill>
                 <a:srgbClr val="FFB7DA"/>
               </a:solidFill>
+              <a:latin typeface="Century" panose="02040604050505020304" pitchFamily="18" charset="0"/>
             </a:rPr>
             <a:t>zaključak</a:t>
           </a:r>
-          <a:endParaRPr lang="hr-HR" sz="2600" kern="1200" noProof="0" dirty="0">
+          <a:endParaRPr lang="hr-HR" sz="2700" kern="1200" noProof="0" dirty="0">
             <a:solidFill>
               <a:srgbClr val="FFB7DA"/>
             </a:solidFill>
+            <a:latin typeface="Century" panose="02040604050505020304" pitchFamily="18" charset="0"/>
           </a:endParaRPr>
         </a:p>
       </dsp:txBody>
@@ -12738,7 +13154,25 @@
               </a:solidFill>
               <a:latin typeface="Century" panose="02040604050505020304" pitchFamily="18" charset="0"/>
             </a:rPr>
-            <a:t>Bilješko Marija - </a:t>
+            <a:t>Bilješko Marija</a:t>
+          </a:r>
+          <a:r>
+            <a:rPr lang="en-US" sz="2700" b="0" i="0" kern="1200" noProof="0" dirty="0">
+              <a:solidFill>
+                <a:srgbClr val="FFB7DA"/>
+              </a:solidFill>
+              <a:latin typeface="Century" panose="02040604050505020304" pitchFamily="18" charset="0"/>
+            </a:rPr>
+            <a:t> </a:t>
+          </a:r>
+          <a:r>
+            <a:rPr lang="hr-HR" sz="2700" b="0" i="0" kern="1200" noProof="0" dirty="0">
+              <a:solidFill>
+                <a:srgbClr val="FFB7DA"/>
+              </a:solidFill>
+              <a:latin typeface="Century" panose="02040604050505020304" pitchFamily="18" charset="0"/>
+            </a:rPr>
+            <a:t>– </a:t>
           </a:r>
           <a:r>
             <a:rPr lang="hr-HR" sz="2700" b="0" i="0" kern="1200" noProof="0" dirty="0" err="1">
@@ -12835,7 +13269,7 @@
               </a:solidFill>
               <a:latin typeface="Century" panose="02040604050505020304" pitchFamily="18" charset="0"/>
             </a:rPr>
-            <a:t> Borna - </a:t>
+            <a:t> Borna – </a:t>
           </a:r>
           <a:r>
             <a:rPr lang="hr-HR" sz="2700" b="0" i="0" kern="1200" noProof="0" dirty="0" err="1">
@@ -12950,7 +13384,7 @@
               </a:solidFill>
               <a:latin typeface="Century" panose="02040604050505020304" pitchFamily="18" charset="0"/>
             </a:rPr>
-            <a:t> - </a:t>
+            <a:t> – </a:t>
           </a:r>
           <a:r>
             <a:rPr lang="hr-HR" sz="2700" b="0" i="0" kern="1200" noProof="0" dirty="0" err="1">
@@ -13038,7 +13472,7 @@
               </a:solidFill>
               <a:latin typeface="Century" panose="02040604050505020304" pitchFamily="18" charset="0"/>
             </a:rPr>
-            <a:t>Stolar Maja - </a:t>
+            <a:t>Stolar Maja – </a:t>
           </a:r>
           <a:r>
             <a:rPr lang="hr-HR" sz="2700" b="0" i="0" kern="1200" noProof="0" dirty="0" err="1">
@@ -13126,7 +13560,7 @@
               </a:solidFill>
               <a:latin typeface="Century" panose="02040604050505020304" pitchFamily="18" charset="0"/>
             </a:rPr>
-            <a:t>Vrdoljak Katarina - </a:t>
+            <a:t>Vrdoljak Katarina – </a:t>
           </a:r>
           <a:r>
             <a:rPr lang="hr-HR" sz="2700" b="0" i="0" kern="1200" noProof="0" dirty="0" err="1">
@@ -13586,8 +14020,8 @@
       </dsp:nvSpPr>
       <dsp:spPr>
         <a:xfrm>
-          <a:off x="0" y="638379"/>
-          <a:ext cx="10515600" cy="466830"/>
+          <a:off x="0" y="21429"/>
+          <a:ext cx="10515600" cy="636480"/>
         </a:xfrm>
         <a:prstGeom prst="roundRect">
           <a:avLst/>
@@ -13619,12 +14053,12 @@
         </a:fontRef>
       </dsp:style>
       <dsp:txBody>
-        <a:bodyPr spcFirstLastPara="0" vert="horz" wrap="square" lIns="72390" tIns="72390" rIns="72390" bIns="72390" numCol="1" spcCol="1270" anchor="ctr" anchorCtr="0">
+        <a:bodyPr spcFirstLastPara="0" vert="horz" wrap="square" lIns="60960" tIns="60960" rIns="60960" bIns="60960" numCol="1" spcCol="1270" anchor="ctr" anchorCtr="0">
           <a:noAutofit/>
         </a:bodyPr>
         <a:lstStyle/>
         <a:p>
-          <a:pPr marL="0" lvl="0" indent="0" algn="l" defTabSz="844550">
+          <a:pPr marL="0" lvl="0" indent="0" algn="l" defTabSz="711200">
             <a:lnSpc>
               <a:spcPct val="90000"/>
             </a:lnSpc>
@@ -13637,23 +14071,25 @@
             <a:buNone/>
           </a:pPr>
           <a:r>
-            <a:rPr lang="hr-HR" sz="1900" kern="1200" dirty="0">
+            <a:rPr lang="hr-HR" sz="1600" kern="1200" dirty="0">
               <a:solidFill>
                 <a:srgbClr val="FFB7DA"/>
               </a:solidFill>
+              <a:latin typeface="Century" panose="02040604050505020304" pitchFamily="18" charset="0"/>
             </a:rPr>
             <a:t>upis u prvi razred</a:t>
           </a:r>
-          <a:endParaRPr lang="en-US" sz="1900" kern="1200" dirty="0">
+          <a:endParaRPr lang="en-US" sz="1600" kern="1200" dirty="0">
             <a:solidFill>
               <a:srgbClr val="FFB7DA"/>
             </a:solidFill>
+            <a:latin typeface="Century" panose="02040604050505020304" pitchFamily="18" charset="0"/>
           </a:endParaRPr>
         </a:p>
       </dsp:txBody>
       <dsp:txXfrm>
-        <a:off x="22789" y="661168"/>
-        <a:ext cx="10470022" cy="421252"/>
+        <a:off x="31070" y="52499"/>
+        <a:ext cx="10453460" cy="574340"/>
       </dsp:txXfrm>
     </dsp:sp>
     <dsp:sp modelId="{9AD174AD-8B1F-4A19-B16F-67A11856D1F9}">
@@ -13663,8 +14099,8 @@
       </dsp:nvSpPr>
       <dsp:spPr>
         <a:xfrm>
-          <a:off x="0" y="1159929"/>
-          <a:ext cx="10515600" cy="466830"/>
+          <a:off x="0" y="755828"/>
+          <a:ext cx="10515600" cy="636480"/>
         </a:xfrm>
         <a:prstGeom prst="roundRect">
           <a:avLst/>
@@ -13696,12 +14132,12 @@
         </a:fontRef>
       </dsp:style>
       <dsp:txBody>
-        <a:bodyPr spcFirstLastPara="0" vert="horz" wrap="square" lIns="72390" tIns="72390" rIns="72390" bIns="72390" numCol="1" spcCol="1270" anchor="ctr" anchorCtr="0">
+        <a:bodyPr spcFirstLastPara="0" vert="horz" wrap="square" lIns="60960" tIns="60960" rIns="60960" bIns="60960" numCol="1" spcCol="1270" anchor="ctr" anchorCtr="0">
           <a:noAutofit/>
         </a:bodyPr>
         <a:lstStyle/>
         <a:p>
-          <a:pPr marL="0" lvl="0" indent="0" algn="l" defTabSz="844550">
+          <a:pPr marL="0" lvl="0" indent="0" algn="l" defTabSz="711200">
             <a:lnSpc>
               <a:spcPct val="90000"/>
             </a:lnSpc>
@@ -13714,23 +14150,25 @@
             <a:buNone/>
           </a:pPr>
           <a:r>
-            <a:rPr lang="hr-HR" sz="1900" kern="1200">
+            <a:rPr lang="hr-HR" sz="1600" kern="1200" dirty="0">
               <a:solidFill>
                 <a:srgbClr val="FFB7DA"/>
               </a:solidFill>
+              <a:latin typeface="Century" panose="02040604050505020304" pitchFamily="18" charset="0"/>
             </a:rPr>
             <a:t>pregled rasporeda sati</a:t>
           </a:r>
-          <a:endParaRPr lang="en-US" sz="1900" kern="1200">
+          <a:endParaRPr lang="en-US" sz="1600" kern="1200" dirty="0">
             <a:solidFill>
               <a:srgbClr val="FFB7DA"/>
             </a:solidFill>
+            <a:latin typeface="Century" panose="02040604050505020304" pitchFamily="18" charset="0"/>
           </a:endParaRPr>
         </a:p>
       </dsp:txBody>
       <dsp:txXfrm>
-        <a:off x="22789" y="1182718"/>
-        <a:ext cx="10470022" cy="421252"/>
+        <a:off x="31070" y="786898"/>
+        <a:ext cx="10453460" cy="574340"/>
       </dsp:txXfrm>
     </dsp:sp>
     <dsp:sp modelId="{767CF10A-AFA8-4E59-94DF-260E79BB8196}">
@@ -13740,8 +14178,8 @@
       </dsp:nvSpPr>
       <dsp:spPr>
         <a:xfrm>
-          <a:off x="0" y="1681479"/>
-          <a:ext cx="10515600" cy="466830"/>
+          <a:off x="0" y="1490228"/>
+          <a:ext cx="10515600" cy="636480"/>
         </a:xfrm>
         <a:prstGeom prst="roundRect">
           <a:avLst/>
@@ -13773,12 +14211,12 @@
         </a:fontRef>
       </dsp:style>
       <dsp:txBody>
-        <a:bodyPr spcFirstLastPara="0" vert="horz" wrap="square" lIns="72390" tIns="72390" rIns="72390" bIns="72390" numCol="1" spcCol="1270" anchor="ctr" anchorCtr="0">
+        <a:bodyPr spcFirstLastPara="0" vert="horz" wrap="square" lIns="60960" tIns="60960" rIns="60960" bIns="60960" numCol="1" spcCol="1270" anchor="ctr" anchorCtr="0">
           <a:noAutofit/>
         </a:bodyPr>
         <a:lstStyle/>
         <a:p>
-          <a:pPr marL="0" lvl="0" indent="0" algn="l" defTabSz="844550">
+          <a:pPr marL="0" lvl="0" indent="0" algn="l" defTabSz="711200">
             <a:lnSpc>
               <a:spcPct val="90000"/>
             </a:lnSpc>
@@ -13791,23 +14229,25 @@
             <a:buNone/>
           </a:pPr>
           <a:r>
-            <a:rPr lang="hr-HR" sz="1900" kern="1200">
+            <a:rPr lang="hr-HR" sz="1600" kern="1200" dirty="0">
               <a:solidFill>
                 <a:srgbClr val="FFB7DA"/>
               </a:solidFill>
+              <a:latin typeface="Century" panose="02040604050505020304" pitchFamily="18" charset="0"/>
             </a:rPr>
             <a:t>komunikacija s ostalim korisnicima</a:t>
           </a:r>
-          <a:endParaRPr lang="en-US" sz="1900" kern="1200">
+          <a:endParaRPr lang="en-US" sz="1600" kern="1200" dirty="0">
             <a:solidFill>
               <a:srgbClr val="FFB7DA"/>
             </a:solidFill>
+            <a:latin typeface="Century" panose="02040604050505020304" pitchFamily="18" charset="0"/>
           </a:endParaRPr>
         </a:p>
       </dsp:txBody>
       <dsp:txXfrm>
-        <a:off x="22789" y="1704268"/>
-        <a:ext cx="10470022" cy="421252"/>
+        <a:off x="31070" y="1521298"/>
+        <a:ext cx="10453460" cy="574340"/>
       </dsp:txXfrm>
     </dsp:sp>
     <dsp:sp modelId="{6CA80BED-0A31-4CB3-94EB-EDFCD8645416}">
@@ -13817,8 +14257,8 @@
       </dsp:nvSpPr>
       <dsp:spPr>
         <a:xfrm>
-          <a:off x="0" y="2203029"/>
-          <a:ext cx="10515600" cy="466830"/>
+          <a:off x="0" y="2224629"/>
+          <a:ext cx="10515600" cy="636480"/>
         </a:xfrm>
         <a:prstGeom prst="roundRect">
           <a:avLst/>
@@ -13850,12 +14290,12 @@
         </a:fontRef>
       </dsp:style>
       <dsp:txBody>
-        <a:bodyPr spcFirstLastPara="0" vert="horz" wrap="square" lIns="72390" tIns="72390" rIns="72390" bIns="72390" numCol="1" spcCol="1270" anchor="ctr" anchorCtr="0">
+        <a:bodyPr spcFirstLastPara="0" vert="horz" wrap="square" lIns="60960" tIns="60960" rIns="60960" bIns="60960" numCol="1" spcCol="1270" anchor="ctr" anchorCtr="0">
           <a:noAutofit/>
         </a:bodyPr>
         <a:lstStyle/>
         <a:p>
-          <a:pPr marL="0" lvl="0" indent="0" algn="l" defTabSz="844550">
+          <a:pPr marL="0" lvl="0" indent="0" algn="l" defTabSz="711200">
             <a:lnSpc>
               <a:spcPct val="90000"/>
             </a:lnSpc>
@@ -13868,39 +14308,43 @@
             <a:buNone/>
           </a:pPr>
           <a:r>
-            <a:rPr lang="hr-HR" sz="1900" kern="1200" dirty="0">
+            <a:rPr lang="hr-HR" sz="1600" kern="1200" dirty="0">
               <a:solidFill>
                 <a:srgbClr val="FFB7DA"/>
               </a:solidFill>
+              <a:latin typeface="Century" panose="02040604050505020304" pitchFamily="18" charset="0"/>
             </a:rPr>
             <a:t>dodavanje nastavnih materijala, </a:t>
           </a:r>
           <a:r>
-            <a:rPr lang="en-US" sz="1900" kern="1200" dirty="0">
+            <a:rPr lang="en-US" sz="1600" kern="1200" dirty="0">
               <a:solidFill>
                 <a:srgbClr val="FFB7DA"/>
               </a:solidFill>
+              <a:latin typeface="Century" panose="02040604050505020304" pitchFamily="18" charset="0"/>
             </a:rPr>
             <a:t>te </a:t>
           </a:r>
           <a:r>
-            <a:rPr lang="hr-HR" sz="1900" kern="1200" dirty="0">
+            <a:rPr lang="hr-HR" sz="1600" kern="1200" dirty="0">
               <a:solidFill>
                 <a:srgbClr val="FFB7DA"/>
               </a:solidFill>
+              <a:latin typeface="Century" panose="02040604050505020304" pitchFamily="18" charset="0"/>
             </a:rPr>
             <a:t>pregled istih</a:t>
           </a:r>
-          <a:endParaRPr lang="en-US" sz="1900" kern="1200" dirty="0">
+          <a:endParaRPr lang="en-US" sz="1600" kern="1200" dirty="0">
             <a:solidFill>
               <a:srgbClr val="FFB7DA"/>
             </a:solidFill>
+            <a:latin typeface="Century" panose="02040604050505020304" pitchFamily="18" charset="0"/>
           </a:endParaRPr>
         </a:p>
       </dsp:txBody>
       <dsp:txXfrm>
-        <a:off x="22789" y="2225818"/>
-        <a:ext cx="10470022" cy="421252"/>
+        <a:off x="31070" y="2255699"/>
+        <a:ext cx="10453460" cy="574340"/>
       </dsp:txXfrm>
     </dsp:sp>
     <dsp:sp modelId="{4FAFF67D-EF6F-4509-A21F-48CB4C0A6800}">
@@ -13910,8 +14354,8 @@
       </dsp:nvSpPr>
       <dsp:spPr>
         <a:xfrm>
-          <a:off x="0" y="2724579"/>
-          <a:ext cx="10515600" cy="466830"/>
+          <a:off x="0" y="2959028"/>
+          <a:ext cx="10515600" cy="636480"/>
         </a:xfrm>
         <a:prstGeom prst="roundRect">
           <a:avLst/>
@@ -13943,12 +14387,12 @@
         </a:fontRef>
       </dsp:style>
       <dsp:txBody>
-        <a:bodyPr spcFirstLastPara="0" vert="horz" wrap="square" lIns="72390" tIns="72390" rIns="72390" bIns="72390" numCol="1" spcCol="1270" anchor="ctr" anchorCtr="0">
+        <a:bodyPr spcFirstLastPara="0" vert="horz" wrap="square" lIns="60960" tIns="60960" rIns="60960" bIns="60960" numCol="1" spcCol="1270" anchor="ctr" anchorCtr="0">
           <a:noAutofit/>
         </a:bodyPr>
         <a:lstStyle/>
         <a:p>
-          <a:pPr marL="0" lvl="0" indent="0" algn="l" defTabSz="844550">
+          <a:pPr marL="0" lvl="0" indent="0" algn="l" defTabSz="711200">
             <a:lnSpc>
               <a:spcPct val="90000"/>
             </a:lnSpc>
@@ -13961,71 +14405,79 @@
             <a:buNone/>
           </a:pPr>
           <a:r>
-            <a:rPr lang="en-US" sz="1900" kern="1200" dirty="0">
+            <a:rPr lang="en-US" sz="1600" kern="1200" dirty="0">
               <a:solidFill>
                 <a:srgbClr val="FFB7DA"/>
               </a:solidFill>
+              <a:latin typeface="Century" panose="02040604050505020304" pitchFamily="18" charset="0"/>
             </a:rPr>
             <a:t>po</a:t>
           </a:r>
           <a:r>
-            <a:rPr lang="hr-HR" sz="1900" kern="1200" dirty="0" err="1">
+            <a:rPr lang="hr-HR" sz="1600" kern="1200" dirty="0" err="1">
               <a:solidFill>
                 <a:srgbClr val="FFB7DA"/>
               </a:solidFill>
+              <a:latin typeface="Century" panose="02040604050505020304" pitchFamily="18" charset="0"/>
             </a:rPr>
             <a:t>hranj</a:t>
           </a:r>
           <a:r>
-            <a:rPr lang="en-US" sz="1900" kern="1200" dirty="0" err="1">
+            <a:rPr lang="en-US" sz="1600" kern="1200" dirty="0" err="1">
               <a:solidFill>
                 <a:srgbClr val="FFB7DA"/>
               </a:solidFill>
+              <a:latin typeface="Century" panose="02040604050505020304" pitchFamily="18" charset="0"/>
             </a:rPr>
             <a:t>ivanje</a:t>
           </a:r>
           <a:r>
-            <a:rPr lang="en-US" sz="1900" kern="1200" dirty="0">
+            <a:rPr lang="en-US" sz="1600" kern="1200" dirty="0">
               <a:solidFill>
                 <a:srgbClr val="FFB7DA"/>
               </a:solidFill>
+              <a:latin typeface="Century" panose="02040604050505020304" pitchFamily="18" charset="0"/>
             </a:rPr>
             <a:t> </a:t>
           </a:r>
           <a:r>
-            <a:rPr lang="hr-HR" sz="1900" kern="1200" dirty="0">
+            <a:rPr lang="hr-HR" sz="1600" kern="1200" dirty="0">
               <a:solidFill>
                 <a:srgbClr val="FFB7DA"/>
               </a:solidFill>
+              <a:latin typeface="Century" panose="02040604050505020304" pitchFamily="18" charset="0"/>
             </a:rPr>
             <a:t>podat</a:t>
           </a:r>
           <a:r>
-            <a:rPr lang="en-US" sz="1900" kern="1200" dirty="0">
+            <a:rPr lang="en-US" sz="1600" kern="1200" dirty="0">
               <a:solidFill>
                 <a:srgbClr val="FFB7DA"/>
               </a:solidFill>
+              <a:latin typeface="Century" panose="02040604050505020304" pitchFamily="18" charset="0"/>
             </a:rPr>
             <a:t>aka</a:t>
           </a:r>
           <a:r>
-            <a:rPr lang="hr-HR" sz="1900" kern="1200" dirty="0">
+            <a:rPr lang="hr-HR" sz="1600" kern="1200" dirty="0">
               <a:solidFill>
                 <a:srgbClr val="FFB7DA"/>
               </a:solidFill>
+              <a:latin typeface="Century" panose="02040604050505020304" pitchFamily="18" charset="0"/>
             </a:rPr>
             <a:t> o korisnicima, nastavnim materijalima, njihovim pregledima i pristupima</a:t>
           </a:r>
-          <a:endParaRPr lang="en-US" sz="1900" kern="1200" dirty="0">
+          <a:endParaRPr lang="en-US" sz="1600" kern="1200" dirty="0">
             <a:solidFill>
               <a:srgbClr val="FFB7DA"/>
             </a:solidFill>
+            <a:latin typeface="Century" panose="02040604050505020304" pitchFamily="18" charset="0"/>
           </a:endParaRPr>
         </a:p>
       </dsp:txBody>
       <dsp:txXfrm>
-        <a:off x="22789" y="2747368"/>
-        <a:ext cx="10470022" cy="421252"/>
+        <a:off x="31070" y="2990098"/>
+        <a:ext cx="10453460" cy="574340"/>
       </dsp:txXfrm>
     </dsp:sp>
     <dsp:sp modelId="{EB1F3269-F1A8-4FF4-A865-CAD561FBFDF4}">
@@ -14035,8 +14487,8 @@
       </dsp:nvSpPr>
       <dsp:spPr>
         <a:xfrm>
-          <a:off x="0" y="3246129"/>
-          <a:ext cx="10515600" cy="466830"/>
+          <a:off x="0" y="3693429"/>
+          <a:ext cx="10515600" cy="636480"/>
         </a:xfrm>
         <a:prstGeom prst="roundRect">
           <a:avLst/>
@@ -14068,12 +14520,12 @@
         </a:fontRef>
       </dsp:style>
       <dsp:txBody>
-        <a:bodyPr spcFirstLastPara="0" vert="horz" wrap="square" lIns="72390" tIns="72390" rIns="72390" bIns="72390" numCol="1" spcCol="1270" anchor="ctr" anchorCtr="0">
+        <a:bodyPr spcFirstLastPara="0" vert="horz" wrap="square" lIns="60960" tIns="60960" rIns="60960" bIns="60960" numCol="1" spcCol="1270" anchor="ctr" anchorCtr="0">
           <a:noAutofit/>
         </a:bodyPr>
         <a:lstStyle/>
         <a:p>
-          <a:pPr marL="0" lvl="0" indent="0" algn="l" defTabSz="844550">
+          <a:pPr marL="0" lvl="0" indent="0" algn="l" defTabSz="711200">
             <a:lnSpc>
               <a:spcPct val="90000"/>
             </a:lnSpc>
@@ -14086,23 +14538,124 @@
             <a:buNone/>
           </a:pPr>
           <a:r>
-            <a:rPr lang="hr-HR" sz="1900" kern="1200" dirty="0">
+            <a:rPr lang="hr-HR" sz="1600" kern="1200" dirty="0" err="1">
               <a:solidFill>
                 <a:srgbClr val="FFB7DA"/>
               </a:solidFill>
-            </a:rPr>
-            <a:t>poslužuje potrebne podatke vezane za prognozu.</a:t>
-          </a:r>
-          <a:endParaRPr lang="en-US" sz="1900" kern="1200" dirty="0">
+              <a:latin typeface="Century" panose="02040604050505020304" pitchFamily="18" charset="0"/>
+            </a:rPr>
+            <a:t>posluž</a:t>
+          </a:r>
+          <a:r>
+            <a:rPr lang="en-US" sz="1600" kern="1200" dirty="0" err="1">
+              <a:solidFill>
+                <a:srgbClr val="FFB7DA"/>
+              </a:solidFill>
+              <a:latin typeface="Century" panose="02040604050505020304" pitchFamily="18" charset="0"/>
+            </a:rPr>
+            <a:t>ivanje</a:t>
+          </a:r>
+          <a:r>
+            <a:rPr lang="hr-HR" sz="1600" kern="1200" dirty="0">
+              <a:solidFill>
+                <a:srgbClr val="FFB7DA"/>
+              </a:solidFill>
+              <a:latin typeface="Century" panose="02040604050505020304" pitchFamily="18" charset="0"/>
+            </a:rPr>
+            <a:t> </a:t>
+          </a:r>
+          <a:r>
+            <a:rPr lang="hr-HR" sz="1600" kern="1200" dirty="0" err="1">
+              <a:solidFill>
+                <a:srgbClr val="FFB7DA"/>
+              </a:solidFill>
+              <a:latin typeface="Century" panose="02040604050505020304" pitchFamily="18" charset="0"/>
+            </a:rPr>
+            <a:t>potrebn</a:t>
+          </a:r>
+          <a:r>
+            <a:rPr lang="en-US" sz="1600" kern="1200" dirty="0">
+              <a:solidFill>
+                <a:srgbClr val="FFB7DA"/>
+              </a:solidFill>
+              <a:latin typeface="Century" panose="02040604050505020304" pitchFamily="18" charset="0"/>
+            </a:rPr>
+            <a:t>ih</a:t>
+          </a:r>
+          <a:r>
+            <a:rPr lang="hr-HR" sz="1600" kern="1200" dirty="0">
+              <a:solidFill>
+                <a:srgbClr val="FFB7DA"/>
+              </a:solidFill>
+              <a:latin typeface="Century" panose="02040604050505020304" pitchFamily="18" charset="0"/>
+            </a:rPr>
+            <a:t> podat</a:t>
+          </a:r>
+          <a:r>
+            <a:rPr lang="en-US" sz="1600" kern="1200" dirty="0">
+              <a:solidFill>
+                <a:srgbClr val="FFB7DA"/>
+              </a:solidFill>
+              <a:latin typeface="Century" panose="02040604050505020304" pitchFamily="18" charset="0"/>
+            </a:rPr>
+            <a:t>a</a:t>
+          </a:r>
+          <a:r>
+            <a:rPr lang="hr-HR" sz="1600" kern="1200" dirty="0">
+              <a:solidFill>
+                <a:srgbClr val="FFB7DA"/>
+              </a:solidFill>
+              <a:latin typeface="Century" panose="02040604050505020304" pitchFamily="18" charset="0"/>
+            </a:rPr>
+            <a:t>k</a:t>
+          </a:r>
+          <a:r>
+            <a:rPr lang="en-US" sz="1600" kern="1200" dirty="0">
+              <a:solidFill>
+                <a:srgbClr val="FFB7DA"/>
+              </a:solidFill>
+              <a:latin typeface="Century" panose="02040604050505020304" pitchFamily="18" charset="0"/>
+            </a:rPr>
+            <a:t>a</a:t>
+          </a:r>
+          <a:r>
+            <a:rPr lang="hr-HR" sz="1600" kern="1200" dirty="0">
+              <a:solidFill>
+                <a:srgbClr val="FFB7DA"/>
+              </a:solidFill>
+              <a:latin typeface="Century" panose="02040604050505020304" pitchFamily="18" charset="0"/>
+            </a:rPr>
+            <a:t> vezan</a:t>
+          </a:r>
+          <a:r>
+            <a:rPr lang="en-US" sz="1600" kern="1200" dirty="0">
+              <a:solidFill>
+                <a:srgbClr val="FFB7DA"/>
+              </a:solidFill>
+              <a:latin typeface="Century" panose="02040604050505020304" pitchFamily="18" charset="0"/>
+            </a:rPr>
+            <a:t>ih</a:t>
+          </a:r>
+          <a:r>
+            <a:rPr lang="hr-HR" sz="1600" kern="1200" dirty="0">
+              <a:solidFill>
+                <a:srgbClr val="FFB7DA"/>
+              </a:solidFill>
+              <a:latin typeface="Century" panose="02040604050505020304" pitchFamily="18" charset="0"/>
+            </a:rPr>
+            <a:t> za prognozu</a:t>
+          </a:r>
+          <a:endParaRPr lang="en-US" sz="1600" kern="1200" dirty="0">
             <a:solidFill>
               <a:srgbClr val="FFB7DA"/>
             </a:solidFill>
+            <a:latin typeface="Century" panose="02040604050505020304" pitchFamily="18" charset="0"/>
           </a:endParaRPr>
         </a:p>
       </dsp:txBody>
       <dsp:txXfrm>
-        <a:off x="22789" y="3268918"/>
-        <a:ext cx="10470022" cy="421252"/>
+        <a:off x="31070" y="3724499"/>
+        <a:ext cx="10453460" cy="574340"/>
       </dsp:txXfrm>
     </dsp:sp>
   </dsp:spTree>
@@ -14124,8 +14677,8 @@
       </dsp:nvSpPr>
       <dsp:spPr>
         <a:xfrm>
-          <a:off x="0" y="37269"/>
-          <a:ext cx="10515600" cy="663389"/>
+          <a:off x="0" y="83742"/>
+          <a:ext cx="10515600" cy="647595"/>
         </a:xfrm>
         <a:prstGeom prst="roundRect">
           <a:avLst/>
@@ -14179,6 +14732,7 @@
               <a:solidFill>
                 <a:srgbClr val="FFB7DA"/>
               </a:solidFill>
+              <a:latin typeface="Century" panose="02040604050505020304" pitchFamily="18" charset="0"/>
             </a:rPr>
             <a:t>o</a:t>
           </a:r>
@@ -14187,6 +14741,7 @@
               <a:solidFill>
                 <a:srgbClr val="FFB7DA"/>
               </a:solidFill>
+              <a:latin typeface="Century" panose="02040604050505020304" pitchFamily="18" charset="0"/>
             </a:rPr>
             <a:t>ptimalan</a:t>
           </a:r>
@@ -14195,6 +14750,7 @@
               <a:solidFill>
                 <a:srgbClr val="FFB7DA"/>
               </a:solidFill>
+              <a:latin typeface="Century" panose="02040604050505020304" pitchFamily="18" charset="0"/>
             </a:rPr>
             <a:t> raspored sati za nastavnike i učenike </a:t>
           </a:r>
@@ -14202,12 +14758,13 @@
             <a:solidFill>
               <a:srgbClr val="FFB7DA"/>
             </a:solidFill>
+            <a:latin typeface="Century" panose="02040604050505020304" pitchFamily="18" charset="0"/>
           </a:endParaRPr>
         </a:p>
       </dsp:txBody>
       <dsp:txXfrm>
-        <a:off x="32384" y="69653"/>
-        <a:ext cx="10450832" cy="598621"/>
+        <a:off x="31613" y="115355"/>
+        <a:ext cx="10452374" cy="584369"/>
       </dsp:txXfrm>
     </dsp:sp>
     <dsp:sp modelId="{BFCF7A83-2CC2-4584-9D88-6E9B44D39E32}">
@@ -14217,8 +14774,8 @@
       </dsp:nvSpPr>
       <dsp:spPr>
         <a:xfrm>
-          <a:off x="0" y="700659"/>
-          <a:ext cx="10515600" cy="726570"/>
+          <a:off x="0" y="731337"/>
+          <a:ext cx="10515600" cy="712597"/>
         </a:xfrm>
         <a:prstGeom prst="rect">
           <a:avLst/>
@@ -14264,6 +14821,7 @@
               <a:solidFill>
                 <a:srgbClr val="747474"/>
               </a:solidFill>
+              <a:latin typeface="Century" panose="02040604050505020304" pitchFamily="18" charset="0"/>
             </a:rPr>
             <a:t>bez </a:t>
           </a:r>
@@ -14272,6 +14830,7 @@
               <a:solidFill>
                 <a:srgbClr val="747474"/>
               </a:solidFill>
+              <a:latin typeface="Century" panose="02040604050505020304" pitchFamily="18" charset="0"/>
             </a:rPr>
             <a:t>previše</a:t>
           </a:r>
@@ -14280,6 +14839,7 @@
               <a:solidFill>
                 <a:srgbClr val="747474"/>
               </a:solidFill>
+              <a:latin typeface="Century" panose="02040604050505020304" pitchFamily="18" charset="0"/>
             </a:rPr>
             <a:t> sati u jednom </a:t>
           </a:r>
@@ -14288,6 +14848,7 @@
               <a:solidFill>
                 <a:srgbClr val="747474"/>
               </a:solidFill>
+              <a:latin typeface="Century" panose="02040604050505020304" pitchFamily="18" charset="0"/>
             </a:rPr>
             <a:t>danu</a:t>
           </a:r>
@@ -14295,6 +14856,7 @@
             <a:solidFill>
               <a:srgbClr val="747474"/>
             </a:solidFill>
+            <a:latin typeface="Century" panose="02040604050505020304" pitchFamily="18" charset="0"/>
           </a:endParaRPr>
         </a:p>
         <a:p>
@@ -14315,6 +14877,7 @@
               <a:solidFill>
                 <a:srgbClr val="747474"/>
               </a:solidFill>
+              <a:latin typeface="Century" panose="02040604050505020304" pitchFamily="18" charset="0"/>
             </a:rPr>
             <a:t>vođenje</a:t>
           </a:r>
@@ -14323,6 +14886,7 @@
               <a:solidFill>
                 <a:srgbClr val="747474"/>
               </a:solidFill>
+              <a:latin typeface="Century" panose="02040604050505020304" pitchFamily="18" charset="0"/>
             </a:rPr>
             <a:t> </a:t>
           </a:r>
@@ -14331,6 +14895,7 @@
               <a:solidFill>
                 <a:srgbClr val="747474"/>
               </a:solidFill>
+              <a:latin typeface="Century" panose="02040604050505020304" pitchFamily="18" charset="0"/>
             </a:rPr>
             <a:t>računa o </a:t>
           </a:r>
@@ -14339,6 +14904,7 @@
               <a:solidFill>
                 <a:srgbClr val="747474"/>
               </a:solidFill>
+              <a:latin typeface="Century" panose="02040604050505020304" pitchFamily="18" charset="0"/>
             </a:rPr>
             <a:t>praznicim</a:t>
           </a:r>
@@ -14347,14 +14913,34 @@
               <a:solidFill>
                 <a:srgbClr val="747474"/>
               </a:solidFill>
-            </a:rPr>
-            <a:t>a I </a:t>
+              <a:latin typeface="Century" panose="02040604050505020304" pitchFamily="18" charset="0"/>
+            </a:rPr>
+            <a:t>a </a:t>
           </a:r>
           <a:r>
             <a:rPr lang="en-US" sz="2100" kern="1200" dirty="0" err="1">
               <a:solidFill>
                 <a:srgbClr val="747474"/>
               </a:solidFill>
+              <a:latin typeface="Century" panose="02040604050505020304" pitchFamily="18" charset="0"/>
+            </a:rPr>
+            <a:t>i</a:t>
+          </a:r>
+          <a:r>
+            <a:rPr lang="en-US" sz="2100" kern="1200" dirty="0">
+              <a:solidFill>
+                <a:srgbClr val="747474"/>
+              </a:solidFill>
+              <a:latin typeface="Century" panose="02040604050505020304" pitchFamily="18" charset="0"/>
+            </a:rPr>
+            <a:t> </a:t>
+          </a:r>
+          <a:r>
+            <a:rPr lang="en-US" sz="2100" kern="1200" dirty="0" err="1">
+              <a:solidFill>
+                <a:srgbClr val="747474"/>
+              </a:solidFill>
+              <a:latin typeface="Century" panose="02040604050505020304" pitchFamily="18" charset="0"/>
             </a:rPr>
             <a:t>neradnim</a:t>
           </a:r>
@@ -14363,6 +14949,7 @@
               <a:solidFill>
                 <a:srgbClr val="747474"/>
               </a:solidFill>
+              <a:latin typeface="Century" panose="02040604050505020304" pitchFamily="18" charset="0"/>
             </a:rPr>
             <a:t> </a:t>
           </a:r>
@@ -14371,6 +14958,7 @@
               <a:solidFill>
                 <a:srgbClr val="747474"/>
               </a:solidFill>
+              <a:latin typeface="Century" panose="02040604050505020304" pitchFamily="18" charset="0"/>
             </a:rPr>
             <a:t>danima</a:t>
           </a:r>
@@ -14378,12 +14966,13 @@
             <a:solidFill>
               <a:srgbClr val="747474"/>
             </a:solidFill>
+            <a:latin typeface="Century" panose="02040604050505020304" pitchFamily="18" charset="0"/>
           </a:endParaRPr>
         </a:p>
       </dsp:txBody>
       <dsp:txXfrm>
-        <a:off x="0" y="700659"/>
-        <a:ext cx="10515600" cy="726570"/>
+        <a:off x="0" y="731337"/>
+        <a:ext cx="10515600" cy="712597"/>
       </dsp:txXfrm>
     </dsp:sp>
     <dsp:sp modelId="{3A6B6875-EC8F-47CE-BFEE-A6032C6546A8}">
@@ -14393,8 +14982,8 @@
       </dsp:nvSpPr>
       <dsp:spPr>
         <a:xfrm>
-          <a:off x="0" y="1427229"/>
-          <a:ext cx="10515600" cy="663389"/>
+          <a:off x="0" y="1443935"/>
+          <a:ext cx="10515600" cy="647595"/>
         </a:xfrm>
         <a:prstGeom prst="roundRect">
           <a:avLst/>
@@ -14444,31 +15033,43 @@
             <a:buNone/>
           </a:pPr>
           <a:r>
-            <a:rPr lang="en-US" sz="2700" kern="1200">
+            <a:rPr lang="en-US" sz="2700" kern="1200" dirty="0" err="1">
               <a:solidFill>
                 <a:srgbClr val="FFB7DA"/>
               </a:solidFill>
-            </a:rPr>
-            <a:t>podržavanje </a:t>
-          </a:r>
-          <a:r>
-            <a:rPr lang="hr-HR" sz="2700" kern="1200">
+              <a:latin typeface="Century" panose="02040604050505020304" pitchFamily="18" charset="0"/>
+            </a:rPr>
+            <a:t>podržavanje</a:t>
+          </a:r>
+          <a:r>
+            <a:rPr lang="en-US" sz="2700" kern="1200" dirty="0">
               <a:solidFill>
                 <a:srgbClr val="FFB7DA"/>
               </a:solidFill>
+              <a:latin typeface="Century" panose="02040604050505020304" pitchFamily="18" charset="0"/>
+            </a:rPr>
+            <a:t> </a:t>
+          </a:r>
+          <a:r>
+            <a:rPr lang="hr-HR" sz="2700" kern="1200" dirty="0">
+              <a:solidFill>
+                <a:srgbClr val="FFB7DA"/>
+              </a:solidFill>
+              <a:latin typeface="Century" panose="02040604050505020304" pitchFamily="18" charset="0"/>
             </a:rPr>
             <a:t>višekorisničkog rada bez smanjenja performansi</a:t>
           </a:r>
-          <a:endParaRPr lang="en-US" sz="2700" kern="1200">
+          <a:endParaRPr lang="en-US" sz="2700" kern="1200" dirty="0">
             <a:solidFill>
               <a:srgbClr val="FFB7DA"/>
             </a:solidFill>
+            <a:latin typeface="Century" panose="02040604050505020304" pitchFamily="18" charset="0"/>
           </a:endParaRPr>
         </a:p>
       </dsp:txBody>
       <dsp:txXfrm>
-        <a:off x="32384" y="1459613"/>
-        <a:ext cx="10450832" cy="598621"/>
+        <a:off x="31613" y="1475548"/>
+        <a:ext cx="10452374" cy="584369"/>
       </dsp:txXfrm>
     </dsp:sp>
     <dsp:sp modelId="{2805AF70-BE08-4B4B-98C6-50F9E1741B40}">
@@ -14478,8 +15079,8 @@
       </dsp:nvSpPr>
       <dsp:spPr>
         <a:xfrm>
-          <a:off x="0" y="2168379"/>
-          <a:ext cx="10515600" cy="663389"/>
+          <a:off x="0" y="2169290"/>
+          <a:ext cx="10515600" cy="647595"/>
         </a:xfrm>
         <a:prstGeom prst="roundRect">
           <a:avLst/>
@@ -14533,6 +15134,7 @@
               <a:solidFill>
                 <a:srgbClr val="FFB7DA"/>
               </a:solidFill>
+              <a:latin typeface="Century" panose="02040604050505020304" pitchFamily="18" charset="0"/>
             </a:rPr>
             <a:t>responzivni</a:t>
           </a:r>
@@ -14541,6 +15143,7 @@
               <a:solidFill>
                 <a:srgbClr val="FFB7DA"/>
               </a:solidFill>
+              <a:latin typeface="Century" panose="02040604050505020304" pitchFamily="18" charset="0"/>
             </a:rPr>
             <a:t> </a:t>
           </a:r>
@@ -14549,6 +15152,7 @@
               <a:solidFill>
                 <a:srgbClr val="FFB7DA"/>
               </a:solidFill>
+              <a:latin typeface="Century" panose="02040604050505020304" pitchFamily="18" charset="0"/>
             </a:rPr>
             <a:t>dizajn</a:t>
           </a:r>
@@ -14557,6 +15161,7 @@
               <a:solidFill>
                 <a:srgbClr val="FFB7DA"/>
               </a:solidFill>
+              <a:latin typeface="Century" panose="02040604050505020304" pitchFamily="18" charset="0"/>
             </a:rPr>
             <a:t>, </a:t>
           </a:r>
@@ -14565,6 +15170,7 @@
               <a:solidFill>
                 <a:srgbClr val="FFB7DA"/>
               </a:solidFill>
+              <a:latin typeface="Century" panose="02040604050505020304" pitchFamily="18" charset="0"/>
             </a:rPr>
             <a:t>pregledno</a:t>
           </a:r>
@@ -14573,6 +15179,7 @@
               <a:solidFill>
                 <a:srgbClr val="FFB7DA"/>
               </a:solidFill>
+              <a:latin typeface="Century" panose="02040604050505020304" pitchFamily="18" charset="0"/>
             </a:rPr>
             <a:t> </a:t>
           </a:r>
@@ -14581,6 +15188,7 @@
               <a:solidFill>
                 <a:srgbClr val="FFB7DA"/>
               </a:solidFill>
+              <a:latin typeface="Century" panose="02040604050505020304" pitchFamily="18" charset="0"/>
             </a:rPr>
             <a:t>te intuitivno sučelje</a:t>
           </a:r>
@@ -14588,12 +15196,13 @@
             <a:solidFill>
               <a:srgbClr val="FFB7DA"/>
             </a:solidFill>
+            <a:latin typeface="Century" panose="02040604050505020304" pitchFamily="18" charset="0"/>
           </a:endParaRPr>
         </a:p>
       </dsp:txBody>
       <dsp:txXfrm>
-        <a:off x="32384" y="2200763"/>
-        <a:ext cx="10450832" cy="598621"/>
+        <a:off x="31613" y="2200903"/>
+        <a:ext cx="10452374" cy="584369"/>
       </dsp:txXfrm>
     </dsp:sp>
     <dsp:sp modelId="{B6ACBC50-F5C0-4E02-B7E1-B296FF4AEF2D}">
@@ -14603,8 +15212,8 @@
       </dsp:nvSpPr>
       <dsp:spPr>
         <a:xfrm>
-          <a:off x="0" y="2909529"/>
-          <a:ext cx="10515600" cy="663389"/>
+          <a:off x="0" y="2894645"/>
+          <a:ext cx="10515600" cy="647595"/>
         </a:xfrm>
         <a:prstGeom prst="roundRect">
           <a:avLst/>
@@ -14658,6 +15267,7 @@
               <a:solidFill>
                 <a:srgbClr val="FFB7DA"/>
               </a:solidFill>
+              <a:latin typeface="Century" panose="02040604050505020304" pitchFamily="18" charset="0"/>
             </a:rPr>
             <a:t>m</a:t>
           </a:r>
@@ -14666,6 +15276,7 @@
               <a:solidFill>
                 <a:srgbClr val="FFB7DA"/>
               </a:solidFill>
+              <a:latin typeface="Century" panose="02040604050505020304" pitchFamily="18" charset="0"/>
             </a:rPr>
             <a:t>odularan</a:t>
           </a:r>
@@ -14674,6 +15285,7 @@
               <a:solidFill>
                 <a:srgbClr val="FFB7DA"/>
               </a:solidFill>
+              <a:latin typeface="Century" panose="02040604050505020304" pitchFamily="18" charset="0"/>
             </a:rPr>
             <a:t> programski</a:t>
           </a:r>
@@ -14682,14 +15294,15 @@
               <a:solidFill>
                 <a:srgbClr val="FFB7DA"/>
               </a:solidFill>
+              <a:latin typeface="Century" panose="02040604050505020304" pitchFamily="18" charset="0"/>
             </a:rPr>
             <a:t> kod</a:t>
           </a:r>
         </a:p>
       </dsp:txBody>
       <dsp:txXfrm>
-        <a:off x="32384" y="2941913"/>
-        <a:ext cx="10450832" cy="598621"/>
+        <a:off x="31613" y="2926258"/>
+        <a:ext cx="10452374" cy="584369"/>
       </dsp:txXfrm>
     </dsp:sp>
     <dsp:sp modelId="{28E70389-6450-44C6-98E4-419283D9A59B}">
@@ -14699,8 +15312,8 @@
       </dsp:nvSpPr>
       <dsp:spPr>
         <a:xfrm>
-          <a:off x="0" y="3650679"/>
-          <a:ext cx="10515600" cy="663389"/>
+          <a:off x="0" y="3620000"/>
+          <a:ext cx="10515600" cy="647595"/>
         </a:xfrm>
         <a:prstGeom prst="roundRect">
           <a:avLst/>
@@ -14754,6 +15367,7 @@
               <a:solidFill>
                 <a:srgbClr val="FFB7DA"/>
               </a:solidFill>
+              <a:latin typeface="Century" panose="02040604050505020304" pitchFamily="18" charset="0"/>
             </a:rPr>
             <a:t>e</a:t>
           </a:r>
@@ -14762,6 +15376,7 @@
               <a:solidFill>
                 <a:srgbClr val="FFB7DA"/>
               </a:solidFill>
+              <a:latin typeface="Century" panose="02040604050505020304" pitchFamily="18" charset="0"/>
             </a:rPr>
             <a:t>nkripcija</a:t>
           </a:r>
@@ -14770,6 +15385,7 @@
               <a:solidFill>
                 <a:srgbClr val="FFB7DA"/>
               </a:solidFill>
+              <a:latin typeface="Century" panose="02040604050505020304" pitchFamily="18" charset="0"/>
             </a:rPr>
             <a:t> osjetljivih podataka</a:t>
           </a:r>
@@ -14777,12 +15393,13 @@
             <a:solidFill>
               <a:srgbClr val="FFB7DA"/>
             </a:solidFill>
+            <a:latin typeface="Century" panose="02040604050505020304" pitchFamily="18" charset="0"/>
           </a:endParaRPr>
         </a:p>
       </dsp:txBody>
       <dsp:txXfrm>
-        <a:off x="32384" y="3683063"/>
-        <a:ext cx="10450832" cy="598621"/>
+        <a:off x="31613" y="3651613"/>
+        <a:ext cx="10452374" cy="584369"/>
       </dsp:txXfrm>
     </dsp:sp>
   </dsp:spTree>
@@ -14879,12 +15496,12 @@
         <a:fontRef idx="minor"/>
       </dsp:style>
       <dsp:txBody>
-        <a:bodyPr spcFirstLastPara="0" vert="horz" wrap="square" lIns="76200" tIns="76200" rIns="76200" bIns="76200" numCol="1" spcCol="1270" anchor="t" anchorCtr="0">
+        <a:bodyPr spcFirstLastPara="0" vert="horz" wrap="square" lIns="68580" tIns="68580" rIns="68580" bIns="68580" numCol="1" spcCol="1270" anchor="t" anchorCtr="0">
           <a:noAutofit/>
         </a:bodyPr>
         <a:lstStyle/>
         <a:p>
-          <a:pPr marL="0" lvl="0" indent="0" algn="l" defTabSz="889000">
+          <a:pPr marL="0" lvl="0" indent="0" algn="l" defTabSz="800100">
             <a:lnSpc>
               <a:spcPct val="90000"/>
             </a:lnSpc>
@@ -14897,33 +15514,37 @@
             <a:buNone/>
           </a:pPr>
           <a:r>
-            <a:rPr lang="hr-HR" sz="2000" kern="1200" dirty="0">
+            <a:rPr lang="hr-HR" sz="1800" kern="1200" dirty="0">
               <a:solidFill>
                 <a:srgbClr val="747474"/>
               </a:solidFill>
+              <a:latin typeface="Century" panose="02040604050505020304" pitchFamily="18" charset="0"/>
             </a:rPr>
             <a:t>Programski jezici:</a:t>
           </a:r>
           <a:r>
-            <a:rPr lang="en-US" sz="2000" kern="1200" dirty="0">
+            <a:rPr lang="en-US" sz="1800" kern="1200" dirty="0">
               <a:solidFill>
                 <a:srgbClr val="747474"/>
               </a:solidFill>
+              <a:latin typeface="Century" panose="02040604050505020304" pitchFamily="18" charset="0"/>
             </a:rPr>
             <a:t> </a:t>
           </a:r>
           <a:r>
-            <a:rPr lang="hr-HR" sz="2000" kern="1200" dirty="0">
+            <a:rPr lang="hr-HR" sz="1800" kern="1200" dirty="0">
               <a:solidFill>
                 <a:srgbClr val="747474"/>
               </a:solidFill>
+              <a:latin typeface="Century" panose="02040604050505020304" pitchFamily="18" charset="0"/>
             </a:rPr>
             <a:t>Java 21</a:t>
           </a:r>
-          <a:endParaRPr lang="en-US" sz="2000" kern="1200" dirty="0">
+          <a:endParaRPr lang="en-US" sz="1800" kern="1200" dirty="0">
             <a:solidFill>
               <a:srgbClr val="747474"/>
             </a:solidFill>
+            <a:latin typeface="Century" panose="02040604050505020304" pitchFamily="18" charset="0"/>
           </a:endParaRPr>
         </a:p>
       </dsp:txBody>
@@ -15014,12 +15635,12 @@
         <a:fontRef idx="minor"/>
       </dsp:style>
       <dsp:txBody>
-        <a:bodyPr spcFirstLastPara="0" vert="horz" wrap="square" lIns="76200" tIns="76200" rIns="76200" bIns="76200" numCol="1" spcCol="1270" anchor="t" anchorCtr="0">
+        <a:bodyPr spcFirstLastPara="0" vert="horz" wrap="square" lIns="68580" tIns="68580" rIns="68580" bIns="68580" numCol="1" spcCol="1270" anchor="t" anchorCtr="0">
           <a:noAutofit/>
         </a:bodyPr>
         <a:lstStyle/>
         <a:p>
-          <a:pPr marL="0" lvl="0" indent="0" algn="l" defTabSz="889000">
+          <a:pPr marL="0" lvl="0" indent="0" algn="l" defTabSz="800100">
             <a:lnSpc>
               <a:spcPct val="90000"/>
             </a:lnSpc>
@@ -15032,58 +15653,65 @@
             <a:buNone/>
           </a:pPr>
           <a:r>
-            <a:rPr lang="hr-HR" sz="2000" kern="1200" dirty="0">
+            <a:rPr lang="hr-HR" sz="1800" kern="1200" dirty="0">
               <a:solidFill>
                 <a:srgbClr val="747474"/>
               </a:solidFill>
+              <a:latin typeface="Century" panose="02040604050505020304" pitchFamily="18" charset="0"/>
             </a:rPr>
             <a:t>Radni okviri i biblioteke:</a:t>
           </a:r>
           <a:r>
-            <a:rPr lang="en-US" sz="2000" kern="1200" dirty="0">
+            <a:rPr lang="en-US" sz="1800" kern="1200" dirty="0">
               <a:solidFill>
                 <a:srgbClr val="747474"/>
               </a:solidFill>
+              <a:latin typeface="Century" panose="02040604050505020304" pitchFamily="18" charset="0"/>
             </a:rPr>
             <a:t> </a:t>
           </a:r>
           <a:r>
-            <a:rPr lang="hr-HR" sz="2000" kern="1200" dirty="0" err="1">
+            <a:rPr lang="hr-HR" sz="1800" kern="1200" dirty="0" err="1">
               <a:solidFill>
                 <a:srgbClr val="747474"/>
               </a:solidFill>
+              <a:latin typeface="Century" panose="02040604050505020304" pitchFamily="18" charset="0"/>
             </a:rPr>
             <a:t>Spring</a:t>
           </a:r>
           <a:r>
-            <a:rPr lang="hr-HR" sz="2000" kern="1200" dirty="0">
+            <a:rPr lang="hr-HR" sz="1800" kern="1200" dirty="0">
               <a:solidFill>
                 <a:srgbClr val="747474"/>
               </a:solidFill>
+              <a:latin typeface="Century" panose="02040604050505020304" pitchFamily="18" charset="0"/>
             </a:rPr>
             <a:t> </a:t>
           </a:r>
           <a:r>
-            <a:rPr lang="hr-HR" sz="2000" kern="1200" dirty="0" err="1">
+            <a:rPr lang="hr-HR" sz="1800" kern="1200" dirty="0" err="1">
               <a:solidFill>
                 <a:srgbClr val="747474"/>
               </a:solidFill>
+              <a:latin typeface="Century" panose="02040604050505020304" pitchFamily="18" charset="0"/>
             </a:rPr>
             <a:t>Boot</a:t>
           </a:r>
           <a:r>
-            <a:rPr lang="hr-HR" sz="2000" kern="1200" dirty="0">
+            <a:rPr lang="hr-HR" sz="1800" kern="1200" dirty="0">
               <a:solidFill>
                 <a:srgbClr val="747474"/>
               </a:solidFill>
+              <a:latin typeface="Century" panose="02040604050505020304" pitchFamily="18" charset="0"/>
             </a:rPr>
             <a:t> 3.3.5</a:t>
           </a:r>
           <a:r>
-            <a:rPr lang="en-US" sz="2000" kern="1200" dirty="0">
+            <a:rPr lang="en-US" sz="1800" kern="1200" dirty="0">
               <a:solidFill>
                 <a:srgbClr val="747474"/>
               </a:solidFill>
+              <a:latin typeface="Century" panose="02040604050505020304" pitchFamily="18" charset="0"/>
             </a:rPr>
             <a:t>, React 18.3.1</a:t>
           </a:r>
@@ -15176,12 +15804,12 @@
         <a:fontRef idx="minor"/>
       </dsp:style>
       <dsp:txBody>
-        <a:bodyPr spcFirstLastPara="0" vert="horz" wrap="square" lIns="76200" tIns="76200" rIns="76200" bIns="76200" numCol="1" spcCol="1270" anchor="t" anchorCtr="0">
+        <a:bodyPr spcFirstLastPara="0" vert="horz" wrap="square" lIns="68580" tIns="68580" rIns="68580" bIns="68580" numCol="1" spcCol="1270" anchor="t" anchorCtr="0">
           <a:noAutofit/>
         </a:bodyPr>
         <a:lstStyle/>
         <a:p>
-          <a:pPr marL="0" lvl="0" indent="0" algn="l" defTabSz="889000">
+          <a:pPr marL="0" lvl="0" indent="0" algn="l" defTabSz="800100">
             <a:lnSpc>
               <a:spcPct val="90000"/>
             </a:lnSpc>
@@ -15194,33 +15822,37 @@
             <a:buNone/>
           </a:pPr>
           <a:r>
-            <a:rPr lang="hr-HR" sz="2000" kern="1200" dirty="0">
+            <a:rPr lang="hr-HR" sz="1800" kern="1200" dirty="0">
               <a:solidFill>
                 <a:srgbClr val="747474"/>
               </a:solidFill>
+              <a:latin typeface="Century" panose="02040604050505020304" pitchFamily="18" charset="0"/>
             </a:rPr>
             <a:t>Baza podataka</a:t>
           </a:r>
           <a:r>
-            <a:rPr lang="en-US" sz="2000" kern="1200" dirty="0">
+            <a:rPr lang="en-US" sz="1800" kern="1200" dirty="0">
               <a:solidFill>
                 <a:srgbClr val="747474"/>
               </a:solidFill>
+              <a:latin typeface="Century" panose="02040604050505020304" pitchFamily="18" charset="0"/>
             </a:rPr>
             <a:t>: </a:t>
           </a:r>
           <a:r>
-            <a:rPr lang="hr-HR" sz="2000" kern="1200" dirty="0">
+            <a:rPr lang="hr-HR" sz="1800" kern="1200" dirty="0">
               <a:solidFill>
                 <a:srgbClr val="747474"/>
               </a:solidFill>
+              <a:latin typeface="Century" panose="02040604050505020304" pitchFamily="18" charset="0"/>
             </a:rPr>
             <a:t>H2 baza podataka</a:t>
           </a:r>
-          <a:endParaRPr lang="en-US" sz="2000" kern="1200" dirty="0">
+          <a:endParaRPr lang="en-US" sz="1800" kern="1200" dirty="0">
             <a:solidFill>
               <a:srgbClr val="747474"/>
             </a:solidFill>
+            <a:latin typeface="Century" panose="02040604050505020304" pitchFamily="18" charset="0"/>
           </a:endParaRPr>
         </a:p>
       </dsp:txBody>
@@ -15311,12 +15943,12 @@
         <a:fontRef idx="minor"/>
       </dsp:style>
       <dsp:txBody>
-        <a:bodyPr spcFirstLastPara="0" vert="horz" wrap="square" lIns="76200" tIns="76200" rIns="76200" bIns="76200" numCol="1" spcCol="1270" anchor="t" anchorCtr="0">
+        <a:bodyPr spcFirstLastPara="0" vert="horz" wrap="square" lIns="68580" tIns="68580" rIns="68580" bIns="68580" numCol="1" spcCol="1270" anchor="t" anchorCtr="0">
           <a:noAutofit/>
         </a:bodyPr>
         <a:lstStyle/>
         <a:p>
-          <a:pPr marL="0" lvl="0" indent="0" algn="l" defTabSz="889000">
+          <a:pPr marL="0" lvl="0" indent="0" algn="l" defTabSz="800100">
             <a:lnSpc>
               <a:spcPct val="90000"/>
             </a:lnSpc>
@@ -15329,74 +15961,83 @@
             <a:buNone/>
           </a:pPr>
           <a:r>
-            <a:rPr lang="hr-HR" sz="2000" kern="1200" dirty="0">
+            <a:rPr lang="hr-HR" sz="1800" kern="1200" dirty="0">
               <a:solidFill>
                 <a:srgbClr val="747474"/>
               </a:solidFill>
+              <a:latin typeface="Century" panose="02040604050505020304" pitchFamily="18" charset="0"/>
             </a:rPr>
             <a:t>Razvojni alati</a:t>
           </a:r>
           <a:r>
-            <a:rPr lang="en-US" sz="2000" kern="1200" dirty="0">
+            <a:rPr lang="en-US" sz="1800" kern="1200" dirty="0">
               <a:solidFill>
                 <a:srgbClr val="747474"/>
               </a:solidFill>
+              <a:latin typeface="Century" panose="02040604050505020304" pitchFamily="18" charset="0"/>
             </a:rPr>
             <a:t>: </a:t>
           </a:r>
           <a:r>
-            <a:rPr lang="hr-HR" sz="2000" kern="1200" dirty="0" err="1">
+            <a:rPr lang="hr-HR" sz="1800" kern="1200" dirty="0" err="1">
               <a:solidFill>
                 <a:srgbClr val="747474"/>
               </a:solidFill>
+              <a:latin typeface="Century" panose="02040604050505020304" pitchFamily="18" charset="0"/>
             </a:rPr>
             <a:t>Eclipse</a:t>
           </a:r>
           <a:r>
-            <a:rPr lang="hr-HR" sz="2000" kern="1200" dirty="0">
+            <a:rPr lang="hr-HR" sz="1800" kern="1200" dirty="0">
               <a:solidFill>
                 <a:srgbClr val="747474"/>
               </a:solidFill>
+              <a:latin typeface="Century" panose="02040604050505020304" pitchFamily="18" charset="0"/>
             </a:rPr>
             <a:t> IDE(2024-09 4.33.0) </a:t>
           </a:r>
           <a:r>
-            <a:rPr lang="en-US" sz="2000" kern="1200" dirty="0">
+            <a:rPr lang="en-US" sz="1800" kern="1200" dirty="0">
               <a:solidFill>
                 <a:srgbClr val="747474"/>
               </a:solidFill>
+              <a:latin typeface="Century" panose="02040604050505020304" pitchFamily="18" charset="0"/>
             </a:rPr>
             <a:t>,</a:t>
           </a:r>
           <a:r>
-            <a:rPr lang="hr-HR" sz="2000" kern="1200" dirty="0">
+            <a:rPr lang="hr-HR" sz="1800" kern="1200" dirty="0">
               <a:solidFill>
                 <a:srgbClr val="747474"/>
               </a:solidFill>
+              <a:latin typeface="Century" panose="02040604050505020304" pitchFamily="18" charset="0"/>
             </a:rPr>
             <a:t> </a:t>
           </a:r>
           <a:r>
-            <a:rPr lang="hr-HR" sz="2000" kern="1200" dirty="0" err="1">
+            <a:rPr lang="hr-HR" sz="1800" kern="1200" dirty="0" err="1">
               <a:solidFill>
                 <a:srgbClr val="747474"/>
               </a:solidFill>
+              <a:latin typeface="Century" panose="02040604050505020304" pitchFamily="18" charset="0"/>
             </a:rPr>
             <a:t>Intellij</a:t>
           </a:r>
           <a:r>
-            <a:rPr lang="hr-HR" sz="2000" kern="1200" dirty="0">
+            <a:rPr lang="hr-HR" sz="1800" kern="1200" dirty="0">
               <a:solidFill>
                 <a:srgbClr val="747474"/>
               </a:solidFill>
+              <a:latin typeface="Century" panose="02040604050505020304" pitchFamily="18" charset="0"/>
             </a:rPr>
             <a:t> IDEA (2024.3)</a:t>
           </a:r>
           <a:r>
-            <a:rPr lang="en-US" sz="2000" kern="1200" dirty="0">
+            <a:rPr lang="en-US" sz="1800" kern="1200" dirty="0">
               <a:solidFill>
                 <a:srgbClr val="747474"/>
               </a:solidFill>
+              <a:latin typeface="Century" panose="02040604050505020304" pitchFamily="18" charset="0"/>
             </a:rPr>
             <a:t>, Visual Studio Code 1.96.4</a:t>
           </a:r>
@@ -15489,12 +16130,12 @@
         <a:fontRef idx="minor"/>
       </dsp:style>
       <dsp:txBody>
-        <a:bodyPr spcFirstLastPara="0" vert="horz" wrap="square" lIns="76200" tIns="76200" rIns="76200" bIns="76200" numCol="1" spcCol="1270" anchor="t" anchorCtr="0">
+        <a:bodyPr spcFirstLastPara="0" vert="horz" wrap="square" lIns="68580" tIns="68580" rIns="68580" bIns="68580" numCol="1" spcCol="1270" anchor="t" anchorCtr="0">
           <a:noAutofit/>
         </a:bodyPr>
         <a:lstStyle/>
         <a:p>
-          <a:pPr marL="0" lvl="0" indent="0" algn="l" defTabSz="889000">
+          <a:pPr marL="0" lvl="0" indent="0" algn="l" defTabSz="800100">
             <a:lnSpc>
               <a:spcPct val="90000"/>
             </a:lnSpc>
@@ -15507,65 +16148,73 @@
             <a:buNone/>
           </a:pPr>
           <a:r>
-            <a:rPr lang="hr-HR" sz="2000" kern="1200" dirty="0">
+            <a:rPr lang="hr-HR" sz="1800" kern="1200" dirty="0">
               <a:solidFill>
                 <a:srgbClr val="747474"/>
               </a:solidFill>
+              <a:latin typeface="Century" panose="02040604050505020304" pitchFamily="18" charset="0"/>
             </a:rPr>
             <a:t>Alati za ispitivanje:</a:t>
           </a:r>
           <a:r>
-            <a:rPr lang="en-US" sz="2000" kern="1200" dirty="0">
+            <a:rPr lang="en-US" sz="1800" kern="1200" dirty="0">
               <a:solidFill>
                 <a:srgbClr val="747474"/>
               </a:solidFill>
+              <a:latin typeface="Century" panose="02040604050505020304" pitchFamily="18" charset="0"/>
             </a:rPr>
             <a:t> </a:t>
           </a:r>
           <a:r>
-            <a:rPr lang="hr-HR" sz="2000" kern="1200" dirty="0" err="1">
+            <a:rPr lang="hr-HR" sz="1800" kern="1200" dirty="0" err="1">
               <a:solidFill>
                 <a:srgbClr val="747474"/>
               </a:solidFill>
+              <a:latin typeface="Century" panose="02040604050505020304" pitchFamily="18" charset="0"/>
             </a:rPr>
             <a:t>JUnit</a:t>
           </a:r>
           <a:r>
-            <a:rPr lang="hr-HR" sz="2000" kern="1200" dirty="0">
+            <a:rPr lang="hr-HR" sz="1800" kern="1200" dirty="0">
               <a:solidFill>
                 <a:srgbClr val="747474"/>
               </a:solidFill>
+              <a:latin typeface="Century" panose="02040604050505020304" pitchFamily="18" charset="0"/>
             </a:rPr>
             <a:t> </a:t>
           </a:r>
           <a:r>
-            <a:rPr lang="en-US" sz="2000" kern="1200" dirty="0">
+            <a:rPr lang="en-US" sz="1800" kern="1200" dirty="0">
               <a:solidFill>
                 <a:srgbClr val="747474"/>
               </a:solidFill>
+              <a:latin typeface="Century" panose="02040604050505020304" pitchFamily="18" charset="0"/>
             </a:rPr>
             <a:t>, </a:t>
           </a:r>
           <a:r>
-            <a:rPr lang="hr-HR" sz="2000" kern="1200" dirty="0" err="1">
+            <a:rPr lang="hr-HR" sz="1800" kern="1200" dirty="0" err="1">
               <a:solidFill>
                 <a:srgbClr val="747474"/>
               </a:solidFill>
+              <a:latin typeface="Century" panose="02040604050505020304" pitchFamily="18" charset="0"/>
             </a:rPr>
             <a:t>Selenium</a:t>
           </a:r>
           <a:r>
-            <a:rPr lang="hr-HR" sz="2000" kern="1200" dirty="0">
+            <a:rPr lang="hr-HR" sz="1800" kern="1200" dirty="0">
               <a:solidFill>
                 <a:srgbClr val="747474"/>
               </a:solidFill>
+              <a:latin typeface="Century" panose="02040604050505020304" pitchFamily="18" charset="0"/>
             </a:rPr>
             <a:t> 4.27.0</a:t>
           </a:r>
-          <a:endParaRPr lang="en-US" sz="2000" kern="1200" dirty="0">
+          <a:endParaRPr lang="en-US" sz="1800" kern="1200" dirty="0">
             <a:solidFill>
               <a:srgbClr val="747474"/>
             </a:solidFill>
+            <a:latin typeface="Century" panose="02040604050505020304" pitchFamily="18" charset="0"/>
           </a:endParaRPr>
         </a:p>
       </dsp:txBody>
@@ -15656,12 +16305,12 @@
         <a:fontRef idx="minor"/>
       </dsp:style>
       <dsp:txBody>
-        <a:bodyPr spcFirstLastPara="0" vert="horz" wrap="square" lIns="76200" tIns="76200" rIns="76200" bIns="76200" numCol="1" spcCol="1270" anchor="t" anchorCtr="0">
+        <a:bodyPr spcFirstLastPara="0" vert="horz" wrap="square" lIns="68580" tIns="68580" rIns="68580" bIns="68580" numCol="1" spcCol="1270" anchor="t" anchorCtr="0">
           <a:noAutofit/>
         </a:bodyPr>
         <a:lstStyle/>
         <a:p>
-          <a:pPr marL="0" lvl="0" indent="0" algn="l" defTabSz="889000">
+          <a:pPr marL="0" lvl="0" indent="0" algn="l" defTabSz="800100">
             <a:lnSpc>
               <a:spcPct val="90000"/>
             </a:lnSpc>
@@ -15674,18 +16323,20 @@
             <a:buNone/>
           </a:pPr>
           <a:r>
-            <a:rPr lang="hr-HR" sz="2000" kern="1200" dirty="0">
+            <a:rPr lang="hr-HR" sz="1800" kern="1200" dirty="0">
               <a:solidFill>
                 <a:srgbClr val="747474"/>
               </a:solidFill>
+              <a:latin typeface="Century" panose="02040604050505020304" pitchFamily="18" charset="0"/>
             </a:rPr>
             <a:t>Alati za razmještaj:</a:t>
           </a:r>
           <a:r>
-            <a:rPr lang="en-US" sz="2000" kern="1200" dirty="0">
+            <a:rPr lang="en-US" sz="1800" kern="1200" dirty="0">
               <a:solidFill>
                 <a:srgbClr val="747474"/>
               </a:solidFill>
+              <a:latin typeface="Century" panose="02040604050505020304" pitchFamily="18" charset="0"/>
             </a:rPr>
             <a:t> Render</a:t>
           </a:r>
@@ -15778,12 +16429,12 @@
         <a:fontRef idx="minor"/>
       </dsp:style>
       <dsp:txBody>
-        <a:bodyPr spcFirstLastPara="0" vert="horz" wrap="square" lIns="76200" tIns="76200" rIns="76200" bIns="76200" numCol="1" spcCol="1270" anchor="t" anchorCtr="0">
+        <a:bodyPr spcFirstLastPara="0" vert="horz" wrap="square" lIns="68580" tIns="68580" rIns="68580" bIns="68580" numCol="1" spcCol="1270" anchor="t" anchorCtr="0">
           <a:noAutofit/>
         </a:bodyPr>
         <a:lstStyle/>
         <a:p>
-          <a:pPr marL="0" lvl="0" indent="0" algn="l" defTabSz="889000">
+          <a:pPr marL="0" lvl="0" indent="0" algn="l" defTabSz="800100">
             <a:lnSpc>
               <a:spcPct val="90000"/>
             </a:lnSpc>
@@ -15796,49 +16447,55 @@
             <a:buNone/>
           </a:pPr>
           <a:r>
-            <a:rPr lang="hr-HR" sz="2000" kern="1200" dirty="0">
+            <a:rPr lang="hr-HR" sz="1800" kern="1200" dirty="0">
               <a:solidFill>
                 <a:srgbClr val="747474"/>
               </a:solidFill>
+              <a:latin typeface="Century" panose="02040604050505020304" pitchFamily="18" charset="0"/>
             </a:rPr>
             <a:t>Cloud platforma</a:t>
           </a:r>
           <a:r>
-            <a:rPr lang="en-US" sz="2000" kern="1200" dirty="0">
+            <a:rPr lang="en-US" sz="1800" kern="1200" dirty="0">
               <a:solidFill>
                 <a:srgbClr val="747474"/>
               </a:solidFill>
+              <a:latin typeface="Century" panose="02040604050505020304" pitchFamily="18" charset="0"/>
             </a:rPr>
             <a:t>: </a:t>
           </a:r>
           <a:r>
-            <a:rPr lang="hr-HR" sz="2000" kern="1200" dirty="0">
+            <a:rPr lang="hr-HR" sz="1800" kern="1200" dirty="0">
               <a:solidFill>
                 <a:srgbClr val="747474"/>
               </a:solidFill>
+              <a:latin typeface="Century" panose="02040604050505020304" pitchFamily="18" charset="0"/>
             </a:rPr>
             <a:t>AWS (Amazon Web </a:t>
           </a:r>
           <a:r>
-            <a:rPr lang="hr-HR" sz="2000" kern="1200" dirty="0" err="1">
+            <a:rPr lang="hr-HR" sz="1800" kern="1200" dirty="0" err="1">
               <a:solidFill>
                 <a:srgbClr val="747474"/>
               </a:solidFill>
+              <a:latin typeface="Century" panose="02040604050505020304" pitchFamily="18" charset="0"/>
             </a:rPr>
             <a:t>Services</a:t>
           </a:r>
           <a:r>
-            <a:rPr lang="hr-HR" sz="2000" kern="1200" dirty="0">
+            <a:rPr lang="hr-HR" sz="1800" kern="1200" dirty="0">
               <a:solidFill>
                 <a:srgbClr val="747474"/>
               </a:solidFill>
+              <a:latin typeface="Century" panose="02040604050505020304" pitchFamily="18" charset="0"/>
             </a:rPr>
             <a:t>)</a:t>
           </a:r>
-          <a:endParaRPr lang="en-US" sz="2000" kern="1200" dirty="0">
+          <a:endParaRPr lang="en-US" sz="1800" kern="1200" dirty="0">
             <a:solidFill>
               <a:srgbClr val="747474"/>
             </a:solidFill>
+            <a:latin typeface="Century" panose="02040604050505020304" pitchFamily="18" charset="0"/>
           </a:endParaRPr>
         </a:p>
       </dsp:txBody>
@@ -15929,12 +16586,12 @@
         <a:fontRef idx="minor"/>
       </dsp:style>
       <dsp:txBody>
-        <a:bodyPr spcFirstLastPara="0" vert="horz" wrap="square" lIns="76200" tIns="76200" rIns="76200" bIns="76200" numCol="1" spcCol="1270" anchor="t" anchorCtr="0">
+        <a:bodyPr spcFirstLastPara="0" vert="horz" wrap="square" lIns="68580" tIns="68580" rIns="68580" bIns="68580" numCol="1" spcCol="1270" anchor="t" anchorCtr="0">
           <a:noAutofit/>
         </a:bodyPr>
         <a:lstStyle/>
         <a:p>
-          <a:pPr marL="0" lvl="0" indent="0" algn="l" defTabSz="889000">
+          <a:pPr marL="0" lvl="0" indent="0" algn="l" defTabSz="800100">
             <a:lnSpc>
               <a:spcPct val="90000"/>
             </a:lnSpc>
@@ -15947,41 +16604,46 @@
             <a:buNone/>
           </a:pPr>
           <a:r>
-            <a:rPr lang="hr-HR" sz="2000" kern="1200" dirty="0">
+            <a:rPr lang="hr-HR" sz="1800" kern="1200" dirty="0">
               <a:solidFill>
                 <a:srgbClr val="747474"/>
               </a:solidFill>
+              <a:latin typeface="Century" panose="02040604050505020304" pitchFamily="18" charset="0"/>
             </a:rPr>
             <a:t>Mail </a:t>
           </a:r>
           <a:r>
-            <a:rPr lang="hr-HR" sz="2000" kern="1200" dirty="0" err="1">
+            <a:rPr lang="hr-HR" sz="1800" kern="1200" dirty="0" err="1">
               <a:solidFill>
                 <a:srgbClr val="747474"/>
               </a:solidFill>
+              <a:latin typeface="Century" panose="02040604050505020304" pitchFamily="18" charset="0"/>
             </a:rPr>
             <a:t>provider</a:t>
           </a:r>
           <a:r>
-            <a:rPr lang="en-US" sz="2000" kern="1200" dirty="0">
+            <a:rPr lang="en-US" sz="1800" kern="1200" dirty="0">
               <a:solidFill>
                 <a:srgbClr val="747474"/>
               </a:solidFill>
+              <a:latin typeface="Century" panose="02040604050505020304" pitchFamily="18" charset="0"/>
             </a:rPr>
             <a:t>: </a:t>
           </a:r>
           <a:r>
-            <a:rPr lang="hr-HR" sz="2000" kern="1200" dirty="0" err="1">
+            <a:rPr lang="hr-HR" sz="1800" kern="1200" dirty="0" err="1">
               <a:solidFill>
                 <a:srgbClr val="747474"/>
               </a:solidFill>
+              <a:latin typeface="Century" panose="02040604050505020304" pitchFamily="18" charset="0"/>
             </a:rPr>
             <a:t>Brevo</a:t>
           </a:r>
-          <a:endParaRPr lang="en-US" sz="2000" kern="1200" dirty="0">
+          <a:endParaRPr lang="en-US" sz="1800" kern="1200" dirty="0">
             <a:solidFill>
               <a:srgbClr val="747474"/>
             </a:solidFill>
+            <a:latin typeface="Century" panose="02040604050505020304" pitchFamily="18" charset="0"/>
           </a:endParaRPr>
         </a:p>
       </dsp:txBody>
@@ -16072,12 +16734,12 @@
         <a:fontRef idx="minor"/>
       </dsp:style>
       <dsp:txBody>
-        <a:bodyPr spcFirstLastPara="0" vert="horz" wrap="square" lIns="76200" tIns="76200" rIns="76200" bIns="76200" numCol="1" spcCol="1270" anchor="t" anchorCtr="0">
+        <a:bodyPr spcFirstLastPara="0" vert="horz" wrap="square" lIns="68580" tIns="68580" rIns="68580" bIns="68580" numCol="1" spcCol="1270" anchor="t" anchorCtr="0">
           <a:noAutofit/>
         </a:bodyPr>
         <a:lstStyle/>
         <a:p>
-          <a:pPr marL="0" lvl="0" indent="0" algn="l" defTabSz="889000">
+          <a:pPr marL="0" lvl="0" indent="0" algn="l" defTabSz="800100">
             <a:lnSpc>
               <a:spcPct val="90000"/>
             </a:lnSpc>
@@ -16090,81 +16752,91 @@
             <a:buNone/>
           </a:pPr>
           <a:r>
-            <a:rPr lang="en-US" sz="2000" kern="1200" dirty="0" err="1">
+            <a:rPr lang="en-US" sz="1800" kern="1200" dirty="0" err="1">
               <a:solidFill>
                 <a:srgbClr val="747474"/>
               </a:solidFill>
+              <a:latin typeface="Century" panose="02040604050505020304" pitchFamily="18" charset="0"/>
             </a:rPr>
             <a:t>Komunikacija</a:t>
           </a:r>
           <a:r>
-            <a:rPr lang="en-US" sz="2000" kern="1200" dirty="0">
+            <a:rPr lang="en-US" sz="1800" kern="1200" dirty="0">
               <a:solidFill>
                 <a:srgbClr val="747474"/>
               </a:solidFill>
+              <a:latin typeface="Century" panose="02040604050505020304" pitchFamily="18" charset="0"/>
             </a:rPr>
             <a:t> </a:t>
           </a:r>
           <a:r>
-            <a:rPr lang="en-US" sz="2000" kern="1200" dirty="0" err="1">
+            <a:rPr lang="en-US" sz="1800" kern="1200" dirty="0" err="1">
               <a:solidFill>
                 <a:srgbClr val="747474"/>
               </a:solidFill>
+              <a:latin typeface="Century" panose="02040604050505020304" pitchFamily="18" charset="0"/>
             </a:rPr>
             <a:t>među</a:t>
           </a:r>
           <a:r>
-            <a:rPr lang="en-US" sz="2000" kern="1200" dirty="0">
+            <a:rPr lang="en-US" sz="1800" kern="1200" dirty="0">
               <a:solidFill>
                 <a:srgbClr val="747474"/>
               </a:solidFill>
+              <a:latin typeface="Century" panose="02040604050505020304" pitchFamily="18" charset="0"/>
             </a:rPr>
             <a:t> </a:t>
           </a:r>
           <a:r>
-            <a:rPr lang="en-US" sz="2000" kern="1200" dirty="0" err="1">
+            <a:rPr lang="en-US" sz="1800" kern="1200" dirty="0" err="1">
               <a:solidFill>
                 <a:srgbClr val="747474"/>
               </a:solidFill>
+              <a:latin typeface="Century" panose="02040604050505020304" pitchFamily="18" charset="0"/>
             </a:rPr>
             <a:t>članovima</a:t>
           </a:r>
           <a:r>
-            <a:rPr lang="en-US" sz="2000" kern="1200" dirty="0">
+            <a:rPr lang="en-US" sz="1800" kern="1200" dirty="0">
               <a:solidFill>
                 <a:srgbClr val="747474"/>
               </a:solidFill>
+              <a:latin typeface="Century" panose="02040604050505020304" pitchFamily="18" charset="0"/>
             </a:rPr>
             <a:t> </a:t>
           </a:r>
           <a:r>
-            <a:rPr lang="en-US" sz="2000" kern="1200" dirty="0" err="1">
+            <a:rPr lang="en-US" sz="1800" kern="1200" dirty="0" err="1">
               <a:solidFill>
                 <a:srgbClr val="747474"/>
               </a:solidFill>
+              <a:latin typeface="Century" panose="02040604050505020304" pitchFamily="18" charset="0"/>
             </a:rPr>
             <a:t>tima</a:t>
           </a:r>
           <a:r>
-            <a:rPr lang="en-US" sz="2000" kern="1200" dirty="0">
+            <a:rPr lang="en-US" sz="1800" kern="1200" dirty="0">
               <a:solidFill>
                 <a:srgbClr val="747474"/>
               </a:solidFill>
+              <a:latin typeface="Century" panose="02040604050505020304" pitchFamily="18" charset="0"/>
             </a:rPr>
             <a:t>: discord, </a:t>
           </a:r>
           <a:r>
-            <a:rPr lang="en-US" sz="2000" kern="1200" dirty="0" err="1">
+            <a:rPr lang="en-US" sz="1800" kern="1200" dirty="0" err="1">
               <a:solidFill>
                 <a:srgbClr val="747474"/>
               </a:solidFill>
+              <a:latin typeface="Century" panose="02040604050505020304" pitchFamily="18" charset="0"/>
             </a:rPr>
             <a:t>whatsapp</a:t>
           </a:r>
-          <a:endParaRPr lang="en-US" sz="2000" kern="1200" dirty="0">
+          <a:endParaRPr lang="en-US" sz="1800" kern="1200" dirty="0">
             <a:solidFill>
               <a:srgbClr val="747474"/>
             </a:solidFill>
+            <a:latin typeface="Century" panose="02040604050505020304" pitchFamily="18" charset="0"/>
           </a:endParaRPr>
         </a:p>
       </dsp:txBody>
@@ -16192,8 +16864,8 @@
       </dsp:nvSpPr>
       <dsp:spPr>
         <a:xfrm>
-          <a:off x="0" y="63233"/>
-          <a:ext cx="10515600" cy="565110"/>
+          <a:off x="0" y="202103"/>
+          <a:ext cx="10515600" cy="527670"/>
         </a:xfrm>
         <a:prstGeom prst="roundRect">
           <a:avLst/>
@@ -16225,12 +16897,12 @@
         </a:fontRef>
       </dsp:style>
       <dsp:txBody>
-        <a:bodyPr spcFirstLastPara="0" vert="horz" wrap="square" lIns="87630" tIns="87630" rIns="87630" bIns="87630" numCol="1" spcCol="1270" anchor="ctr" anchorCtr="0">
+        <a:bodyPr spcFirstLastPara="0" vert="horz" wrap="square" lIns="83820" tIns="83820" rIns="83820" bIns="83820" numCol="1" spcCol="1270" anchor="ctr" anchorCtr="0">
           <a:noAutofit/>
         </a:bodyPr>
         <a:lstStyle/>
         <a:p>
-          <a:pPr marL="0" lvl="0" indent="0" algn="l" defTabSz="1022350">
+          <a:pPr marL="0" lvl="0" indent="0" algn="l" defTabSz="977900">
             <a:lnSpc>
               <a:spcPct val="90000"/>
             </a:lnSpc>
@@ -16243,23 +16915,25 @@
             <a:buNone/>
           </a:pPr>
           <a:r>
-            <a:rPr lang="hr-HR" sz="2300" kern="1200">
+            <a:rPr lang="hr-HR" sz="2200" kern="1200" dirty="0">
               <a:solidFill>
                 <a:srgbClr val="FFB7DA"/>
               </a:solidFill>
+              <a:latin typeface="Century" panose="02040604050505020304" pitchFamily="18" charset="0"/>
             </a:rPr>
             <a:t>Ispitivanje komponenti</a:t>
           </a:r>
-          <a:endParaRPr lang="en-US" sz="2300" kern="1200">
+          <a:endParaRPr lang="en-US" sz="2200" kern="1200" dirty="0">
             <a:solidFill>
               <a:srgbClr val="FFB7DA"/>
             </a:solidFill>
+            <a:latin typeface="Century" panose="02040604050505020304" pitchFamily="18" charset="0"/>
           </a:endParaRPr>
         </a:p>
       </dsp:txBody>
       <dsp:txXfrm>
-        <a:off x="27586" y="90819"/>
-        <a:ext cx="10460428" cy="509938"/>
+        <a:off x="25759" y="227862"/>
+        <a:ext cx="10464082" cy="476152"/>
       </dsp:txXfrm>
     </dsp:sp>
     <dsp:sp modelId="{CEB0BAE7-1F65-42FB-8F9E-F3BFEA75888D}">
@@ -16269,8 +16943,8 @@
       </dsp:nvSpPr>
       <dsp:spPr>
         <a:xfrm>
-          <a:off x="0" y="628343"/>
-          <a:ext cx="10515600" cy="1856790"/>
+          <a:off x="0" y="729774"/>
+          <a:ext cx="10515600" cy="1730520"/>
         </a:xfrm>
         <a:prstGeom prst="rect">
           <a:avLst/>
@@ -16294,12 +16968,12 @@
         <a:fontRef idx="minor"/>
       </dsp:style>
       <dsp:txBody>
-        <a:bodyPr spcFirstLastPara="0" vert="horz" wrap="square" lIns="333870" tIns="29210" rIns="163576" bIns="29210" numCol="1" spcCol="1270" anchor="t" anchorCtr="0">
+        <a:bodyPr spcFirstLastPara="0" vert="horz" wrap="square" lIns="333870" tIns="27940" rIns="156464" bIns="27940" numCol="1" spcCol="1270" anchor="t" anchorCtr="0">
           <a:noAutofit/>
         </a:bodyPr>
         <a:lstStyle/>
         <a:p>
-          <a:pPr marL="171450" lvl="1" indent="-171450" algn="l" defTabSz="800100">
+          <a:pPr marL="171450" lvl="1" indent="-171450" algn="l" defTabSz="755650">
             <a:lnSpc>
               <a:spcPct val="90000"/>
             </a:lnSpc>
@@ -16312,29 +16986,32 @@
             <a:buChar char="•"/>
           </a:pPr>
           <a:r>
-            <a:rPr lang="hr-HR" sz="1800" kern="1200" dirty="0">
+            <a:rPr lang="hr-HR" sz="1700" kern="1200" dirty="0">
               <a:solidFill>
                 <a:srgbClr val="747474"/>
               </a:solidFill>
+              <a:latin typeface="Century" panose="02040604050505020304" pitchFamily="18" charset="0"/>
             </a:rPr>
             <a:t>Uspješno dodavanje </a:t>
           </a:r>
           <a:r>
-            <a:rPr lang="hr-HR" sz="1800" kern="1200" dirty="0" err="1">
+            <a:rPr lang="hr-HR" sz="1700" kern="1200" dirty="0" err="1">
               <a:solidFill>
                 <a:srgbClr val="747474"/>
               </a:solidFill>
+              <a:latin typeface="Century" panose="02040604050505020304" pitchFamily="18" charset="0"/>
             </a:rPr>
             <a:t>satničara</a:t>
           </a:r>
-          <a:endParaRPr lang="en-US" sz="1800" kern="1200" dirty="0">
+          <a:endParaRPr lang="en-US" sz="1700" kern="1200" dirty="0">
             <a:solidFill>
               <a:srgbClr val="747474"/>
             </a:solidFill>
+            <a:latin typeface="Century" panose="02040604050505020304" pitchFamily="18" charset="0"/>
           </a:endParaRPr>
         </a:p>
         <a:p>
-          <a:pPr marL="171450" lvl="1" indent="-171450" algn="l" defTabSz="800100">
+          <a:pPr marL="171450" lvl="1" indent="-171450" algn="l" defTabSz="755650">
             <a:lnSpc>
               <a:spcPct val="90000"/>
             </a:lnSpc>
@@ -16347,21 +17024,23 @@
             <a:buChar char="•"/>
           </a:pPr>
           <a:r>
-            <a:rPr lang="hr-HR" sz="1800" kern="1200">
+            <a:rPr lang="hr-HR" sz="1700" kern="1200" dirty="0">
               <a:solidFill>
                 <a:srgbClr val="747474"/>
               </a:solidFill>
+              <a:latin typeface="Century" panose="02040604050505020304" pitchFamily="18" charset="0"/>
             </a:rPr>
             <a:t>Greška kod dodavanja dupliciranog administratora</a:t>
           </a:r>
-          <a:endParaRPr lang="en-US" sz="1800" kern="1200">
+          <a:endParaRPr lang="en-US" sz="1700" kern="1200" dirty="0">
             <a:solidFill>
               <a:srgbClr val="747474"/>
             </a:solidFill>
+            <a:latin typeface="Century" panose="02040604050505020304" pitchFamily="18" charset="0"/>
           </a:endParaRPr>
         </a:p>
         <a:p>
-          <a:pPr marL="171450" lvl="1" indent="-171450" algn="l" defTabSz="800100">
+          <a:pPr marL="171450" lvl="1" indent="-171450" algn="l" defTabSz="755650">
             <a:lnSpc>
               <a:spcPct val="90000"/>
             </a:lnSpc>
@@ -16374,21 +17053,23 @@
             <a:buChar char="•"/>
           </a:pPr>
           <a:r>
-            <a:rPr lang="hr-HR" sz="1800" kern="1200">
+            <a:rPr lang="hr-HR" sz="1700" kern="1200" dirty="0">
               <a:solidFill>
                 <a:srgbClr val="747474"/>
               </a:solidFill>
+              <a:latin typeface="Century" panose="02040604050505020304" pitchFamily="18" charset="0"/>
             </a:rPr>
             <a:t>Uspješno dodavanje aktivnosti učeniku</a:t>
           </a:r>
-          <a:endParaRPr lang="en-US" sz="1800" kern="1200">
+          <a:endParaRPr lang="en-US" sz="1700" kern="1200" dirty="0">
             <a:solidFill>
               <a:srgbClr val="747474"/>
             </a:solidFill>
+            <a:latin typeface="Century" panose="02040604050505020304" pitchFamily="18" charset="0"/>
           </a:endParaRPr>
         </a:p>
         <a:p>
-          <a:pPr marL="171450" lvl="1" indent="-171450" algn="l" defTabSz="800100">
+          <a:pPr marL="171450" lvl="1" indent="-171450" algn="l" defTabSz="755650">
             <a:lnSpc>
               <a:spcPct val="90000"/>
             </a:lnSpc>
@@ -16401,21 +17082,23 @@
             <a:buChar char="•"/>
           </a:pPr>
           <a:r>
-            <a:rPr lang="hr-HR" sz="1800" kern="1200" dirty="0">
+            <a:rPr lang="hr-HR" sz="1700" kern="1200" dirty="0">
               <a:solidFill>
                 <a:srgbClr val="747474"/>
               </a:solidFill>
+              <a:latin typeface="Century" panose="02040604050505020304" pitchFamily="18" charset="0"/>
             </a:rPr>
             <a:t>Promjena kapaciteta učionice</a:t>
           </a:r>
-          <a:endParaRPr lang="en-US" sz="1800" kern="1200" dirty="0">
+          <a:endParaRPr lang="en-US" sz="1700" kern="1200" dirty="0">
             <a:solidFill>
               <a:srgbClr val="747474"/>
             </a:solidFill>
+            <a:latin typeface="Century" panose="02040604050505020304" pitchFamily="18" charset="0"/>
           </a:endParaRPr>
         </a:p>
         <a:p>
-          <a:pPr marL="171450" lvl="1" indent="-171450" algn="l" defTabSz="800100">
+          <a:pPr marL="171450" lvl="1" indent="-171450" algn="l" defTabSz="755650">
             <a:lnSpc>
               <a:spcPct val="90000"/>
             </a:lnSpc>
@@ -16428,21 +17111,23 @@
             <a:buChar char="•"/>
           </a:pPr>
           <a:r>
-            <a:rPr lang="hr-HR" sz="1800" kern="1200">
+            <a:rPr lang="hr-HR" sz="1700" kern="1200" dirty="0">
               <a:solidFill>
                 <a:srgbClr val="747474"/>
               </a:solidFill>
+              <a:latin typeface="Century" panose="02040604050505020304" pitchFamily="18" charset="0"/>
             </a:rPr>
             <a:t>Dodavanje učenika u nepostojeći razred</a:t>
           </a:r>
-          <a:endParaRPr lang="en-US" sz="1800" kern="1200">
+          <a:endParaRPr lang="en-US" sz="1700" kern="1200" dirty="0">
             <a:solidFill>
               <a:srgbClr val="747474"/>
             </a:solidFill>
+            <a:latin typeface="Century" panose="02040604050505020304" pitchFamily="18" charset="0"/>
           </a:endParaRPr>
         </a:p>
         <a:p>
-          <a:pPr marL="171450" lvl="1" indent="-171450" algn="l" defTabSz="800100">
+          <a:pPr marL="171450" lvl="1" indent="-171450" algn="l" defTabSz="755650">
             <a:lnSpc>
               <a:spcPct val="90000"/>
             </a:lnSpc>
@@ -16455,23 +17140,25 @@
             <a:buChar char="•"/>
           </a:pPr>
           <a:r>
-            <a:rPr lang="hr-HR" sz="1800" kern="1200" dirty="0">
+            <a:rPr lang="hr-HR" sz="1700" kern="1200" dirty="0">
               <a:solidFill>
                 <a:srgbClr val="747474"/>
               </a:solidFill>
+              <a:latin typeface="Century" panose="02040604050505020304" pitchFamily="18" charset="0"/>
             </a:rPr>
             <a:t>Testiranje nepostojeće funkcionalnosti</a:t>
           </a:r>
-          <a:endParaRPr lang="en-US" sz="1800" kern="1200" dirty="0">
+          <a:endParaRPr lang="en-US" sz="1700" kern="1200" dirty="0">
             <a:solidFill>
               <a:srgbClr val="747474"/>
             </a:solidFill>
+            <a:latin typeface="Century" panose="02040604050505020304" pitchFamily="18" charset="0"/>
           </a:endParaRPr>
         </a:p>
       </dsp:txBody>
       <dsp:txXfrm>
-        <a:off x="0" y="628343"/>
-        <a:ext cx="10515600" cy="1856790"/>
+        <a:off x="0" y="729774"/>
+        <a:ext cx="10515600" cy="1730520"/>
       </dsp:txXfrm>
     </dsp:sp>
     <dsp:sp modelId="{26664198-A631-48F6-A73B-E124D36015AC}">
@@ -16481,8 +17168,8 @@
       </dsp:nvSpPr>
       <dsp:spPr>
         <a:xfrm>
-          <a:off x="0" y="2485133"/>
-          <a:ext cx="10515600" cy="565110"/>
+          <a:off x="0" y="2460294"/>
+          <a:ext cx="10515600" cy="527670"/>
         </a:xfrm>
         <a:prstGeom prst="roundRect">
           <a:avLst/>
@@ -16514,12 +17201,12 @@
         </a:fontRef>
       </dsp:style>
       <dsp:txBody>
-        <a:bodyPr spcFirstLastPara="0" vert="horz" wrap="square" lIns="87630" tIns="87630" rIns="87630" bIns="87630" numCol="1" spcCol="1270" anchor="ctr" anchorCtr="0">
+        <a:bodyPr spcFirstLastPara="0" vert="horz" wrap="square" lIns="83820" tIns="83820" rIns="83820" bIns="83820" numCol="1" spcCol="1270" anchor="ctr" anchorCtr="0">
           <a:noAutofit/>
         </a:bodyPr>
         <a:lstStyle/>
         <a:p>
-          <a:pPr marL="0" lvl="0" indent="0" algn="l" defTabSz="1022350">
+          <a:pPr marL="0" lvl="0" indent="0" algn="l" defTabSz="977900">
             <a:lnSpc>
               <a:spcPct val="90000"/>
             </a:lnSpc>
@@ -16532,23 +17219,25 @@
             <a:buNone/>
           </a:pPr>
           <a:r>
-            <a:rPr lang="hr-HR" sz="2300" kern="1200">
+            <a:rPr lang="hr-HR" sz="2200" kern="1200" dirty="0">
               <a:solidFill>
                 <a:srgbClr val="FFB7DA"/>
               </a:solidFill>
+              <a:latin typeface="Century" panose="02040604050505020304" pitchFamily="18" charset="0"/>
             </a:rPr>
             <a:t>Ispitivanje sustava</a:t>
           </a:r>
-          <a:endParaRPr lang="en-US" sz="2300" kern="1200">
+          <a:endParaRPr lang="en-US" sz="2200" kern="1200" dirty="0">
             <a:solidFill>
               <a:srgbClr val="FFB7DA"/>
             </a:solidFill>
+            <a:latin typeface="Century" panose="02040604050505020304" pitchFamily="18" charset="0"/>
           </a:endParaRPr>
         </a:p>
       </dsp:txBody>
       <dsp:txXfrm>
-        <a:off x="27586" y="2512719"/>
-        <a:ext cx="10460428" cy="509938"/>
+        <a:off x="25759" y="2486053"/>
+        <a:ext cx="10464082" cy="476152"/>
       </dsp:txXfrm>
     </dsp:sp>
     <dsp:sp modelId="{6235DE48-E0DF-4B77-9917-3681A9414AD7}">
@@ -16558,8 +17247,8 @@
       </dsp:nvSpPr>
       <dsp:spPr>
         <a:xfrm>
-          <a:off x="0" y="3050244"/>
-          <a:ext cx="10515600" cy="1237860"/>
+          <a:off x="0" y="2987964"/>
+          <a:ext cx="10515600" cy="1161270"/>
         </a:xfrm>
         <a:prstGeom prst="rect">
           <a:avLst/>
@@ -16583,12 +17272,12 @@
         <a:fontRef idx="minor"/>
       </dsp:style>
       <dsp:txBody>
-        <a:bodyPr spcFirstLastPara="0" vert="horz" wrap="square" lIns="333870" tIns="29210" rIns="163576" bIns="29210" numCol="1" spcCol="1270" anchor="t" anchorCtr="0">
+        <a:bodyPr spcFirstLastPara="0" vert="horz" wrap="square" lIns="333870" tIns="27940" rIns="156464" bIns="27940" numCol="1" spcCol="1270" anchor="t" anchorCtr="0">
           <a:noAutofit/>
         </a:bodyPr>
         <a:lstStyle/>
         <a:p>
-          <a:pPr marL="171450" lvl="1" indent="-171450" algn="l" defTabSz="800100">
+          <a:pPr marL="171450" lvl="1" indent="-171450" algn="l" defTabSz="755650">
             <a:lnSpc>
               <a:spcPct val="90000"/>
             </a:lnSpc>
@@ -16601,21 +17290,23 @@
             <a:buChar char="•"/>
           </a:pPr>
           <a:r>
-            <a:rPr lang="hr-HR" sz="1800" kern="1200" dirty="0">
+            <a:rPr lang="hr-HR" sz="1700" kern="1200" dirty="0">
               <a:solidFill>
                 <a:srgbClr val="747474"/>
               </a:solidFill>
+              <a:latin typeface="Century" panose="02040604050505020304" pitchFamily="18" charset="0"/>
             </a:rPr>
             <a:t>Prijava korisnika s odgovarajućom ulogom (administrator) u sustav - Redovni slučaj</a:t>
           </a:r>
-          <a:endParaRPr lang="en-US" sz="1800" kern="1200" dirty="0">
+          <a:endParaRPr lang="en-US" sz="1700" kern="1200" dirty="0">
             <a:solidFill>
               <a:srgbClr val="747474"/>
             </a:solidFill>
+            <a:latin typeface="Century" panose="02040604050505020304" pitchFamily="18" charset="0"/>
           </a:endParaRPr>
         </a:p>
         <a:p>
-          <a:pPr marL="171450" lvl="1" indent="-171450" algn="l" defTabSz="800100">
+          <a:pPr marL="171450" lvl="1" indent="-171450" algn="l" defTabSz="755650">
             <a:lnSpc>
               <a:spcPct val="90000"/>
             </a:lnSpc>
@@ -16628,21 +17319,23 @@
             <a:buChar char="•"/>
           </a:pPr>
           <a:r>
-            <a:rPr lang="hr-HR" sz="1800" kern="1200" dirty="0">
+            <a:rPr lang="hr-HR" sz="1700" kern="1200" dirty="0">
               <a:solidFill>
                 <a:srgbClr val="747474"/>
               </a:solidFill>
+              <a:latin typeface="Century" panose="02040604050505020304" pitchFamily="18" charset="0"/>
             </a:rPr>
             <a:t>Prijava korisnika s krivom lozinkom u sustav - Redovni slučaj</a:t>
           </a:r>
-          <a:endParaRPr lang="en-US" sz="1800" kern="1200" dirty="0">
+          <a:endParaRPr lang="en-US" sz="1700" kern="1200" dirty="0">
             <a:solidFill>
               <a:srgbClr val="747474"/>
             </a:solidFill>
+            <a:latin typeface="Century" panose="02040604050505020304" pitchFamily="18" charset="0"/>
           </a:endParaRPr>
         </a:p>
         <a:p>
-          <a:pPr marL="171450" lvl="1" indent="-171450" algn="l" defTabSz="800100">
+          <a:pPr marL="171450" lvl="1" indent="-171450" algn="l" defTabSz="755650">
             <a:lnSpc>
               <a:spcPct val="90000"/>
             </a:lnSpc>
@@ -16655,21 +17348,23 @@
             <a:buChar char="•"/>
           </a:pPr>
           <a:r>
-            <a:rPr lang="hr-HR" sz="1800" kern="1200" dirty="0">
+            <a:rPr lang="hr-HR" sz="1700" kern="1200" dirty="0">
               <a:solidFill>
                 <a:srgbClr val="747474"/>
               </a:solidFill>
+              <a:latin typeface="Century" panose="02040604050505020304" pitchFamily="18" charset="0"/>
             </a:rPr>
             <a:t>Dodavanje ravnatelja s postojećim e-mailom - Rubni slučaj</a:t>
           </a:r>
-          <a:endParaRPr lang="en-US" sz="1800" kern="1200" dirty="0">
+          <a:endParaRPr lang="en-US" sz="1700" kern="1200" dirty="0">
             <a:solidFill>
               <a:srgbClr val="747474"/>
             </a:solidFill>
+            <a:latin typeface="Century" panose="02040604050505020304" pitchFamily="18" charset="0"/>
           </a:endParaRPr>
         </a:p>
         <a:p>
-          <a:pPr marL="171450" lvl="1" indent="-171450" algn="l" defTabSz="800100">
+          <a:pPr marL="171450" lvl="1" indent="-171450" algn="l" defTabSz="755650">
             <a:lnSpc>
               <a:spcPct val="90000"/>
             </a:lnSpc>
@@ -16682,23 +17377,25 @@
             <a:buChar char="•"/>
           </a:pPr>
           <a:r>
-            <a:rPr lang="hr-HR" sz="1800" kern="1200" dirty="0">
+            <a:rPr lang="hr-HR" sz="1700" kern="1200" dirty="0">
               <a:solidFill>
                 <a:srgbClr val="747474"/>
               </a:solidFill>
+              <a:latin typeface="Century" panose="02040604050505020304" pitchFamily="18" charset="0"/>
             </a:rPr>
             <a:t>Administrator pokušava preuzeti potvrdu (dostupna učeniku) - Poziv nepostojećih funkcionalnosti</a:t>
           </a:r>
-          <a:endParaRPr lang="en-US" sz="1800" kern="1200" dirty="0">
+          <a:endParaRPr lang="en-US" sz="1700" kern="1200" dirty="0">
             <a:solidFill>
               <a:srgbClr val="747474"/>
             </a:solidFill>
+            <a:latin typeface="Century" panose="02040604050505020304" pitchFamily="18" charset="0"/>
           </a:endParaRPr>
         </a:p>
       </dsp:txBody>
       <dsp:txXfrm>
-        <a:off x="0" y="3050244"/>
-        <a:ext cx="10515600" cy="1237860"/>
+        <a:off x="0" y="2987964"/>
+        <a:ext cx="10515600" cy="1161270"/>
       </dsp:txXfrm>
     </dsp:sp>
   </dsp:spTree>
@@ -16802,12 +17499,12 @@
         <a:fontRef idx="minor"/>
       </dsp:style>
       <dsp:txBody>
-        <a:bodyPr spcFirstLastPara="0" vert="horz" wrap="square" lIns="114300" tIns="114300" rIns="114300" bIns="114300" numCol="1" spcCol="1270" anchor="t" anchorCtr="0">
+        <a:bodyPr spcFirstLastPara="0" vert="horz" wrap="square" lIns="110490" tIns="110490" rIns="110490" bIns="110490" numCol="1" spcCol="1270" anchor="t" anchorCtr="0">
           <a:noAutofit/>
         </a:bodyPr>
         <a:lstStyle/>
         <a:p>
-          <a:pPr marL="0" lvl="0" indent="0" algn="l" defTabSz="1333500">
+          <a:pPr marL="0" lvl="0" indent="0" algn="l" defTabSz="1289050">
             <a:lnSpc>
               <a:spcPct val="90000"/>
             </a:lnSpc>
@@ -16820,210 +17517,236 @@
             <a:buNone/>
           </a:pPr>
           <a:r>
-            <a:rPr lang="en-US" sz="3000" kern="1200" dirty="0" err="1">
+            <a:rPr lang="en-US" sz="2900" kern="1200" dirty="0" err="1">
               <a:solidFill>
                 <a:srgbClr val="747474"/>
               </a:solidFill>
+              <a:latin typeface="Century" panose="02040604050505020304" pitchFamily="18" charset="0"/>
             </a:rPr>
             <a:t>Počeli</a:t>
           </a:r>
           <a:r>
-            <a:rPr lang="en-US" sz="3000" kern="1200" dirty="0">
+            <a:rPr lang="en-US" sz="2900" kern="1200" dirty="0">
               <a:solidFill>
                 <a:srgbClr val="747474"/>
               </a:solidFill>
+              <a:latin typeface="Century" panose="02040604050505020304" pitchFamily="18" charset="0"/>
             </a:rPr>
             <a:t> smo </a:t>
           </a:r>
           <a:r>
-            <a:rPr lang="en-US" sz="3000" kern="1200" dirty="0" err="1">
+            <a:rPr lang="en-US" sz="2900" kern="1200" dirty="0" err="1">
               <a:solidFill>
                 <a:srgbClr val="747474"/>
               </a:solidFill>
+              <a:latin typeface="Century" panose="02040604050505020304" pitchFamily="18" charset="0"/>
             </a:rPr>
             <a:t>kao</a:t>
           </a:r>
           <a:r>
-            <a:rPr lang="en-US" sz="3000" kern="1200" dirty="0">
+            <a:rPr lang="en-US" sz="2900" kern="1200" dirty="0">
               <a:solidFill>
                 <a:srgbClr val="747474"/>
               </a:solidFill>
+              <a:latin typeface="Century" panose="02040604050505020304" pitchFamily="18" charset="0"/>
             </a:rPr>
             <a:t> </a:t>
           </a:r>
           <a:r>
-            <a:rPr lang="en-US" sz="3000" kern="1200" dirty="0" err="1">
+            <a:rPr lang="en-US" sz="2900" kern="1200" dirty="0" err="1">
               <a:solidFill>
                 <a:srgbClr val="747474"/>
               </a:solidFill>
+              <a:latin typeface="Century" panose="02040604050505020304" pitchFamily="18" charset="0"/>
             </a:rPr>
             <a:t>potpuno</a:t>
           </a:r>
           <a:r>
-            <a:rPr lang="en-US" sz="3000" kern="1200" dirty="0">
+            <a:rPr lang="en-US" sz="2900" kern="1200" dirty="0">
               <a:solidFill>
                 <a:srgbClr val="747474"/>
               </a:solidFill>
+              <a:latin typeface="Century" panose="02040604050505020304" pitchFamily="18" charset="0"/>
             </a:rPr>
             <a:t> </a:t>
           </a:r>
           <a:r>
-            <a:rPr lang="en-US" sz="3000" kern="1200" dirty="0" err="1">
+            <a:rPr lang="en-US" sz="2900" kern="1200" dirty="0" err="1">
               <a:solidFill>
                 <a:srgbClr val="747474"/>
               </a:solidFill>
+              <a:latin typeface="Century" panose="02040604050505020304" pitchFamily="18" charset="0"/>
             </a:rPr>
             <a:t>nepoznat</a:t>
           </a:r>
           <a:r>
-            <a:rPr lang="en-US" sz="3000" kern="1200" dirty="0">
+            <a:rPr lang="en-US" sz="2900" kern="1200" dirty="0">
               <a:solidFill>
                 <a:srgbClr val="747474"/>
               </a:solidFill>
+              <a:latin typeface="Century" panose="02040604050505020304" pitchFamily="18" charset="0"/>
             </a:rPr>
             <a:t> </a:t>
           </a:r>
           <a:r>
-            <a:rPr lang="en-US" sz="3000" kern="1200" dirty="0" err="1">
+            <a:rPr lang="en-US" sz="2900" kern="1200" dirty="0" err="1">
               <a:solidFill>
                 <a:srgbClr val="747474"/>
               </a:solidFill>
+              <a:latin typeface="Century" panose="02040604050505020304" pitchFamily="18" charset="0"/>
             </a:rPr>
             <a:t>tim</a:t>
           </a:r>
           <a:r>
-            <a:rPr lang="en-US" sz="3000" kern="1200" dirty="0">
+            <a:rPr lang="en-US" sz="2900" kern="1200" dirty="0">
               <a:solidFill>
                 <a:srgbClr val="747474"/>
               </a:solidFill>
+              <a:latin typeface="Century" panose="02040604050505020304" pitchFamily="18" charset="0"/>
             </a:rPr>
             <a:t> te smo se </a:t>
           </a:r>
           <a:r>
-            <a:rPr lang="en-US" sz="3000" kern="1200" dirty="0" err="1">
+            <a:rPr lang="en-US" sz="2900" kern="1200" dirty="0" err="1">
               <a:solidFill>
                 <a:srgbClr val="747474"/>
               </a:solidFill>
+              <a:latin typeface="Century" panose="02040604050505020304" pitchFamily="18" charset="0"/>
             </a:rPr>
             <a:t>unatoč</a:t>
           </a:r>
           <a:r>
-            <a:rPr lang="en-US" sz="3000" kern="1200" dirty="0">
+            <a:rPr lang="en-US" sz="2900" kern="1200" dirty="0">
               <a:solidFill>
                 <a:srgbClr val="747474"/>
               </a:solidFill>
+              <a:latin typeface="Century" panose="02040604050505020304" pitchFamily="18" charset="0"/>
             </a:rPr>
             <a:t> </a:t>
           </a:r>
           <a:r>
-            <a:rPr lang="en-US" sz="3000" kern="1200" dirty="0" err="1">
+            <a:rPr lang="en-US" sz="2900" kern="1200" dirty="0" err="1">
               <a:solidFill>
                 <a:srgbClr val="747474"/>
               </a:solidFill>
+              <a:latin typeface="Century" panose="02040604050505020304" pitchFamily="18" charset="0"/>
             </a:rPr>
             <a:t>raznim</a:t>
           </a:r>
           <a:r>
-            <a:rPr lang="en-US" sz="3000" kern="1200" dirty="0">
+            <a:rPr lang="en-US" sz="2900" kern="1200" dirty="0">
               <a:solidFill>
                 <a:srgbClr val="747474"/>
               </a:solidFill>
+              <a:latin typeface="Century" panose="02040604050505020304" pitchFamily="18" charset="0"/>
             </a:rPr>
             <a:t> </a:t>
           </a:r>
           <a:r>
-            <a:rPr lang="en-US" sz="3000" kern="1200" dirty="0" err="1">
+            <a:rPr lang="en-US" sz="2900" kern="1200" dirty="0" err="1">
               <a:solidFill>
                 <a:srgbClr val="747474"/>
               </a:solidFill>
+              <a:latin typeface="Century" panose="02040604050505020304" pitchFamily="18" charset="0"/>
             </a:rPr>
             <a:t>problemima</a:t>
           </a:r>
           <a:r>
-            <a:rPr lang="en-US" sz="3000" kern="1200" dirty="0">
+            <a:rPr lang="en-US" sz="2900" kern="1200" dirty="0">
               <a:solidFill>
                 <a:srgbClr val="747474"/>
               </a:solidFill>
+              <a:latin typeface="Century" panose="02040604050505020304" pitchFamily="18" charset="0"/>
             </a:rPr>
             <a:t> </a:t>
           </a:r>
           <a:r>
-            <a:rPr lang="en-US" sz="3000" kern="1200" dirty="0" err="1">
+            <a:rPr lang="en-US" sz="2900" kern="1200" dirty="0" err="1">
               <a:solidFill>
                 <a:srgbClr val="747474"/>
               </a:solidFill>
+              <a:latin typeface="Century" panose="02040604050505020304" pitchFamily="18" charset="0"/>
             </a:rPr>
             <a:t>uspjeli</a:t>
           </a:r>
           <a:r>
-            <a:rPr lang="en-US" sz="3000" kern="1200" dirty="0">
+            <a:rPr lang="en-US" sz="2900" kern="1200" dirty="0">
               <a:solidFill>
                 <a:srgbClr val="747474"/>
               </a:solidFill>
+              <a:latin typeface="Century" panose="02040604050505020304" pitchFamily="18" charset="0"/>
             </a:rPr>
             <a:t> </a:t>
           </a:r>
           <a:r>
-            <a:rPr lang="en-US" sz="3000" kern="1200" dirty="0" err="1">
+            <a:rPr lang="en-US" sz="2900" kern="1200" dirty="0" err="1">
               <a:solidFill>
                 <a:srgbClr val="747474"/>
               </a:solidFill>
+              <a:latin typeface="Century" panose="02040604050505020304" pitchFamily="18" charset="0"/>
             </a:rPr>
             <a:t>snaći</a:t>
           </a:r>
           <a:r>
-            <a:rPr lang="en-US" sz="3000" kern="1200" dirty="0">
+            <a:rPr lang="en-US" sz="2900" kern="1200" dirty="0">
               <a:solidFill>
                 <a:srgbClr val="747474"/>
               </a:solidFill>
+              <a:latin typeface="Century" panose="02040604050505020304" pitchFamily="18" charset="0"/>
             </a:rPr>
             <a:t> u </a:t>
           </a:r>
           <a:r>
-            <a:rPr lang="en-US" sz="3000" kern="1200" dirty="0" err="1">
+            <a:rPr lang="en-US" sz="2900" kern="1200" dirty="0" err="1">
               <a:solidFill>
                 <a:srgbClr val="747474"/>
               </a:solidFill>
+              <a:latin typeface="Century" panose="02040604050505020304" pitchFamily="18" charset="0"/>
             </a:rPr>
             <a:t>rješavanju</a:t>
           </a:r>
           <a:r>
-            <a:rPr lang="en-US" sz="3000" kern="1200" dirty="0">
+            <a:rPr lang="en-US" sz="2900" kern="1200" dirty="0">
               <a:solidFill>
                 <a:srgbClr val="747474"/>
               </a:solidFill>
+              <a:latin typeface="Century" panose="02040604050505020304" pitchFamily="18" charset="0"/>
             </a:rPr>
             <a:t> </a:t>
           </a:r>
           <a:r>
-            <a:rPr lang="en-US" sz="3000" kern="1200" dirty="0" err="1">
+            <a:rPr lang="en-US" sz="2900" kern="1200" dirty="0" err="1">
               <a:solidFill>
                 <a:srgbClr val="747474"/>
               </a:solidFill>
+              <a:latin typeface="Century" panose="02040604050505020304" pitchFamily="18" charset="0"/>
             </a:rPr>
             <a:t>danog</a:t>
           </a:r>
           <a:r>
-            <a:rPr lang="en-US" sz="3000" kern="1200" dirty="0">
+            <a:rPr lang="en-US" sz="2900" kern="1200" dirty="0">
               <a:solidFill>
                 <a:srgbClr val="747474"/>
               </a:solidFill>
+              <a:latin typeface="Century" panose="02040604050505020304" pitchFamily="18" charset="0"/>
             </a:rPr>
             <a:t> </a:t>
           </a:r>
           <a:r>
-            <a:rPr lang="en-US" sz="3000" kern="1200" dirty="0" err="1">
+            <a:rPr lang="en-US" sz="2900" kern="1200" dirty="0" err="1">
               <a:solidFill>
                 <a:srgbClr val="747474"/>
               </a:solidFill>
+              <a:latin typeface="Century" panose="02040604050505020304" pitchFamily="18" charset="0"/>
             </a:rPr>
             <a:t>zadatka</a:t>
           </a:r>
           <a:r>
-            <a:rPr lang="en-US" sz="3000" kern="1200" dirty="0">
+            <a:rPr lang="en-US" sz="2900" kern="1200" dirty="0">
               <a:solidFill>
                 <a:srgbClr val="747474"/>
               </a:solidFill>
+              <a:latin typeface="Century" panose="02040604050505020304" pitchFamily="18" charset="0"/>
             </a:rPr>
             <a:t>.</a:t>
           </a:r>
@@ -17123,12 +17846,12 @@
         <a:fontRef idx="minor"/>
       </dsp:style>
       <dsp:txBody>
-        <a:bodyPr spcFirstLastPara="0" vert="horz" wrap="square" lIns="114300" tIns="114300" rIns="114300" bIns="114300" numCol="1" spcCol="1270" anchor="t" anchorCtr="0">
+        <a:bodyPr spcFirstLastPara="0" vert="horz" wrap="square" lIns="110490" tIns="110490" rIns="110490" bIns="110490" numCol="1" spcCol="1270" anchor="t" anchorCtr="0">
           <a:noAutofit/>
         </a:bodyPr>
         <a:lstStyle/>
         <a:p>
-          <a:pPr marL="0" lvl="0" indent="0" algn="l" defTabSz="1333500">
+          <a:pPr marL="0" lvl="0" indent="0" algn="l" defTabSz="1289050">
             <a:lnSpc>
               <a:spcPct val="90000"/>
             </a:lnSpc>
@@ -17141,138 +17864,155 @@
             <a:buNone/>
           </a:pPr>
           <a:r>
-            <a:rPr lang="en-US" sz="3000" kern="1200" dirty="0">
+            <a:rPr lang="en-US" sz="2900" kern="1200" dirty="0">
               <a:solidFill>
                 <a:srgbClr val="747474"/>
               </a:solidFill>
+              <a:latin typeface="Century" panose="02040604050505020304" pitchFamily="18" charset="0"/>
             </a:rPr>
             <a:t>Dobra </a:t>
           </a:r>
           <a:r>
-            <a:rPr lang="en-US" sz="3000" kern="1200" dirty="0" err="1">
+            <a:rPr lang="en-US" sz="2900" kern="1200" dirty="0" err="1">
               <a:solidFill>
                 <a:srgbClr val="747474"/>
               </a:solidFill>
+              <a:latin typeface="Century" panose="02040604050505020304" pitchFamily="18" charset="0"/>
             </a:rPr>
             <a:t>podjela</a:t>
           </a:r>
           <a:r>
-            <a:rPr lang="en-US" sz="3000" kern="1200" dirty="0">
+            <a:rPr lang="en-US" sz="2900" kern="1200" dirty="0">
               <a:solidFill>
                 <a:srgbClr val="747474"/>
               </a:solidFill>
+              <a:latin typeface="Century" panose="02040604050505020304" pitchFamily="18" charset="0"/>
             </a:rPr>
             <a:t> </a:t>
           </a:r>
           <a:r>
-            <a:rPr lang="en-US" sz="3000" kern="1200" dirty="0" err="1">
+            <a:rPr lang="en-US" sz="2900" kern="1200" dirty="0" err="1">
               <a:solidFill>
                 <a:srgbClr val="747474"/>
               </a:solidFill>
+              <a:latin typeface="Century" panose="02040604050505020304" pitchFamily="18" charset="0"/>
             </a:rPr>
             <a:t>rada</a:t>
           </a:r>
           <a:r>
-            <a:rPr lang="en-US" sz="3000" kern="1200" dirty="0">
+            <a:rPr lang="en-US" sz="2900" kern="1200" dirty="0">
               <a:solidFill>
                 <a:srgbClr val="747474"/>
               </a:solidFill>
+              <a:latin typeface="Century" panose="02040604050505020304" pitchFamily="18" charset="0"/>
             </a:rPr>
             <a:t> </a:t>
           </a:r>
           <a:r>
-            <a:rPr lang="en-US" sz="3000" kern="1200" dirty="0" err="1">
+            <a:rPr lang="en-US" sz="2900" kern="1200" dirty="0" err="1">
               <a:solidFill>
                 <a:srgbClr val="747474"/>
               </a:solidFill>
+              <a:latin typeface="Century" panose="02040604050505020304" pitchFamily="18" charset="0"/>
             </a:rPr>
             <a:t>i</a:t>
           </a:r>
           <a:r>
-            <a:rPr lang="en-US" sz="3000" kern="1200" dirty="0">
+            <a:rPr lang="en-US" sz="2900" kern="1200" dirty="0">
               <a:solidFill>
                 <a:srgbClr val="747474"/>
               </a:solidFill>
+              <a:latin typeface="Century" panose="02040604050505020304" pitchFamily="18" charset="0"/>
             </a:rPr>
             <a:t> </a:t>
           </a:r>
           <a:r>
-            <a:rPr lang="en-US" sz="3000" kern="1200" dirty="0" err="1">
+            <a:rPr lang="en-US" sz="2900" kern="1200" dirty="0" err="1">
               <a:solidFill>
                 <a:srgbClr val="747474"/>
               </a:solidFill>
+              <a:latin typeface="Century" panose="02040604050505020304" pitchFamily="18" charset="0"/>
             </a:rPr>
             <a:t>zadataka</a:t>
           </a:r>
           <a:r>
-            <a:rPr lang="en-US" sz="3000" kern="1200" dirty="0">
+            <a:rPr lang="en-US" sz="2900" kern="1200" dirty="0">
               <a:solidFill>
                 <a:srgbClr val="747474"/>
               </a:solidFill>
+              <a:latin typeface="Century" panose="02040604050505020304" pitchFamily="18" charset="0"/>
             </a:rPr>
             <a:t> </a:t>
           </a:r>
           <a:r>
-            <a:rPr lang="en-US" sz="3000" kern="1200" dirty="0" err="1">
+            <a:rPr lang="en-US" sz="2900" kern="1200" dirty="0" err="1">
               <a:solidFill>
                 <a:srgbClr val="747474"/>
               </a:solidFill>
+              <a:latin typeface="Century" panose="02040604050505020304" pitchFamily="18" charset="0"/>
             </a:rPr>
             <a:t>ključna</a:t>
           </a:r>
           <a:r>
-            <a:rPr lang="en-US" sz="3000" kern="1200" dirty="0">
+            <a:rPr lang="en-US" sz="2900" kern="1200" dirty="0">
               <a:solidFill>
                 <a:srgbClr val="747474"/>
               </a:solidFill>
+              <a:latin typeface="Century" panose="02040604050505020304" pitchFamily="18" charset="0"/>
             </a:rPr>
             <a:t> je za </a:t>
           </a:r>
           <a:r>
-            <a:rPr lang="en-US" sz="3000" kern="1200" dirty="0" err="1">
+            <a:rPr lang="en-US" sz="2900" kern="1200" dirty="0" err="1">
               <a:solidFill>
                 <a:srgbClr val="747474"/>
               </a:solidFill>
+              <a:latin typeface="Century" panose="02040604050505020304" pitchFamily="18" charset="0"/>
             </a:rPr>
             <a:t>rješavanje</a:t>
           </a:r>
           <a:r>
-            <a:rPr lang="en-US" sz="3000" kern="1200" dirty="0">
+            <a:rPr lang="en-US" sz="2900" kern="1200" dirty="0">
               <a:solidFill>
                 <a:srgbClr val="747474"/>
               </a:solidFill>
+              <a:latin typeface="Century" panose="02040604050505020304" pitchFamily="18" charset="0"/>
             </a:rPr>
             <a:t> </a:t>
           </a:r>
           <a:r>
-            <a:rPr lang="en-US" sz="3000" kern="1200" dirty="0" err="1">
+            <a:rPr lang="en-US" sz="2900" kern="1200" dirty="0" err="1">
               <a:solidFill>
                 <a:srgbClr val="747474"/>
               </a:solidFill>
+              <a:latin typeface="Century" panose="02040604050505020304" pitchFamily="18" charset="0"/>
             </a:rPr>
             <a:t>ovakvog</a:t>
           </a:r>
           <a:r>
-            <a:rPr lang="en-US" sz="3000" kern="1200" dirty="0">
+            <a:rPr lang="en-US" sz="2900" kern="1200" dirty="0">
               <a:solidFill>
                 <a:srgbClr val="747474"/>
               </a:solidFill>
+              <a:latin typeface="Century" panose="02040604050505020304" pitchFamily="18" charset="0"/>
             </a:rPr>
             <a:t> </a:t>
           </a:r>
           <a:r>
-            <a:rPr lang="en-US" sz="3000" kern="1200" dirty="0" err="1">
+            <a:rPr lang="en-US" sz="2900" kern="1200" dirty="0" err="1">
               <a:solidFill>
                 <a:srgbClr val="747474"/>
               </a:solidFill>
+              <a:latin typeface="Century" panose="02040604050505020304" pitchFamily="18" charset="0"/>
             </a:rPr>
             <a:t>projekta</a:t>
           </a:r>
           <a:r>
-            <a:rPr lang="en-US" sz="3000" kern="1200" dirty="0">
+            <a:rPr lang="en-US" sz="2900" kern="1200" dirty="0">
               <a:solidFill>
                 <a:srgbClr val="747474"/>
               </a:solidFill>
+              <a:latin typeface="Century" panose="02040604050505020304" pitchFamily="18" charset="0"/>
             </a:rPr>
             <a:t>.</a:t>
           </a:r>
@@ -17372,12 +18112,12 @@
         <a:fontRef idx="minor"/>
       </dsp:style>
       <dsp:txBody>
-        <a:bodyPr spcFirstLastPara="0" vert="horz" wrap="square" lIns="114300" tIns="114300" rIns="114300" bIns="114300" numCol="1" spcCol="1270" anchor="t" anchorCtr="0">
+        <a:bodyPr spcFirstLastPara="0" vert="horz" wrap="square" lIns="110490" tIns="110490" rIns="110490" bIns="110490" numCol="1" spcCol="1270" anchor="t" anchorCtr="0">
           <a:noAutofit/>
         </a:bodyPr>
         <a:lstStyle/>
         <a:p>
-          <a:pPr marL="0" lvl="0" indent="0" algn="l" defTabSz="1333500">
+          <a:pPr marL="0" lvl="0" indent="0" algn="l" defTabSz="1289050">
             <a:lnSpc>
               <a:spcPct val="90000"/>
             </a:lnSpc>
@@ -17390,194 +18130,218 @@
             <a:buNone/>
           </a:pPr>
           <a:r>
-            <a:rPr lang="en-US" sz="3000" kern="1200" dirty="0" err="1">
+            <a:rPr lang="en-US" sz="2900" kern="1200" dirty="0" err="1">
               <a:solidFill>
                 <a:srgbClr val="747474"/>
               </a:solidFill>
+              <a:latin typeface="Century" panose="02040604050505020304" pitchFamily="18" charset="0"/>
             </a:rPr>
             <a:t>Stečeno</a:t>
           </a:r>
           <a:r>
-            <a:rPr lang="en-US" sz="3000" kern="1200" dirty="0">
+            <a:rPr lang="en-US" sz="2900" kern="1200" dirty="0">
               <a:solidFill>
                 <a:srgbClr val="747474"/>
               </a:solidFill>
+              <a:latin typeface="Century" panose="02040604050505020304" pitchFamily="18" charset="0"/>
             </a:rPr>
             <a:t> je </a:t>
           </a:r>
           <a:r>
-            <a:rPr lang="en-US" sz="3000" kern="1200" dirty="0" err="1">
+            <a:rPr lang="en-US" sz="2900" kern="1200" dirty="0" err="1">
               <a:solidFill>
                 <a:srgbClr val="747474"/>
               </a:solidFill>
+              <a:latin typeface="Century" panose="02040604050505020304" pitchFamily="18" charset="0"/>
             </a:rPr>
             <a:t>puno</a:t>
           </a:r>
           <a:r>
-            <a:rPr lang="en-US" sz="3000" kern="1200" dirty="0">
+            <a:rPr lang="en-US" sz="2900" kern="1200" dirty="0">
               <a:solidFill>
                 <a:srgbClr val="747474"/>
               </a:solidFill>
+              <a:latin typeface="Century" panose="02040604050505020304" pitchFamily="18" charset="0"/>
             </a:rPr>
             <a:t> </a:t>
           </a:r>
           <a:r>
-            <a:rPr lang="en-US" sz="3000" kern="1200" dirty="0" err="1">
+            <a:rPr lang="en-US" sz="2900" kern="1200" dirty="0" err="1">
               <a:solidFill>
                 <a:srgbClr val="747474"/>
               </a:solidFill>
+              <a:latin typeface="Century" panose="02040604050505020304" pitchFamily="18" charset="0"/>
             </a:rPr>
             <a:t>novog</a:t>
           </a:r>
           <a:r>
-            <a:rPr lang="en-US" sz="3000" kern="1200" dirty="0">
+            <a:rPr lang="en-US" sz="2900" kern="1200" dirty="0">
               <a:solidFill>
                 <a:srgbClr val="747474"/>
               </a:solidFill>
+              <a:latin typeface="Century" panose="02040604050505020304" pitchFamily="18" charset="0"/>
             </a:rPr>
             <a:t> </a:t>
           </a:r>
           <a:r>
-            <a:rPr lang="en-US" sz="3000" kern="1200" dirty="0" err="1">
+            <a:rPr lang="en-US" sz="2900" kern="1200" dirty="0" err="1">
               <a:solidFill>
                 <a:srgbClr val="747474"/>
               </a:solidFill>
+              <a:latin typeface="Century" panose="02040604050505020304" pitchFamily="18" charset="0"/>
             </a:rPr>
             <a:t>znanja</a:t>
           </a:r>
           <a:r>
-            <a:rPr lang="en-US" sz="3000" kern="1200" dirty="0">
+            <a:rPr lang="en-US" sz="2900" kern="1200" dirty="0">
               <a:solidFill>
                 <a:srgbClr val="747474"/>
               </a:solidFill>
+              <a:latin typeface="Century" panose="02040604050505020304" pitchFamily="18" charset="0"/>
             </a:rPr>
             <a:t> </a:t>
           </a:r>
           <a:r>
-            <a:rPr lang="en-US" sz="3000" kern="1200" dirty="0" err="1">
+            <a:rPr lang="en-US" sz="2900" kern="1200" dirty="0" err="1">
               <a:solidFill>
                 <a:srgbClr val="747474"/>
               </a:solidFill>
+              <a:latin typeface="Century" panose="02040604050505020304" pitchFamily="18" charset="0"/>
             </a:rPr>
             <a:t>korisnog</a:t>
           </a:r>
           <a:r>
-            <a:rPr lang="en-US" sz="3000" kern="1200" dirty="0">
+            <a:rPr lang="en-US" sz="2900" kern="1200" dirty="0">
               <a:solidFill>
                 <a:srgbClr val="747474"/>
               </a:solidFill>
+              <a:latin typeface="Century" panose="02040604050505020304" pitchFamily="18" charset="0"/>
             </a:rPr>
             <a:t> za </a:t>
           </a:r>
           <a:r>
-            <a:rPr lang="en-US" sz="3000" kern="1200" dirty="0" err="1">
+            <a:rPr lang="en-US" sz="2900" kern="1200" dirty="0" err="1">
               <a:solidFill>
                 <a:srgbClr val="747474"/>
               </a:solidFill>
+              <a:latin typeface="Century" panose="02040604050505020304" pitchFamily="18" charset="0"/>
             </a:rPr>
             <a:t>budućnost</a:t>
           </a:r>
           <a:r>
-            <a:rPr lang="en-US" sz="3000" kern="1200" dirty="0">
+            <a:rPr lang="en-US" sz="2900" kern="1200" dirty="0">
               <a:solidFill>
                 <a:srgbClr val="747474"/>
               </a:solidFill>
+              <a:latin typeface="Century" panose="02040604050505020304" pitchFamily="18" charset="0"/>
             </a:rPr>
             <a:t> </a:t>
           </a:r>
           <a:r>
-            <a:rPr lang="en-US" sz="3000" kern="1200" dirty="0" err="1">
+            <a:rPr lang="en-US" sz="2900" kern="1200" dirty="0" err="1">
               <a:solidFill>
                 <a:srgbClr val="747474"/>
               </a:solidFill>
+              <a:latin typeface="Century" panose="02040604050505020304" pitchFamily="18" charset="0"/>
             </a:rPr>
             <a:t>i</a:t>
           </a:r>
           <a:r>
-            <a:rPr lang="en-US" sz="3000" kern="1200" dirty="0">
+            <a:rPr lang="en-US" sz="2900" kern="1200" dirty="0">
               <a:solidFill>
                 <a:srgbClr val="747474"/>
               </a:solidFill>
+              <a:latin typeface="Century" panose="02040604050505020304" pitchFamily="18" charset="0"/>
             </a:rPr>
             <a:t> </a:t>
           </a:r>
           <a:r>
-            <a:rPr lang="en-US" sz="3000" kern="1200" dirty="0" err="1">
+            <a:rPr lang="en-US" sz="2900" kern="1200" dirty="0" err="1">
               <a:solidFill>
                 <a:srgbClr val="747474"/>
               </a:solidFill>
+              <a:latin typeface="Century" panose="02040604050505020304" pitchFamily="18" charset="0"/>
             </a:rPr>
             <a:t>mogući</a:t>
           </a:r>
           <a:r>
-            <a:rPr lang="en-US" sz="3000" kern="1200" dirty="0">
+            <a:rPr lang="en-US" sz="2900" kern="1200" dirty="0">
               <a:solidFill>
                 <a:srgbClr val="747474"/>
               </a:solidFill>
+              <a:latin typeface="Century" panose="02040604050505020304" pitchFamily="18" charset="0"/>
             </a:rPr>
             <a:t> </a:t>
           </a:r>
           <a:r>
-            <a:rPr lang="en-US" sz="3000" kern="1200" dirty="0" err="1">
+            <a:rPr lang="en-US" sz="2900" kern="1200" dirty="0" err="1">
               <a:solidFill>
                 <a:srgbClr val="747474"/>
               </a:solidFill>
+              <a:latin typeface="Century" panose="02040604050505020304" pitchFamily="18" charset="0"/>
             </a:rPr>
             <a:t>nastavak</a:t>
           </a:r>
           <a:r>
-            <a:rPr lang="en-US" sz="3000" kern="1200" dirty="0">
+            <a:rPr lang="en-US" sz="2900" kern="1200" dirty="0">
               <a:solidFill>
                 <a:srgbClr val="747474"/>
               </a:solidFill>
+              <a:latin typeface="Century" panose="02040604050505020304" pitchFamily="18" charset="0"/>
             </a:rPr>
             <a:t> </a:t>
           </a:r>
           <a:r>
-            <a:rPr lang="en-US" sz="3000" kern="1200" dirty="0" err="1">
+            <a:rPr lang="en-US" sz="2900" kern="1200" dirty="0" err="1">
               <a:solidFill>
                 <a:srgbClr val="747474"/>
               </a:solidFill>
+              <a:latin typeface="Century" panose="02040604050505020304" pitchFamily="18" charset="0"/>
             </a:rPr>
             <a:t>rada</a:t>
           </a:r>
           <a:r>
-            <a:rPr lang="en-US" sz="3000" kern="1200" dirty="0">
+            <a:rPr lang="en-US" sz="2900" kern="1200" dirty="0">
               <a:solidFill>
                 <a:srgbClr val="747474"/>
               </a:solidFill>
+              <a:latin typeface="Century" panose="02040604050505020304" pitchFamily="18" charset="0"/>
             </a:rPr>
             <a:t> </a:t>
           </a:r>
           <a:r>
-            <a:rPr lang="en-US" sz="3000" kern="1200" dirty="0" err="1">
+            <a:rPr lang="en-US" sz="2900" kern="1200" dirty="0" err="1">
               <a:solidFill>
                 <a:srgbClr val="747474"/>
               </a:solidFill>
+              <a:latin typeface="Century" panose="02040604050505020304" pitchFamily="18" charset="0"/>
             </a:rPr>
             <a:t>na</a:t>
           </a:r>
           <a:r>
-            <a:rPr lang="en-US" sz="3000" kern="1200" dirty="0">
+            <a:rPr lang="en-US" sz="2900" kern="1200" dirty="0">
               <a:solidFill>
                 <a:srgbClr val="747474"/>
               </a:solidFill>
+              <a:latin typeface="Century" panose="02040604050505020304" pitchFamily="18" charset="0"/>
             </a:rPr>
             <a:t> </a:t>
           </a:r>
           <a:r>
-            <a:rPr lang="en-US" sz="3000" kern="1200" dirty="0" err="1">
+            <a:rPr lang="en-US" sz="2900" kern="1200" dirty="0" err="1">
               <a:solidFill>
                 <a:srgbClr val="747474"/>
               </a:solidFill>
+              <a:latin typeface="Century" panose="02040604050505020304" pitchFamily="18" charset="0"/>
             </a:rPr>
             <a:t>projektu</a:t>
           </a:r>
           <a:r>
-            <a:rPr lang="en-US" sz="3000" kern="1200" dirty="0">
+            <a:rPr lang="en-US" sz="2900" kern="1200" dirty="0">
               <a:solidFill>
                 <a:srgbClr val="747474"/>
               </a:solidFill>
+              <a:latin typeface="Century" panose="02040604050505020304" pitchFamily="18" charset="0"/>
             </a:rPr>
             <a:t>.</a:t>
           </a:r>
@@ -33343,7 +34107,25 @@
                 </a:solidFill>
                 <a:latin typeface="Century" panose="02040604050505020304" pitchFamily="18" charset="0"/>
               </a:rPr>
-              <a:t>Ak. God. 2024./2025.</a:t>
+              <a:t>Ak. </a:t>
+            </a:r>
+            <a:r>
+              <a:rPr lang="en-US" dirty="0">
+                <a:solidFill>
+                  <a:srgbClr val="747474"/>
+                </a:solidFill>
+                <a:latin typeface="Century" panose="02040604050505020304" pitchFamily="18" charset="0"/>
+              </a:rPr>
+              <a:t>g</a:t>
+            </a:r>
+            <a:r>
+              <a:rPr lang="hr-HR" noProof="0" dirty="0">
+                <a:solidFill>
+                  <a:srgbClr val="747474"/>
+                </a:solidFill>
+                <a:latin typeface="Century" panose="02040604050505020304" pitchFamily="18" charset="0"/>
+              </a:rPr>
+              <a:t>od. 2024./2025.</a:t>
             </a:r>
           </a:p>
           <a:p>
@@ -33434,7 +34216,7 @@
                 </a:solidFill>
                 <a:latin typeface="Century" panose="02040604050505020304" pitchFamily="18" charset="0"/>
               </a:rPr>
-              <a:t>PROGRAMSKO INŽENJERSTVNO</a:t>
+              <a:t>PROGRAMSKO INŽENJERSTVO</a:t>
             </a:r>
           </a:p>
           <a:p>
@@ -33586,6 +34368,7 @@
                 <a:solidFill>
                   <a:srgbClr val="747474"/>
                 </a:solidFill>
+                <a:latin typeface="Century" panose="02040604050505020304" pitchFamily="18" charset="0"/>
               </a:rPr>
               <a:t>Arhitektura</a:t>
             </a:r>
@@ -33608,7 +34391,12 @@
             <p:ph idx="1"/>
           </p:nvPr>
         </p:nvSpPr>
-        <p:spPr/>
+        <p:spPr>
+          <a:xfrm>
+            <a:off x="838200" y="1825625"/>
+            <a:ext cx="9940370" cy="4351338"/>
+          </a:xfrm>
+        </p:spPr>
         <p:txBody>
           <a:bodyPr/>
           <a:lstStyle/>
@@ -33618,6 +34406,7 @@
                 <a:solidFill>
                   <a:srgbClr val="747474"/>
                 </a:solidFill>
+                <a:latin typeface="Century" panose="02040604050505020304" pitchFamily="18" charset="0"/>
               </a:rPr>
               <a:t>Arhitektura je podijeljena u tri podsustava:</a:t>
             </a:r>
@@ -33625,6 +34414,7 @@
               <a:solidFill>
                 <a:srgbClr val="747474"/>
               </a:solidFill>
+              <a:latin typeface="Century" panose="02040604050505020304" pitchFamily="18" charset="0"/>
             </a:endParaRPr>
           </a:p>
           <a:p>
@@ -33634,6 +34424,7 @@
                 <a:solidFill>
                   <a:srgbClr val="747474"/>
                 </a:solidFill>
+                <a:latin typeface="Century" panose="02040604050505020304" pitchFamily="18" charset="0"/>
               </a:rPr>
               <a:t>Web poslužitelj</a:t>
             </a:r>
@@ -33645,6 +34436,7 @@
                 <a:solidFill>
                   <a:srgbClr val="747474"/>
                 </a:solidFill>
+                <a:latin typeface="Century" panose="02040604050505020304" pitchFamily="18" charset="0"/>
               </a:rPr>
               <a:t>Web aplikacija</a:t>
             </a:r>
@@ -33656,6 +34448,7 @@
                 <a:solidFill>
                   <a:srgbClr val="747474"/>
                 </a:solidFill>
+                <a:latin typeface="Century" panose="02040604050505020304" pitchFamily="18" charset="0"/>
               </a:rPr>
               <a:t>Baza podataka</a:t>
             </a:r>
@@ -33663,6 +34456,7 @@
               <a:solidFill>
                 <a:srgbClr val="747474"/>
               </a:solidFill>
+              <a:latin typeface="Century" panose="02040604050505020304" pitchFamily="18" charset="0"/>
             </a:endParaRPr>
           </a:p>
           <a:p>
@@ -33671,6 +34465,7 @@
                 <a:solidFill>
                   <a:srgbClr val="747474"/>
                 </a:solidFill>
+                <a:latin typeface="Century" panose="02040604050505020304" pitchFamily="18" charset="0"/>
               </a:rPr>
               <a:t>Temelji</a:t>
             </a:r>
@@ -33679,6 +34474,7 @@
                 <a:solidFill>
                   <a:srgbClr val="747474"/>
                 </a:solidFill>
+                <a:latin typeface="Century" panose="02040604050505020304" pitchFamily="18" charset="0"/>
               </a:rPr>
               <a:t> se </a:t>
             </a:r>
@@ -33687,6 +34483,7 @@
                 <a:solidFill>
                   <a:srgbClr val="747474"/>
                 </a:solidFill>
+                <a:latin typeface="Century" panose="02040604050505020304" pitchFamily="18" charset="0"/>
               </a:rPr>
               <a:t>na</a:t>
             </a:r>
@@ -33695,6 +34492,7 @@
                 <a:solidFill>
                   <a:srgbClr val="747474"/>
                 </a:solidFill>
+                <a:latin typeface="Century" panose="02040604050505020304" pitchFamily="18" charset="0"/>
               </a:rPr>
               <a:t> </a:t>
             </a:r>
@@ -33703,6 +34501,7 @@
                 <a:solidFill>
                   <a:srgbClr val="747474"/>
                 </a:solidFill>
+                <a:latin typeface="Century" panose="02040604050505020304" pitchFamily="18" charset="0"/>
               </a:rPr>
               <a:t>stilističkoj</a:t>
             </a:r>
@@ -33711,6 +34510,7 @@
                 <a:solidFill>
                   <a:srgbClr val="747474"/>
                 </a:solidFill>
+                <a:latin typeface="Century" panose="02040604050505020304" pitchFamily="18" charset="0"/>
               </a:rPr>
               <a:t> </a:t>
             </a:r>
@@ -33719,6 +34519,7 @@
                 <a:solidFill>
                   <a:srgbClr val="747474"/>
                 </a:solidFill>
+                <a:latin typeface="Century" panose="02040604050505020304" pitchFamily="18" charset="0"/>
               </a:rPr>
               <a:t>varijaciji</a:t>
             </a:r>
@@ -33727,6 +34528,7 @@
                 <a:solidFill>
                   <a:srgbClr val="747474"/>
                 </a:solidFill>
+                <a:latin typeface="Century" panose="02040604050505020304" pitchFamily="18" charset="0"/>
               </a:rPr>
               <a:t> </a:t>
             </a:r>
@@ -33735,6 +34537,7 @@
                 <a:solidFill>
                   <a:srgbClr val="747474"/>
                 </a:solidFill>
+                <a:latin typeface="Century" panose="02040604050505020304" pitchFamily="18" charset="0"/>
               </a:rPr>
               <a:t>arhitekture</a:t>
             </a:r>
@@ -33743,6 +34546,7 @@
                 <a:solidFill>
                   <a:srgbClr val="747474"/>
                 </a:solidFill>
+                <a:latin typeface="Century" panose="02040604050505020304" pitchFamily="18" charset="0"/>
               </a:rPr>
               <a:t> </a:t>
             </a:r>
@@ -33751,6 +34555,7 @@
                 <a:solidFill>
                   <a:srgbClr val="747474"/>
                 </a:solidFill>
+                <a:latin typeface="Century" panose="02040604050505020304" pitchFamily="18" charset="0"/>
               </a:rPr>
               <a:t>zasnovane</a:t>
             </a:r>
@@ -33759,6 +34564,7 @@
                 <a:solidFill>
                   <a:srgbClr val="747474"/>
                 </a:solidFill>
+                <a:latin typeface="Century" panose="02040604050505020304" pitchFamily="18" charset="0"/>
               </a:rPr>
               <a:t> </a:t>
             </a:r>
@@ -33767,6 +34573,7 @@
                 <a:solidFill>
                   <a:srgbClr val="747474"/>
                 </a:solidFill>
+                <a:latin typeface="Century" panose="02040604050505020304" pitchFamily="18" charset="0"/>
               </a:rPr>
               <a:t>na</a:t>
             </a:r>
@@ -33775,6 +34582,7 @@
                 <a:solidFill>
                   <a:srgbClr val="747474"/>
                 </a:solidFill>
+                <a:latin typeface="Century" panose="02040604050505020304" pitchFamily="18" charset="0"/>
               </a:rPr>
               <a:t> </a:t>
             </a:r>
@@ -33783,6 +34591,7 @@
                 <a:solidFill>
                   <a:srgbClr val="747474"/>
                 </a:solidFill>
+                <a:latin typeface="Century" panose="02040604050505020304" pitchFamily="18" charset="0"/>
               </a:rPr>
               <a:t>događajima</a:t>
             </a:r>
@@ -33791,6 +34600,7 @@
                 <a:solidFill>
                   <a:srgbClr val="747474"/>
                 </a:solidFill>
+                <a:latin typeface="Century" panose="02040604050505020304" pitchFamily="18" charset="0"/>
               </a:rPr>
               <a:t> </a:t>
             </a:r>
@@ -33799,6 +34609,7 @@
                 <a:solidFill>
                   <a:srgbClr val="747474"/>
                 </a:solidFill>
+                <a:latin typeface="Century" panose="02040604050505020304" pitchFamily="18" charset="0"/>
               </a:rPr>
               <a:t>- MVC </a:t>
             </a:r>
@@ -33807,6 +34618,7 @@
                 <a:solidFill>
                   <a:srgbClr val="747474"/>
                 </a:solidFill>
+                <a:latin typeface="Century" panose="02040604050505020304" pitchFamily="18" charset="0"/>
               </a:rPr>
               <a:t>obrazcu</a:t>
             </a:r>
@@ -33814,6 +34626,7 @@
               <a:solidFill>
                 <a:srgbClr val="747474"/>
               </a:solidFill>
+              <a:latin typeface="Century" panose="02040604050505020304" pitchFamily="18" charset="0"/>
             </a:endParaRPr>
           </a:p>
           <a:p>
@@ -33822,6 +34635,7 @@
                 <a:solidFill>
                   <a:srgbClr val="747474"/>
                 </a:solidFill>
+                <a:latin typeface="Century" panose="02040604050505020304" pitchFamily="18" charset="0"/>
               </a:rPr>
               <a:t>MVC obrazac omogućuje odvojen razvoj navedenih slojeva aplikacije što znatno olakšava ispitivanje, razvijanje i dodavanje novih svojstava u sustav</a:t>
             </a:r>
@@ -33974,7 +34788,7 @@
         </p:blipFill>
         <p:spPr>
           <a:xfrm>
-            <a:off x="939800" y="1287794"/>
+            <a:off x="921061" y="1287794"/>
             <a:ext cx="9857509" cy="5068556"/>
           </a:xfrm>
           <a:prstGeom prst="rect">
@@ -34162,6 +34976,7 @@
                 <a:solidFill>
                   <a:srgbClr val="747474"/>
                 </a:solidFill>
+                <a:latin typeface="Century" panose="02040604050505020304" pitchFamily="18" charset="0"/>
               </a:rPr>
               <a:t>Ispitivanje</a:t>
             </a:r>
@@ -34169,6 +34984,7 @@
               <a:solidFill>
                 <a:srgbClr val="747474"/>
               </a:solidFill>
+              <a:latin typeface="Century" panose="02040604050505020304" pitchFamily="18" charset="0"/>
             </a:endParaRPr>
           </a:p>
         </p:txBody>
@@ -34189,7 +35005,7 @@
             <p:ph idx="1"/>
             <p:extLst>
               <p:ext uri="{D42A27DB-BD31-4B8C-83A1-F6EECF244321}">
-                <p14:modId xmlns:p14="http://schemas.microsoft.com/office/powerpoint/2010/main" val="894981641"/>
+                <p14:modId xmlns:p14="http://schemas.microsoft.com/office/powerpoint/2010/main" val="3648263121"/>
               </p:ext>
             </p:extLst>
           </p:nvPr>
@@ -34375,6 +35191,7 @@
                 <a:solidFill>
                   <a:srgbClr val="747474"/>
                 </a:solidFill>
+                <a:latin typeface="Century" panose="02040604050505020304" pitchFamily="18" charset="0"/>
               </a:rPr>
               <a:t>Organizacija rada </a:t>
             </a:r>
@@ -34400,7 +35217,7 @@
         <p:spPr/>
         <p:txBody>
           <a:bodyPr>
-            <a:normAutofit/>
+            <a:normAutofit lnSpcReduction="10000"/>
           </a:bodyPr>
           <a:lstStyle/>
           <a:p>
@@ -34412,6 +35229,7 @@
                 <a:solidFill>
                   <a:srgbClr val="747474"/>
                 </a:solidFill>
+                <a:latin typeface="Century" panose="02040604050505020304" pitchFamily="18" charset="0"/>
               </a:rPr>
               <a:t>Tim je </a:t>
             </a:r>
@@ -34420,6 +35238,7 @@
                 <a:solidFill>
                   <a:srgbClr val="747474"/>
                 </a:solidFill>
+                <a:latin typeface="Century" panose="02040604050505020304" pitchFamily="18" charset="0"/>
               </a:rPr>
               <a:t>podijeljen</a:t>
             </a:r>
@@ -34428,6 +35247,7 @@
                 <a:solidFill>
                   <a:srgbClr val="747474"/>
                 </a:solidFill>
+                <a:latin typeface="Century" panose="02040604050505020304" pitchFamily="18" charset="0"/>
               </a:rPr>
               <a:t> u tri </a:t>
             </a:r>
@@ -34436,6 +35256,7 @@
                 <a:solidFill>
                   <a:srgbClr val="747474"/>
                 </a:solidFill>
+                <a:latin typeface="Century" panose="02040604050505020304" pitchFamily="18" charset="0"/>
               </a:rPr>
               <a:t>grupe</a:t>
             </a:r>
@@ -34443,6 +35264,7 @@
               <a:solidFill>
                 <a:srgbClr val="747474"/>
               </a:solidFill>
+              <a:latin typeface="Century" panose="02040604050505020304" pitchFamily="18" charset="0"/>
             </a:endParaRPr>
           </a:p>
           <a:p>
@@ -34452,56 +35274,45 @@
                 <a:solidFill>
                   <a:srgbClr val="747474"/>
                 </a:solidFill>
+                <a:latin typeface="Century" panose="02040604050505020304" pitchFamily="18" charset="0"/>
               </a:rPr>
-              <a:t>Backend (</a:t>
+              <a:t>Backend (B. </a:t>
             </a:r>
             <a:r>
               <a:rPr lang="en-US" dirty="0" err="1">
                 <a:solidFill>
                   <a:srgbClr val="747474"/>
                 </a:solidFill>
+                <a:latin typeface="Century" panose="02040604050505020304" pitchFamily="18" charset="0"/>
               </a:rPr>
-              <a:t>B.Odobašić</a:t>
+              <a:t>Odobašić</a:t>
             </a:r>
             <a:r>
               <a:rPr lang="en-US" dirty="0">
                 <a:solidFill>
                   <a:srgbClr val="747474"/>
                 </a:solidFill>
+                <a:latin typeface="Century" panose="02040604050505020304" pitchFamily="18" charset="0"/>
               </a:rPr>
-              <a:t>, </a:t>
+              <a:t>, D. </a:t>
             </a:r>
             <a:r>
               <a:rPr lang="en-US" dirty="0" err="1">
                 <a:solidFill>
                   <a:srgbClr val="747474"/>
                 </a:solidFill>
+                <a:latin typeface="Century" panose="02040604050505020304" pitchFamily="18" charset="0"/>
               </a:rPr>
-              <a:t>D.Rožić</a:t>
+              <a:t>Rožić</a:t>
             </a:r>
             <a:r>
               <a:rPr lang="en-US" dirty="0">
                 <a:solidFill>
                   <a:srgbClr val="747474"/>
                 </a:solidFill>
+                <a:latin typeface="Century" panose="02040604050505020304" pitchFamily="18" charset="0"/>
               </a:rPr>
-              <a:t>, </a:t>
-            </a:r>
-            <a:r>
-              <a:rPr lang="en-US" dirty="0" err="1">
-                <a:solidFill>
-                  <a:srgbClr val="747474"/>
-                </a:solidFill>
-              </a:rPr>
-              <a:t>M.Stolar</a:t>
-            </a:r>
-            <a:r>
-              <a:rPr lang="en-US" dirty="0">
-                <a:solidFill>
-                  <a:srgbClr val="747474"/>
-                </a:solidFill>
-              </a:rPr>
-              <a:t>)</a:t>
+              <a:t>, M. Stolar)</a:t>
             </a:r>
           </a:p>
           <a:p>
@@ -34511,22 +35322,43 @@
                 <a:solidFill>
                   <a:srgbClr val="747474"/>
                 </a:solidFill>
+                <a:latin typeface="Century" panose="02040604050505020304" pitchFamily="18" charset="0"/>
               </a:rPr>
-              <a:t>Frontend (</a:t>
+              <a:t>Frontend (M. </a:t>
             </a:r>
             <a:r>
               <a:rPr lang="en-US" dirty="0" err="1">
                 <a:solidFill>
                   <a:srgbClr val="747474"/>
                 </a:solidFill>
+                <a:latin typeface="Century" panose="02040604050505020304" pitchFamily="18" charset="0"/>
               </a:rPr>
-              <a:t>M.Bilješko,K.Vrdoljak</a:t>
+              <a:t>Bilješko,K</a:t>
             </a:r>
             <a:r>
               <a:rPr lang="en-US" dirty="0">
                 <a:solidFill>
                   <a:srgbClr val="747474"/>
                 </a:solidFill>
+                <a:latin typeface="Century" panose="02040604050505020304" pitchFamily="18" charset="0"/>
+              </a:rPr>
+              <a:t>. </a:t>
+            </a:r>
+            <a:r>
+              <a:rPr lang="en-US" dirty="0" err="1">
+                <a:solidFill>
+                  <a:srgbClr val="747474"/>
+                </a:solidFill>
+                <a:latin typeface="Century" panose="02040604050505020304" pitchFamily="18" charset="0"/>
+              </a:rPr>
+              <a:t>Vrdoljak</a:t>
+            </a:r>
+            <a:r>
+              <a:rPr lang="en-US" dirty="0">
+                <a:solidFill>
+                  <a:srgbClr val="747474"/>
+                </a:solidFill>
+                <a:latin typeface="Century" panose="02040604050505020304" pitchFamily="18" charset="0"/>
               </a:rPr>
               <a:t>)</a:t>
             </a:r>
@@ -34538,6 +35370,7 @@
                 <a:solidFill>
                   <a:srgbClr val="747474"/>
                 </a:solidFill>
+                <a:latin typeface="Century" panose="02040604050505020304" pitchFamily="18" charset="0"/>
               </a:rPr>
               <a:t>Dokumentacija</a:t>
             </a:r>
@@ -34546,24 +35379,9 @@
                 <a:solidFill>
                   <a:srgbClr val="747474"/>
                 </a:solidFill>
+                <a:latin typeface="Century" panose="02040604050505020304" pitchFamily="18" charset="0"/>
               </a:rPr>
-              <a:t> (</a:t>
-            </a:r>
-            <a:r>
-              <a:rPr lang="en-US" dirty="0" err="1">
-                <a:solidFill>
-                  <a:srgbClr val="747474"/>
-                </a:solidFill>
-              </a:rPr>
-              <a:t>L.Batinić</a:t>
-            </a:r>
-            <a:r>
-              <a:rPr lang="en-US" dirty="0">
-                <a:solidFill>
-                  <a:srgbClr val="747474"/>
-                </a:solidFill>
-              </a:rPr>
-              <a:t>)</a:t>
+              <a:t> (L. Batinić)</a:t>
             </a:r>
           </a:p>
           <a:p>
@@ -34575,6 +35393,7 @@
                 <a:solidFill>
                   <a:srgbClr val="747474"/>
                 </a:solidFill>
+                <a:latin typeface="Century" panose="02040604050505020304" pitchFamily="18" charset="0"/>
               </a:rPr>
               <a:t>Rad </a:t>
             </a:r>
@@ -34583,6 +35402,7 @@
                 <a:solidFill>
                   <a:srgbClr val="747474"/>
                 </a:solidFill>
+                <a:latin typeface="Century" panose="02040604050505020304" pitchFamily="18" charset="0"/>
               </a:rPr>
               <a:t>podijeljen</a:t>
             </a:r>
@@ -34591,6 +35411,7 @@
                 <a:solidFill>
                   <a:srgbClr val="747474"/>
                 </a:solidFill>
+                <a:latin typeface="Century" panose="02040604050505020304" pitchFamily="18" charset="0"/>
               </a:rPr>
               <a:t> </a:t>
             </a:r>
@@ -34599,6 +35420,7 @@
                 <a:solidFill>
                   <a:srgbClr val="747474"/>
                 </a:solidFill>
+                <a:latin typeface="Century" panose="02040604050505020304" pitchFamily="18" charset="0"/>
               </a:rPr>
               <a:t>na</a:t>
             </a:r>
@@ -34607,6 +35429,7 @@
                 <a:solidFill>
                   <a:srgbClr val="747474"/>
                 </a:solidFill>
+                <a:latin typeface="Century" panose="02040604050505020304" pitchFamily="18" charset="0"/>
               </a:rPr>
               <a:t> dva </a:t>
             </a:r>
@@ -34615,6 +35438,7 @@
                 <a:solidFill>
                   <a:srgbClr val="747474"/>
                 </a:solidFill>
+                <a:latin typeface="Century" panose="02040604050505020304" pitchFamily="18" charset="0"/>
               </a:rPr>
               <a:t>ciklusa</a:t>
             </a:r>
@@ -34622,6 +35446,7 @@
               <a:solidFill>
                 <a:srgbClr val="747474"/>
               </a:solidFill>
+              <a:latin typeface="Century" panose="02040604050505020304" pitchFamily="18" charset="0"/>
             </a:endParaRPr>
           </a:p>
           <a:p>
@@ -34634,6 +35459,7 @@
                 <a:solidFill>
                   <a:srgbClr val="747474"/>
                 </a:solidFill>
+                <a:latin typeface="Century" panose="02040604050505020304" pitchFamily="18" charset="0"/>
               </a:rPr>
               <a:t>Ra</a:t>
             </a:r>
@@ -34642,6 +35468,7 @@
                 <a:solidFill>
                   <a:srgbClr val="747474"/>
                 </a:solidFill>
+                <a:latin typeface="Century" panose="02040604050505020304" pitchFamily="18" charset="0"/>
               </a:rPr>
               <a:t>d </a:t>
             </a:r>
@@ -34650,6 +35477,7 @@
                 <a:solidFill>
                   <a:srgbClr val="747474"/>
                 </a:solidFill>
+                <a:latin typeface="Century" panose="02040604050505020304" pitchFamily="18" charset="0"/>
               </a:rPr>
               <a:t>na</a:t>
             </a:r>
@@ -34658,6 +35486,7 @@
                 <a:solidFill>
                   <a:srgbClr val="747474"/>
                 </a:solidFill>
+                <a:latin typeface="Century" panose="02040604050505020304" pitchFamily="18" charset="0"/>
               </a:rPr>
               <a:t> </a:t>
             </a:r>
@@ -34666,6 +35495,7 @@
                 <a:solidFill>
                   <a:srgbClr val="747474"/>
                 </a:solidFill>
+                <a:latin typeface="Century" panose="02040604050505020304" pitchFamily="18" charset="0"/>
               </a:rPr>
               <a:t>funkcijskim</a:t>
             </a:r>
@@ -34674,6 +35504,7 @@
                 <a:solidFill>
                   <a:srgbClr val="747474"/>
                 </a:solidFill>
+                <a:latin typeface="Century" panose="02040604050505020304" pitchFamily="18" charset="0"/>
               </a:rPr>
               <a:t> </a:t>
             </a:r>
@@ -34682,6 +35513,7 @@
                 <a:solidFill>
                   <a:srgbClr val="747474"/>
                 </a:solidFill>
+                <a:latin typeface="Century" panose="02040604050505020304" pitchFamily="18" charset="0"/>
               </a:rPr>
               <a:t>zahtjevima</a:t>
             </a:r>
@@ -34690,6 +35522,7 @@
                 <a:solidFill>
                   <a:srgbClr val="747474"/>
                 </a:solidFill>
+                <a:latin typeface="Century" panose="02040604050505020304" pitchFamily="18" charset="0"/>
               </a:rPr>
               <a:t>, </a:t>
             </a:r>
@@ -34698,6 +35531,7 @@
                 <a:solidFill>
                   <a:srgbClr val="747474"/>
                 </a:solidFill>
+                <a:latin typeface="Century" panose="02040604050505020304" pitchFamily="18" charset="0"/>
               </a:rPr>
               <a:t>učenju</a:t>
             </a:r>
@@ -34706,6 +35540,7 @@
                 <a:solidFill>
                   <a:srgbClr val="747474"/>
                 </a:solidFill>
+                <a:latin typeface="Century" panose="02040604050505020304" pitchFamily="18" charset="0"/>
               </a:rPr>
               <a:t> </a:t>
             </a:r>
@@ -34714,6 +35549,7 @@
                 <a:solidFill>
                   <a:srgbClr val="747474"/>
                 </a:solidFill>
+                <a:latin typeface="Century" panose="02040604050505020304" pitchFamily="18" charset="0"/>
               </a:rPr>
               <a:t>novih</a:t>
             </a:r>
@@ -34722,6 +35558,7 @@
                 <a:solidFill>
                   <a:srgbClr val="747474"/>
                 </a:solidFill>
+                <a:latin typeface="Century" panose="02040604050505020304" pitchFamily="18" charset="0"/>
               </a:rPr>
               <a:t> </a:t>
             </a:r>
@@ -34730,6 +35567,7 @@
                 <a:solidFill>
                   <a:srgbClr val="747474"/>
                 </a:solidFill>
+                <a:latin typeface="Century" panose="02040604050505020304" pitchFamily="18" charset="0"/>
               </a:rPr>
               <a:t>tehnologija</a:t>
             </a:r>
@@ -34738,6 +35576,7 @@
                 <a:solidFill>
                   <a:srgbClr val="747474"/>
                 </a:solidFill>
+                <a:latin typeface="Century" panose="02040604050505020304" pitchFamily="18" charset="0"/>
               </a:rPr>
               <a:t>, </a:t>
             </a:r>
@@ -34746,6 +35585,7 @@
                 <a:solidFill>
                   <a:srgbClr val="747474"/>
                 </a:solidFill>
+                <a:latin typeface="Century" panose="02040604050505020304" pitchFamily="18" charset="0"/>
               </a:rPr>
               <a:t>početna</a:t>
             </a:r>
@@ -34754,6 +35594,7 @@
                 <a:solidFill>
                   <a:srgbClr val="747474"/>
                 </a:solidFill>
+                <a:latin typeface="Century" panose="02040604050505020304" pitchFamily="18" charset="0"/>
               </a:rPr>
               <a:t> baza podataka te </a:t>
             </a:r>
@@ -34762,6 +35603,7 @@
                 <a:solidFill>
                   <a:srgbClr val="747474"/>
                 </a:solidFill>
+                <a:latin typeface="Century" panose="02040604050505020304" pitchFamily="18" charset="0"/>
               </a:rPr>
               <a:t>implementacija</a:t>
             </a:r>
@@ -34770,6 +35612,7 @@
                 <a:solidFill>
                   <a:srgbClr val="747474"/>
                 </a:solidFill>
+                <a:latin typeface="Century" panose="02040604050505020304" pitchFamily="18" charset="0"/>
               </a:rPr>
               <a:t> </a:t>
             </a:r>
@@ -34778,6 +35621,7 @@
                 <a:solidFill>
                   <a:srgbClr val="747474"/>
                 </a:solidFill>
+                <a:latin typeface="Century" panose="02040604050505020304" pitchFamily="18" charset="0"/>
               </a:rPr>
               <a:t>osnovnih</a:t>
             </a:r>
@@ -34786,6 +35630,7 @@
                 <a:solidFill>
                   <a:srgbClr val="747474"/>
                 </a:solidFill>
+                <a:latin typeface="Century" panose="02040604050505020304" pitchFamily="18" charset="0"/>
               </a:rPr>
               <a:t> </a:t>
             </a:r>
@@ -34794,6 +35639,7 @@
                 <a:solidFill>
                   <a:srgbClr val="747474"/>
                 </a:solidFill>
+                <a:latin typeface="Century" panose="02040604050505020304" pitchFamily="18" charset="0"/>
               </a:rPr>
               <a:t>funkcija</a:t>
             </a:r>
@@ -34801,6 +35647,7 @@
               <a:solidFill>
                 <a:srgbClr val="747474"/>
               </a:solidFill>
+              <a:latin typeface="Century" panose="02040604050505020304" pitchFamily="18" charset="0"/>
             </a:endParaRPr>
           </a:p>
           <a:p>
@@ -34813,6 +35660,7 @@
                 <a:solidFill>
                   <a:srgbClr val="747474"/>
                 </a:solidFill>
+                <a:latin typeface="Century" panose="02040604050505020304" pitchFamily="18" charset="0"/>
               </a:rPr>
               <a:t>Detaljno</a:t>
             </a:r>
@@ -34821,6 +35669,7 @@
                 <a:solidFill>
                   <a:srgbClr val="747474"/>
                 </a:solidFill>
+                <a:latin typeface="Century" panose="02040604050505020304" pitchFamily="18" charset="0"/>
               </a:rPr>
               <a:t> </a:t>
             </a:r>
@@ -34829,6 +35678,7 @@
                 <a:solidFill>
                   <a:srgbClr val="747474"/>
                 </a:solidFill>
+                <a:latin typeface="Century" panose="02040604050505020304" pitchFamily="18" charset="0"/>
               </a:rPr>
               <a:t>razrađen</a:t>
             </a:r>
@@ -34837,6 +35687,7 @@
                 <a:solidFill>
                   <a:srgbClr val="747474"/>
                 </a:solidFill>
+                <a:latin typeface="Century" panose="02040604050505020304" pitchFamily="18" charset="0"/>
               </a:rPr>
               <a:t> rad po </a:t>
             </a:r>
@@ -34845,6 +35696,7 @@
                 <a:solidFill>
                   <a:srgbClr val="747474"/>
                 </a:solidFill>
+                <a:latin typeface="Century" panose="02040604050505020304" pitchFamily="18" charset="0"/>
               </a:rPr>
               <a:t>tjednima</a:t>
             </a:r>
@@ -34853,6 +35705,7 @@
                 <a:solidFill>
                   <a:srgbClr val="747474"/>
                 </a:solidFill>
+                <a:latin typeface="Century" panose="02040604050505020304" pitchFamily="18" charset="0"/>
               </a:rPr>
               <a:t>, </a:t>
             </a:r>
@@ -34861,6 +35714,7 @@
                 <a:solidFill>
                   <a:srgbClr val="747474"/>
                 </a:solidFill>
+                <a:latin typeface="Century" panose="02040604050505020304" pitchFamily="18" charset="0"/>
               </a:rPr>
               <a:t>pazi</a:t>
             </a:r>
@@ -34869,6 +35723,7 @@
                 <a:solidFill>
                   <a:srgbClr val="747474"/>
                 </a:solidFill>
+                <a:latin typeface="Century" panose="02040604050505020304" pitchFamily="18" charset="0"/>
               </a:rPr>
               <a:t> se </a:t>
             </a:r>
@@ -34877,6 +35732,7 @@
                 <a:solidFill>
                   <a:srgbClr val="747474"/>
                 </a:solidFill>
+                <a:latin typeface="Century" panose="02040604050505020304" pitchFamily="18" charset="0"/>
               </a:rPr>
               <a:t>na</a:t>
             </a:r>
@@ -34885,6 +35741,7 @@
                 <a:solidFill>
                   <a:srgbClr val="747474"/>
                 </a:solidFill>
+                <a:latin typeface="Century" panose="02040604050505020304" pitchFamily="18" charset="0"/>
               </a:rPr>
               <a:t> svaki </a:t>
             </a:r>
@@ -34893,6 +35750,7 @@
                 <a:solidFill>
                   <a:srgbClr val="747474"/>
                 </a:solidFill>
+                <a:latin typeface="Century" panose="02040604050505020304" pitchFamily="18" charset="0"/>
               </a:rPr>
               <a:t>detalj</a:t>
             </a:r>
@@ -34901,6 +35759,7 @@
                 <a:solidFill>
                   <a:srgbClr val="747474"/>
                 </a:solidFill>
+                <a:latin typeface="Century" panose="02040604050505020304" pitchFamily="18" charset="0"/>
               </a:rPr>
               <a:t> </a:t>
             </a:r>
@@ -34909,6 +35768,7 @@
                 <a:solidFill>
                   <a:srgbClr val="747474"/>
                 </a:solidFill>
+                <a:latin typeface="Century" panose="02040604050505020304" pitchFamily="18" charset="0"/>
               </a:rPr>
               <a:t>funkionalnosti</a:t>
             </a:r>
@@ -34917,6 +35777,7 @@
                 <a:solidFill>
                   <a:srgbClr val="747474"/>
                 </a:solidFill>
+                <a:latin typeface="Century" panose="02040604050505020304" pitchFamily="18" charset="0"/>
               </a:rPr>
               <a:t> </a:t>
             </a:r>
@@ -34925,6 +35786,7 @@
                 <a:solidFill>
                   <a:srgbClr val="747474"/>
                 </a:solidFill>
+                <a:latin typeface="Century" panose="02040604050505020304" pitchFamily="18" charset="0"/>
               </a:rPr>
               <a:t>aplikacije</a:t>
             </a:r>
@@ -34933,6 +35795,7 @@
                 <a:solidFill>
                   <a:srgbClr val="747474"/>
                 </a:solidFill>
+                <a:latin typeface="Century" panose="02040604050505020304" pitchFamily="18" charset="0"/>
               </a:rPr>
               <a:t>, </a:t>
             </a:r>
@@ -34941,6 +35804,7 @@
                 <a:solidFill>
                   <a:srgbClr val="747474"/>
                 </a:solidFill>
+                <a:latin typeface="Century" panose="02040604050505020304" pitchFamily="18" charset="0"/>
               </a:rPr>
               <a:t>dovršavanje</a:t>
             </a:r>
@@ -34949,6 +35813,7 @@
                 <a:solidFill>
                   <a:srgbClr val="747474"/>
                 </a:solidFill>
+                <a:latin typeface="Century" panose="02040604050505020304" pitchFamily="18" charset="0"/>
               </a:rPr>
               <a:t> </a:t>
             </a:r>
@@ -34957,6 +35822,7 @@
                 <a:solidFill>
                   <a:srgbClr val="747474"/>
                 </a:solidFill>
+                <a:latin typeface="Century" panose="02040604050505020304" pitchFamily="18" charset="0"/>
               </a:rPr>
               <a:t>dokumentacije</a:t>
             </a:r>
@@ -34965,6 +35831,7 @@
                 <a:solidFill>
                   <a:srgbClr val="747474"/>
                 </a:solidFill>
+                <a:latin typeface="Century" panose="02040604050505020304" pitchFamily="18" charset="0"/>
               </a:rPr>
               <a:t>, </a:t>
             </a:r>
@@ -34973,6 +35840,7 @@
                 <a:solidFill>
                   <a:srgbClr val="747474"/>
                 </a:solidFill>
+                <a:latin typeface="Century" panose="02040604050505020304" pitchFamily="18" charset="0"/>
               </a:rPr>
               <a:t>konačna</a:t>
             </a:r>
@@ -34981,6 +35849,7 @@
                 <a:solidFill>
                   <a:srgbClr val="747474"/>
                 </a:solidFill>
+                <a:latin typeface="Century" panose="02040604050505020304" pitchFamily="18" charset="0"/>
               </a:rPr>
               <a:t> baza podataka</a:t>
             </a:r>
@@ -34988,6 +35857,7 @@
               <a:solidFill>
                 <a:srgbClr val="747474"/>
               </a:solidFill>
+              <a:latin typeface="Century" panose="02040604050505020304" pitchFamily="18" charset="0"/>
             </a:endParaRPr>
           </a:p>
         </p:txBody>
@@ -35163,6 +36033,7 @@
                 <a:solidFill>
                   <a:srgbClr val="747474"/>
                 </a:solidFill>
+                <a:latin typeface="Century" panose="02040604050505020304" pitchFamily="18" charset="0"/>
               </a:rPr>
               <a:t>Zaključak</a:t>
             </a:r>
@@ -35185,7 +36056,7 @@
             <p:ph idx="1"/>
             <p:extLst>
               <p:ext uri="{D42A27DB-BD31-4B8C-83A1-F6EECF244321}">
-                <p14:modId xmlns:p14="http://schemas.microsoft.com/office/powerpoint/2010/main" val="3948046"/>
+                <p14:modId xmlns:p14="http://schemas.microsoft.com/office/powerpoint/2010/main" val="3291460939"/>
               </p:ext>
             </p:extLst>
           </p:nvPr>
@@ -35441,7 +36312,7 @@
             <p:ph idx="1"/>
             <p:extLst>
               <p:ext uri="{D42A27DB-BD31-4B8C-83A1-F6EECF244321}">
-                <p14:modId xmlns:p14="http://schemas.microsoft.com/office/powerpoint/2010/main" val="1310240217"/>
+                <p14:modId xmlns:p14="http://schemas.microsoft.com/office/powerpoint/2010/main" val="3499588451"/>
               </p:ext>
             </p:extLst>
           </p:nvPr>
@@ -35570,15 +36441,29 @@
             <p:ph type="title"/>
           </p:nvPr>
         </p:nvSpPr>
-        <p:spPr/>
+        <p:spPr>
+          <a:solidFill>
+            <a:srgbClr val="747474"/>
+          </a:solidFill>
+          <a:ln w="19050" cap="flat" cmpd="sng" algn="ctr">
+            <a:solidFill>
+              <a:srgbClr val="FFB7DA"/>
+            </a:solidFill>
+            <a:prstDash val="solid"/>
+            <a:miter lim="800000"/>
+          </a:ln>
+          <a:effectLst/>
+        </p:spPr>
         <p:txBody>
-          <a:bodyPr/>
+          <a:bodyPr spcFirstLastPara="0" vert="horz" wrap="square" lIns="72390" tIns="72390" rIns="72390" bIns="72390" numCol="1" spcCol="1270" anchor="ctr" anchorCtr="0">
+            <a:noAutofit/>
+          </a:bodyPr>
           <a:lstStyle/>
           <a:p>
             <a:r>
-              <a:rPr lang="hr-HR" noProof="0" dirty="0">
+              <a:rPr lang="hr-HR" dirty="0">
                 <a:solidFill>
-                  <a:srgbClr val="747474"/>
+                  <a:srgbClr val="FFB7DA"/>
                 </a:solidFill>
                 <a:latin typeface="Century" panose="02040604050505020304" pitchFamily="18" charset="0"/>
               </a:rPr>
@@ -35603,7 +36488,7 @@
             <p:ph idx="1"/>
             <p:extLst>
               <p:ext uri="{D42A27DB-BD31-4B8C-83A1-F6EECF244321}">
-                <p14:modId xmlns:p14="http://schemas.microsoft.com/office/powerpoint/2010/main" val="917608326"/>
+                <p14:modId xmlns:p14="http://schemas.microsoft.com/office/powerpoint/2010/main" val="861233960"/>
               </p:ext>
             </p:extLst>
           </p:nvPr>
@@ -35986,8 +36871,8 @@
         </p:nvSpPr>
         <p:spPr>
           <a:xfrm>
-            <a:off x="838200" y="1610126"/>
-            <a:ext cx="9589655" cy="1200329"/>
+            <a:off x="838201" y="1610126"/>
+            <a:ext cx="4600928" cy="1477328"/>
           </a:xfrm>
           <a:prstGeom prst="rect">
             <a:avLst/>
@@ -36009,6 +36894,7 @@
                 <a:solidFill>
                   <a:srgbClr val="747474"/>
                 </a:solidFill>
+                <a:latin typeface="Century" panose="02040604050505020304" pitchFamily="18" charset="0"/>
               </a:rPr>
               <a:t>FER web</a:t>
             </a:r>
@@ -36023,6 +36909,7 @@
                 <a:solidFill>
                   <a:srgbClr val="747474"/>
                 </a:solidFill>
+                <a:latin typeface="Century" panose="02040604050505020304" pitchFamily="18" charset="0"/>
               </a:rPr>
               <a:t>Moodle</a:t>
             </a:r>
@@ -36037,6 +36924,7 @@
                 <a:solidFill>
                   <a:srgbClr val="747474"/>
                 </a:solidFill>
+                <a:latin typeface="Century" panose="02040604050505020304" pitchFamily="18" charset="0"/>
               </a:rPr>
               <a:t>Google classroom</a:t>
             </a:r>
@@ -36051,6 +36939,7 @@
                 <a:solidFill>
                   <a:srgbClr val="747474"/>
                 </a:solidFill>
+                <a:latin typeface="Century" panose="02040604050505020304" pitchFamily="18" charset="0"/>
               </a:rPr>
               <a:t>razni</a:t>
             </a:r>
@@ -36059,14 +36948,34 @@
                 <a:solidFill>
                   <a:srgbClr val="747474"/>
                 </a:solidFill>
+                <a:latin typeface="Century" panose="02040604050505020304" pitchFamily="18" charset="0"/>
               </a:rPr>
-              <a:t> drugi fakulteta </a:t>
+              <a:t> drugi </a:t>
             </a:r>
             <a:r>
               <a:rPr lang="en-US" dirty="0" err="1">
                 <a:solidFill>
                   <a:srgbClr val="747474"/>
                 </a:solidFill>
+                <a:latin typeface="Century" panose="02040604050505020304" pitchFamily="18" charset="0"/>
+              </a:rPr>
+              <a:t>fakulteti</a:t>
+            </a:r>
+            <a:r>
+              <a:rPr lang="en-US" dirty="0">
+                <a:solidFill>
+                  <a:srgbClr val="747474"/>
+                </a:solidFill>
+                <a:latin typeface="Century" panose="02040604050505020304" pitchFamily="18" charset="0"/>
+              </a:rPr>
+              <a:t> </a:t>
+            </a:r>
+            <a:r>
+              <a:rPr lang="en-US" dirty="0" err="1">
+                <a:solidFill>
+                  <a:srgbClr val="747474"/>
+                </a:solidFill>
+                <a:latin typeface="Century" panose="02040604050505020304" pitchFamily="18" charset="0"/>
               </a:rPr>
               <a:t>koriste</a:t>
             </a:r>
@@ -36075,6 +36984,7 @@
                 <a:solidFill>
                   <a:srgbClr val="747474"/>
                 </a:solidFill>
+                <a:latin typeface="Century" panose="02040604050505020304" pitchFamily="18" charset="0"/>
               </a:rPr>
               <a:t> </a:t>
             </a:r>
@@ -36083,6 +36993,7 @@
                 <a:solidFill>
                   <a:srgbClr val="747474"/>
                 </a:solidFill>
+                <a:latin typeface="Century" panose="02040604050505020304" pitchFamily="18" charset="0"/>
               </a:rPr>
               <a:t>slična</a:t>
             </a:r>
@@ -36091,6 +37002,7 @@
                 <a:solidFill>
                   <a:srgbClr val="747474"/>
                 </a:solidFill>
+                <a:latin typeface="Century" panose="02040604050505020304" pitchFamily="18" charset="0"/>
               </a:rPr>
               <a:t> </a:t>
             </a:r>
@@ -36099,6 +37011,7 @@
                 <a:solidFill>
                   <a:srgbClr val="747474"/>
                 </a:solidFill>
+                <a:latin typeface="Century" panose="02040604050505020304" pitchFamily="18" charset="0"/>
               </a:rPr>
               <a:t>rješenja</a:t>
             </a:r>
@@ -36106,6 +37019,7 @@
               <a:solidFill>
                 <a:srgbClr val="747474"/>
               </a:solidFill>
+              <a:latin typeface="Century" panose="02040604050505020304" pitchFamily="18" charset="0"/>
             </a:endParaRPr>
           </a:p>
         </p:txBody>
@@ -36136,6 +37050,7 @@
                 <a:solidFill>
                   <a:srgbClr val="747474"/>
                 </a:solidFill>
+                <a:latin typeface="Century" panose="02040604050505020304" pitchFamily="18" charset="0"/>
               </a:rPr>
               <a:t>Slična rješenja</a:t>
             </a:r>
@@ -36311,8 +37226,8 @@
         </p:nvSpPr>
         <p:spPr>
           <a:xfrm>
-            <a:off x="2430304" y="3818533"/>
-            <a:ext cx="1407160" cy="369332"/>
+            <a:off x="2380536" y="3821986"/>
+            <a:ext cx="1506696" cy="369332"/>
           </a:xfrm>
           <a:prstGeom prst="rect">
             <a:avLst/>
@@ -36336,6 +37251,7 @@
                 <a:solidFill>
                   <a:srgbClr val="747474"/>
                 </a:solidFill>
+                <a:latin typeface="Century" panose="02040604050505020304" pitchFamily="18" charset="0"/>
               </a:rPr>
               <a:t>FER-</a:t>
             </a:r>
@@ -36344,6 +37260,7 @@
                 <a:solidFill>
                   <a:srgbClr val="747474"/>
                 </a:solidFill>
+                <a:latin typeface="Century" panose="02040604050505020304" pitchFamily="18" charset="0"/>
               </a:rPr>
               <a:t>Moodle</a:t>
             </a:r>
@@ -36351,6 +37268,7 @@
               <a:solidFill>
                 <a:srgbClr val="747474"/>
               </a:solidFill>
+              <a:latin typeface="Century" panose="02040604050505020304" pitchFamily="18" charset="0"/>
             </a:endParaRPr>
           </a:p>
         </p:txBody>
@@ -36411,7 +37329,7 @@
         <p:spPr>
           <a:xfrm>
             <a:off x="7707839" y="3799840"/>
-            <a:ext cx="1036822" cy="369332"/>
+            <a:ext cx="1159292" cy="369332"/>
           </a:xfrm>
           <a:prstGeom prst="rect">
             <a:avLst/>
@@ -36434,6 +37352,7 @@
                 <a:solidFill>
                   <a:srgbClr val="747474"/>
                 </a:solidFill>
+                <a:latin typeface="Century" panose="02040604050505020304" pitchFamily="18" charset="0"/>
               </a:rPr>
               <a:t>FER web</a:t>
             </a:r>
@@ -36468,7 +37387,7 @@
         </p:blipFill>
         <p:spPr>
           <a:xfrm>
-            <a:off x="838200" y="1672435"/>
+            <a:off x="828640" y="1649375"/>
             <a:ext cx="4591368" cy="4239446"/>
           </a:xfrm>
           <a:prstGeom prst="rect">
@@ -36496,7 +37415,7 @@
         <p:spPr>
           <a:xfrm>
             <a:off x="2615473" y="5911881"/>
-            <a:ext cx="1036822" cy="369332"/>
+            <a:ext cx="1159292" cy="369332"/>
           </a:xfrm>
           <a:prstGeom prst="rect">
             <a:avLst/>
@@ -36519,6 +37438,7 @@
                 <a:solidFill>
                   <a:srgbClr val="747474"/>
                 </a:solidFill>
+                <a:latin typeface="Century" panose="02040604050505020304" pitchFamily="18" charset="0"/>
               </a:rPr>
               <a:t>FER web</a:t>
             </a:r>
@@ -37111,6 +38031,7 @@
                 <a:solidFill>
                   <a:srgbClr val="747474"/>
                 </a:solidFill>
+                <a:latin typeface="Century" panose="02040604050505020304" pitchFamily="18" charset="0"/>
               </a:rPr>
               <a:t>Pregled zahtjeva</a:t>
             </a:r>
@@ -37133,7 +38054,7 @@
             <p:ph idx="1"/>
             <p:extLst>
               <p:ext uri="{D42A27DB-BD31-4B8C-83A1-F6EECF244321}">
-                <p14:modId xmlns:p14="http://schemas.microsoft.com/office/powerpoint/2010/main" val="3962509880"/>
+                <p14:modId xmlns:p14="http://schemas.microsoft.com/office/powerpoint/2010/main" val="3300355416"/>
               </p:ext>
             </p:extLst>
           </p:nvPr>
@@ -37319,10 +38240,13 @@
                 <a:solidFill>
                   <a:srgbClr val="747474"/>
                 </a:solidFill>
+                <a:latin typeface="Century" panose="02040604050505020304" pitchFamily="18" charset="0"/>
               </a:rPr>
               <a:t>Pregled zahtjeva</a:t>
             </a:r>
-            <a:endParaRPr lang="hr-HR" dirty="0"/>
+            <a:endParaRPr lang="hr-HR" dirty="0">
+              <a:latin typeface="Century" panose="02040604050505020304" pitchFamily="18" charset="0"/>
+            </a:endParaRPr>
           </a:p>
         </p:txBody>
       </p:sp>
@@ -37342,7 +38266,7 @@
             <p:ph idx="1"/>
             <p:extLst>
               <p:ext uri="{D42A27DB-BD31-4B8C-83A1-F6EECF244321}">
-                <p14:modId xmlns:p14="http://schemas.microsoft.com/office/powerpoint/2010/main" val="4112346713"/>
+                <p14:modId xmlns:p14="http://schemas.microsoft.com/office/powerpoint/2010/main" val="4064767170"/>
               </p:ext>
             </p:extLst>
           </p:nvPr>
@@ -37528,6 +38452,7 @@
                 <a:solidFill>
                   <a:srgbClr val="747474"/>
                 </a:solidFill>
+                <a:latin typeface="Century" panose="02040604050505020304" pitchFamily="18" charset="0"/>
               </a:rPr>
               <a:t>UML dijagram obrazaca uporabe</a:t>
             </a:r>
@@ -37535,6 +38460,7 @@
               <a:solidFill>
                 <a:srgbClr val="747474"/>
               </a:solidFill>
+              <a:latin typeface="Century" panose="02040604050505020304" pitchFamily="18" charset="0"/>
             </a:endParaRPr>
           </a:p>
         </p:txBody>
@@ -37745,6 +38671,7 @@
                 <a:solidFill>
                   <a:srgbClr val="747474"/>
                 </a:solidFill>
+                <a:latin typeface="Century" panose="02040604050505020304" pitchFamily="18" charset="0"/>
               </a:rPr>
               <a:t>Korišteni alati i tehnologije</a:t>
             </a:r>
@@ -37767,7 +38694,7 @@
             <p:ph idx="1"/>
             <p:extLst>
               <p:ext uri="{D42A27DB-BD31-4B8C-83A1-F6EECF244321}">
-                <p14:modId xmlns:p14="http://schemas.microsoft.com/office/powerpoint/2010/main" val="3401657697"/>
+                <p14:modId xmlns:p14="http://schemas.microsoft.com/office/powerpoint/2010/main" val="500335654"/>
               </p:ext>
             </p:extLst>
           </p:nvPr>
